--- a/Redis.pptx
+++ b/Redis.pptx
@@ -8,24 +8,23 @@
     <p:sldId id="256" r:id="rId2"/>
     <p:sldId id="257" r:id="rId3"/>
     <p:sldId id="258" r:id="rId4"/>
-    <p:sldId id="259" r:id="rId5"/>
-    <p:sldId id="260" r:id="rId6"/>
-    <p:sldId id="261" r:id="rId7"/>
-    <p:sldId id="262" r:id="rId8"/>
-    <p:sldId id="263" r:id="rId9"/>
-    <p:sldId id="264" r:id="rId10"/>
-    <p:sldId id="265" r:id="rId11"/>
-    <p:sldId id="266" r:id="rId12"/>
-    <p:sldId id="267" r:id="rId13"/>
-    <p:sldId id="268" r:id="rId14"/>
-    <p:sldId id="269" r:id="rId15"/>
-    <p:sldId id="270" r:id="rId16"/>
-    <p:sldId id="271" r:id="rId17"/>
-    <p:sldId id="272" r:id="rId18"/>
-    <p:sldId id="273" r:id="rId19"/>
-    <p:sldId id="274" r:id="rId20"/>
-    <p:sldId id="275" r:id="rId21"/>
-    <p:sldId id="276" r:id="rId22"/>
+    <p:sldId id="277" r:id="rId5"/>
+    <p:sldId id="259" r:id="rId6"/>
+    <p:sldId id="262" r:id="rId7"/>
+    <p:sldId id="263" r:id="rId8"/>
+    <p:sldId id="264" r:id="rId9"/>
+    <p:sldId id="265" r:id="rId10"/>
+    <p:sldId id="266" r:id="rId11"/>
+    <p:sldId id="267" r:id="rId12"/>
+    <p:sldId id="268" r:id="rId13"/>
+    <p:sldId id="269" r:id="rId14"/>
+    <p:sldId id="270" r:id="rId15"/>
+    <p:sldId id="271" r:id="rId16"/>
+    <p:sldId id="272" r:id="rId17"/>
+    <p:sldId id="273" r:id="rId18"/>
+    <p:sldId id="274" r:id="rId19"/>
+    <p:sldId id="275" r:id="rId20"/>
+    <p:sldId id="276" r:id="rId21"/>
   </p:sldIdLst>
   <p:sldSz cx="12192000" cy="6858000"/>
   <p:notesSz cx="6858000" cy="9144000"/>
@@ -279,7 +278,7 @@
           <a:p>
             <a:fld id="{169B4A5C-6E68-A445-90E1-6DED98768CBB}" type="datetimeFigureOut">
               <a:rPr kumimoji="1" lang="zh-CN" altLang="en-US" smtClean="0"/>
-              <a:t>2020/4/4</a:t>
+              <a:t>2020/7/11</a:t>
             </a:fld>
             <a:endParaRPr kumimoji="1" lang="zh-CN" altLang="en-US"/>
           </a:p>
@@ -477,7 +476,7 @@
           <a:p>
             <a:fld id="{169B4A5C-6E68-A445-90E1-6DED98768CBB}" type="datetimeFigureOut">
               <a:rPr kumimoji="1" lang="zh-CN" altLang="en-US" smtClean="0"/>
-              <a:t>2020/4/4</a:t>
+              <a:t>2020/7/11</a:t>
             </a:fld>
             <a:endParaRPr kumimoji="1" lang="zh-CN" altLang="en-US"/>
           </a:p>
@@ -685,7 +684,7 @@
           <a:p>
             <a:fld id="{169B4A5C-6E68-A445-90E1-6DED98768CBB}" type="datetimeFigureOut">
               <a:rPr kumimoji="1" lang="zh-CN" altLang="en-US" smtClean="0"/>
-              <a:t>2020/4/4</a:t>
+              <a:t>2020/7/11</a:t>
             </a:fld>
             <a:endParaRPr kumimoji="1" lang="zh-CN" altLang="en-US"/>
           </a:p>
@@ -883,7 +882,7 @@
           <a:p>
             <a:fld id="{169B4A5C-6E68-A445-90E1-6DED98768CBB}" type="datetimeFigureOut">
               <a:rPr kumimoji="1" lang="zh-CN" altLang="en-US" smtClean="0"/>
-              <a:t>2020/4/4</a:t>
+              <a:t>2020/7/11</a:t>
             </a:fld>
             <a:endParaRPr kumimoji="1" lang="zh-CN" altLang="en-US"/>
           </a:p>
@@ -1158,7 +1157,7 @@
           <a:p>
             <a:fld id="{169B4A5C-6E68-A445-90E1-6DED98768CBB}" type="datetimeFigureOut">
               <a:rPr kumimoji="1" lang="zh-CN" altLang="en-US" smtClean="0"/>
-              <a:t>2020/4/4</a:t>
+              <a:t>2020/7/11</a:t>
             </a:fld>
             <a:endParaRPr kumimoji="1" lang="zh-CN" altLang="en-US"/>
           </a:p>
@@ -1423,7 +1422,7 @@
           <a:p>
             <a:fld id="{169B4A5C-6E68-A445-90E1-6DED98768CBB}" type="datetimeFigureOut">
               <a:rPr kumimoji="1" lang="zh-CN" altLang="en-US" smtClean="0"/>
-              <a:t>2020/4/4</a:t>
+              <a:t>2020/7/11</a:t>
             </a:fld>
             <a:endParaRPr kumimoji="1" lang="zh-CN" altLang="en-US"/>
           </a:p>
@@ -1835,7 +1834,7 @@
           <a:p>
             <a:fld id="{169B4A5C-6E68-A445-90E1-6DED98768CBB}" type="datetimeFigureOut">
               <a:rPr kumimoji="1" lang="zh-CN" altLang="en-US" smtClean="0"/>
-              <a:t>2020/4/4</a:t>
+              <a:t>2020/7/11</a:t>
             </a:fld>
             <a:endParaRPr kumimoji="1" lang="zh-CN" altLang="en-US"/>
           </a:p>
@@ -1976,7 +1975,7 @@
           <a:p>
             <a:fld id="{169B4A5C-6E68-A445-90E1-6DED98768CBB}" type="datetimeFigureOut">
               <a:rPr kumimoji="1" lang="zh-CN" altLang="en-US" smtClean="0"/>
-              <a:t>2020/4/4</a:t>
+              <a:t>2020/7/11</a:t>
             </a:fld>
             <a:endParaRPr kumimoji="1" lang="zh-CN" altLang="en-US"/>
           </a:p>
@@ -2089,7 +2088,7 @@
           <a:p>
             <a:fld id="{169B4A5C-6E68-A445-90E1-6DED98768CBB}" type="datetimeFigureOut">
               <a:rPr kumimoji="1" lang="zh-CN" altLang="en-US" smtClean="0"/>
-              <a:t>2020/4/4</a:t>
+              <a:t>2020/7/11</a:t>
             </a:fld>
             <a:endParaRPr kumimoji="1" lang="zh-CN" altLang="en-US"/>
           </a:p>
@@ -2400,7 +2399,7 @@
           <a:p>
             <a:fld id="{169B4A5C-6E68-A445-90E1-6DED98768CBB}" type="datetimeFigureOut">
               <a:rPr kumimoji="1" lang="zh-CN" altLang="en-US" smtClean="0"/>
-              <a:t>2020/4/4</a:t>
+              <a:t>2020/7/11</a:t>
             </a:fld>
             <a:endParaRPr kumimoji="1" lang="zh-CN" altLang="en-US"/>
           </a:p>
@@ -2688,7 +2687,7 @@
           <a:p>
             <a:fld id="{169B4A5C-6E68-A445-90E1-6DED98768CBB}" type="datetimeFigureOut">
               <a:rPr kumimoji="1" lang="zh-CN" altLang="en-US" smtClean="0"/>
-              <a:t>2020/4/4</a:t>
+              <a:t>2020/7/11</a:t>
             </a:fld>
             <a:endParaRPr kumimoji="1" lang="zh-CN" altLang="en-US"/>
           </a:p>
@@ -2929,7 +2928,7 @@
           <a:p>
             <a:fld id="{169B4A5C-6E68-A445-90E1-6DED98768CBB}" type="datetimeFigureOut">
               <a:rPr kumimoji="1" lang="zh-CN" altLang="en-US" smtClean="0"/>
-              <a:t>2020/4/4</a:t>
+              <a:t>2020/7/11</a:t>
             </a:fld>
             <a:endParaRPr kumimoji="1" lang="zh-CN" altLang="en-US"/>
           </a:p>
@@ -3438,7 +3437,7 @@
           <p:cNvPr id="2" name="标题 1">
             <a:extLst>
               <a:ext uri="{FF2B5EF4-FFF2-40B4-BE49-F238E27FC236}">
-                <a16:creationId xmlns:a16="http://schemas.microsoft.com/office/drawing/2014/main" id="{1FA2F760-D0E5-AA4D-9C78-10F3E7F0486A}"/>
+                <a16:creationId xmlns:a16="http://schemas.microsoft.com/office/drawing/2014/main" id="{8A4DA5F4-ECAF-1B4F-BCB5-69882112772F}"/>
               </a:ext>
             </a:extLst>
           </p:cNvPr>
@@ -3455,9 +3454,10 @@
           <a:lstStyle/>
           <a:p>
             <a:r>
-              <a:rPr kumimoji="1" lang="zh-CN" altLang="en-US" dirty="0"/>
-              <a:t>原理</a:t>
-            </a:r>
+              <a:rPr kumimoji="1" lang="en-US" altLang="zh-CN" dirty="0"/>
+              <a:t>RDB/AOF</a:t>
+            </a:r>
+            <a:endParaRPr kumimoji="1" lang="zh-CN" altLang="en-US" dirty="0"/>
           </a:p>
         </p:txBody>
       </p:sp>
@@ -3466,7 +3466,7 @@
           <p:cNvPr id="3" name="内容占位符 2">
             <a:extLst>
               <a:ext uri="{FF2B5EF4-FFF2-40B4-BE49-F238E27FC236}">
-                <a16:creationId xmlns:a16="http://schemas.microsoft.com/office/drawing/2014/main" id="{97867694-A178-5D42-937E-3AF8583CB7B0}"/>
+                <a16:creationId xmlns:a16="http://schemas.microsoft.com/office/drawing/2014/main" id="{F29A0365-6130-3A41-8FD3-9A84F9788CA7}"/>
               </a:ext>
             </a:extLst>
           </p:cNvPr>
@@ -3483,65 +3483,150 @@
           <a:lstStyle/>
           <a:p>
             <a:r>
+              <a:rPr kumimoji="1" lang="zh-CN" altLang="en-US" dirty="0"/>
+              <a:t>快照是内存数据的二进制序列化形式</a:t>
+            </a:r>
+            <a:endParaRPr kumimoji="1" lang="en-US" altLang="zh-CN" dirty="0"/>
+          </a:p>
+          <a:p>
+            <a:r>
+              <a:rPr kumimoji="1" lang="en-US" altLang="zh-CN" dirty="0"/>
+              <a:t>AOF</a:t>
+            </a:r>
+            <a:r>
+              <a:rPr kumimoji="1" lang="zh-CN" altLang="en-US" dirty="0"/>
+              <a:t>日志记录的是内存数据修改的指令记录文本</a:t>
+            </a:r>
+            <a:endParaRPr kumimoji="1" lang="en-US" altLang="zh-CN" dirty="0"/>
+          </a:p>
+          <a:p>
+            <a:r>
+              <a:rPr kumimoji="1" lang="en-US" altLang="zh-CN" dirty="0"/>
+              <a:t>COW</a:t>
+            </a:r>
+            <a:r>
+              <a:rPr kumimoji="1" lang="zh-CN" altLang="en-US" dirty="0"/>
+              <a:t>机制实现快照持久化，</a:t>
+            </a:r>
+            <a:r>
+              <a:rPr kumimoji="1" lang="en-US" altLang="zh-CN" dirty="0"/>
+              <a:t>fork</a:t>
+            </a:r>
+            <a:r>
+              <a:rPr kumimoji="1" lang="zh-CN" altLang="en-US" dirty="0"/>
+              <a:t>子进程，数据段页面分离</a:t>
+            </a:r>
+            <a:endParaRPr kumimoji="1" lang="en-US" altLang="zh-CN" dirty="0"/>
+          </a:p>
+          <a:p>
+            <a:r>
+              <a:rPr kumimoji="1" lang="en-US" altLang="zh-CN" dirty="0" err="1"/>
+              <a:t>bgrewriteaof</a:t>
+            </a:r>
+            <a:r>
+              <a:rPr kumimoji="1" lang="zh-CN" altLang="en-US" dirty="0"/>
+              <a:t>对</a:t>
+            </a:r>
+            <a:r>
+              <a:rPr kumimoji="1" lang="en-US" altLang="zh-CN" dirty="0"/>
+              <a:t>AOF</a:t>
+            </a:r>
+            <a:r>
+              <a:rPr kumimoji="1" lang="zh-CN" altLang="en-US" dirty="0"/>
+              <a:t>日志进行瘦身，内存遍历</a:t>
+            </a:r>
+            <a:r>
+              <a:rPr kumimoji="1" lang="en-US" altLang="zh-CN" dirty="0"/>
+              <a:t>-&gt;Redis</a:t>
+            </a:r>
+            <a:r>
+              <a:rPr kumimoji="1" lang="zh-CN" altLang="en-US" dirty="0"/>
+              <a:t>操作指令</a:t>
+            </a:r>
+            <a:endParaRPr kumimoji="1" lang="en-US" altLang="zh-CN" dirty="0"/>
+          </a:p>
+          <a:p>
+            <a:r>
               <a:rPr kumimoji="1" lang="en-US" altLang="zh-CN" dirty="0"/>
               <a:t>Redis</a:t>
             </a:r>
             <a:r>
               <a:rPr kumimoji="1" lang="zh-CN" altLang="en-US" dirty="0"/>
-              <a:t>是单线程，慎用</a:t>
-            </a:r>
-            <a:r>
-              <a:rPr kumimoji="1" lang="en-US" altLang="zh-CN" dirty="0"/>
-              <a:t>O(n)</a:t>
-            </a:r>
-            <a:r>
-              <a:rPr kumimoji="1" lang="zh-CN" altLang="en-US" dirty="0"/>
-              <a:t>级别指令</a:t>
+              <a:t>通常配置每隔</a:t>
+            </a:r>
+            <a:r>
+              <a:rPr kumimoji="1" lang="en-US" altLang="zh-CN" dirty="0"/>
+              <a:t>1s</a:t>
+            </a:r>
+            <a:r>
+              <a:rPr kumimoji="1" lang="zh-CN" altLang="en-US" dirty="0"/>
+              <a:t>执行一次</a:t>
+            </a:r>
+            <a:r>
+              <a:rPr kumimoji="1" lang="en-US" altLang="zh-CN" dirty="0" err="1"/>
+              <a:t>fsync</a:t>
+            </a:r>
+            <a:r>
+              <a:rPr kumimoji="1" lang="zh-CN" altLang="en-US" dirty="0"/>
+              <a:t>，强制内核缓冲刷新到磁盘</a:t>
             </a:r>
             <a:endParaRPr kumimoji="1" lang="en-US" altLang="zh-CN" dirty="0"/>
           </a:p>
           <a:p>
             <a:r>
               <a:rPr kumimoji="1" lang="zh-CN" altLang="en-US" dirty="0"/>
-              <a:t>非阻塞</a:t>
-            </a:r>
-            <a:r>
-              <a:rPr kumimoji="1" lang="en-US" altLang="zh-CN" dirty="0"/>
-              <a:t>IO/</a:t>
-            </a:r>
-            <a:r>
-              <a:rPr kumimoji="1" lang="zh-CN" altLang="en-US" dirty="0"/>
-              <a:t>多路复用</a:t>
-            </a:r>
-            <a:r>
-              <a:rPr kumimoji="1" lang="en-US" altLang="zh-CN" dirty="0"/>
-              <a:t>/select-&gt;</a:t>
-            </a:r>
-            <a:r>
-              <a:rPr kumimoji="1" lang="en-US" altLang="zh-CN" dirty="0" err="1"/>
-              <a:t>epoll</a:t>
-            </a:r>
-            <a:r>
-              <a:rPr kumimoji="1" lang="en-US" altLang="zh-CN" dirty="0"/>
-              <a:t>/Java</a:t>
-            </a:r>
-            <a:r>
-              <a:rPr kumimoji="1" lang="zh-CN" altLang="en-US" dirty="0"/>
-              <a:t> </a:t>
-            </a:r>
-            <a:r>
-              <a:rPr kumimoji="1" lang="en-US" altLang="zh-CN" dirty="0"/>
-              <a:t>NIO</a:t>
-            </a:r>
-          </a:p>
-          <a:p>
-            <a:r>
-              <a:rPr kumimoji="1" lang="en-US" altLang="zh-CN" dirty="0"/>
-              <a:t>RESP</a:t>
+              <a:t>通常</a:t>
+            </a:r>
+            <a:r>
+              <a:rPr kumimoji="1" lang="en-US" altLang="zh-CN" dirty="0"/>
+              <a:t>Redis</a:t>
+            </a:r>
+            <a:r>
+              <a:rPr kumimoji="1" lang="zh-CN" altLang="en-US" dirty="0"/>
+              <a:t>主节点不会进行持久化操作，从节点进行</a:t>
+            </a:r>
+            <a:endParaRPr kumimoji="1" lang="en-US" altLang="zh-CN" dirty="0"/>
+          </a:p>
+          <a:p>
+            <a:r>
+              <a:rPr kumimoji="1" lang="en-US" altLang="zh-CN" dirty="0"/>
+              <a:t>Redis</a:t>
+            </a:r>
+            <a:r>
+              <a:rPr kumimoji="1" lang="zh-CN" altLang="en-US" dirty="0"/>
+              <a:t> </a:t>
+            </a:r>
+            <a:r>
+              <a:rPr kumimoji="1" lang="en-US" altLang="zh-CN" dirty="0"/>
+              <a:t>4.0</a:t>
+            </a:r>
+            <a:r>
+              <a:rPr kumimoji="1" lang="zh-CN" altLang="en-US" dirty="0"/>
+              <a:t>混合持久化，</a:t>
+            </a:r>
+            <a:r>
+              <a:rPr kumimoji="1" lang="en-US" altLang="zh-CN"/>
+              <a:t>Redis</a:t>
             </a:r>
             <a:r>
               <a:rPr kumimoji="1" lang="zh-CN" altLang="en-US"/>
-              <a:t>序列化协议</a:t>
+              <a:t>重启先</a:t>
+            </a:r>
+            <a:r>
+              <a:rPr kumimoji="1" lang="zh-CN" altLang="en-US" dirty="0"/>
+              <a:t>加载</a:t>
+            </a:r>
+            <a:r>
+              <a:rPr kumimoji="1" lang="en-US" altLang="zh-CN" dirty="0" err="1"/>
+              <a:t>rdb</a:t>
+            </a:r>
+            <a:r>
+              <a:rPr kumimoji="1" lang="zh-CN" altLang="en-US" dirty="0"/>
+              <a:t>，后重放</a:t>
+            </a:r>
+            <a:r>
+              <a:rPr kumimoji="1" lang="en-US" altLang="zh-CN" dirty="0"/>
+              <a:t>AOF</a:t>
             </a:r>
             <a:endParaRPr kumimoji="1" lang="zh-CN" altLang="en-US" dirty="0"/>
           </a:p>
@@ -3550,7 +3635,7 @@
     </p:spTree>
     <p:extLst>
       <p:ext uri="{BB962C8B-B14F-4D97-AF65-F5344CB8AC3E}">
-        <p14:creationId xmlns:p14="http://schemas.microsoft.com/office/powerpoint/2010/main" val="1113628274"/>
+        <p14:creationId xmlns:p14="http://schemas.microsoft.com/office/powerpoint/2010/main" val="1417095162"/>
       </p:ext>
     </p:extLst>
   </p:cSld>
@@ -3582,7 +3667,7 @@
           <p:cNvPr id="2" name="标题 1">
             <a:extLst>
               <a:ext uri="{FF2B5EF4-FFF2-40B4-BE49-F238E27FC236}">
-                <a16:creationId xmlns:a16="http://schemas.microsoft.com/office/drawing/2014/main" id="{8A4DA5F4-ECAF-1B4F-BCB5-69882112772F}"/>
+                <a16:creationId xmlns:a16="http://schemas.microsoft.com/office/drawing/2014/main" id="{97E68ED7-6741-8F41-95EC-9352E1187B05}"/>
               </a:ext>
             </a:extLst>
           </p:cNvPr>
@@ -3599,10 +3684,9 @@
           <a:lstStyle/>
           <a:p>
             <a:r>
-              <a:rPr kumimoji="1" lang="en-US" altLang="zh-CN" dirty="0"/>
-              <a:t>RDB/AOF</a:t>
-            </a:r>
-            <a:endParaRPr kumimoji="1" lang="zh-CN" altLang="en-US" dirty="0"/>
+              <a:rPr kumimoji="1" lang="zh-CN" altLang="en-US" dirty="0"/>
+              <a:t>管道</a:t>
+            </a:r>
           </a:p>
         </p:txBody>
       </p:sp>
@@ -3611,7 +3695,7 @@
           <p:cNvPr id="3" name="内容占位符 2">
             <a:extLst>
               <a:ext uri="{FF2B5EF4-FFF2-40B4-BE49-F238E27FC236}">
-                <a16:creationId xmlns:a16="http://schemas.microsoft.com/office/drawing/2014/main" id="{F29A0365-6130-3A41-8FD3-9A84F9788CA7}"/>
+                <a16:creationId xmlns:a16="http://schemas.microsoft.com/office/drawing/2014/main" id="{78D4BC0E-C19F-D94A-857C-B7BBD7DC1EED}"/>
               </a:ext>
             </a:extLst>
           </p:cNvPr>
@@ -3628,159 +3712,88 @@
           <a:lstStyle/>
           <a:p>
             <a:r>
-              <a:rPr kumimoji="1" lang="zh-CN" altLang="en-US" dirty="0"/>
-              <a:t>快照是内存数据的二进制序列化形式</a:t>
+              <a:rPr kumimoji="1" lang="en-US" altLang="zh-CN" dirty="0"/>
+              <a:t>value</a:t>
+            </a:r>
+            <a:r>
+              <a:rPr kumimoji="1" lang="zh-CN" altLang="en-US" dirty="0"/>
+              <a:t> </a:t>
+            </a:r>
+            <a:r>
+              <a:rPr kumimoji="1" lang="en-US" altLang="zh-CN" dirty="0"/>
+              <a:t>=</a:t>
+            </a:r>
+            <a:r>
+              <a:rPr kumimoji="1" lang="zh-CN" altLang="en-US" dirty="0"/>
+              <a:t> </a:t>
+            </a:r>
+            <a:r>
+              <a:rPr kumimoji="1" lang="en-US" altLang="zh-CN" dirty="0" err="1"/>
+              <a:t>redis.get</a:t>
+            </a:r>
+            <a:r>
+              <a:rPr kumimoji="1" lang="en-US" altLang="zh-CN" dirty="0"/>
+              <a:t>(key)</a:t>
+            </a:r>
+          </a:p>
+          <a:p>
+            <a:r>
+              <a:rPr kumimoji="1" lang="en-US" altLang="zh-CN" dirty="0"/>
+              <a:t>write</a:t>
+            </a:r>
+            <a:r>
+              <a:rPr kumimoji="1" lang="zh-CN" altLang="en-US" dirty="0"/>
+              <a:t>操作几乎没有耗时，写到发送缓冲中就返回了</a:t>
             </a:r>
             <a:endParaRPr kumimoji="1" lang="en-US" altLang="zh-CN" dirty="0"/>
           </a:p>
           <a:p>
             <a:r>
               <a:rPr kumimoji="1" lang="en-US" altLang="zh-CN" dirty="0"/>
-              <a:t>AOF</a:t>
-            </a:r>
-            <a:r>
-              <a:rPr kumimoji="1" lang="zh-CN" altLang="en-US" dirty="0"/>
-              <a:t>日志记录的是内存数据修改的指令记录文本</a:t>
+              <a:t>read</a:t>
+            </a:r>
+            <a:r>
+              <a:rPr kumimoji="1" lang="zh-CN" altLang="en-US" dirty="0"/>
+              <a:t>它要等到消息经过网络路由到目标及其处理后的响应消息，再回送到当前的内核读缓存才可以返回</a:t>
             </a:r>
             <a:endParaRPr kumimoji="1" lang="en-US" altLang="zh-CN" dirty="0"/>
           </a:p>
           <a:p>
             <a:r>
-              <a:rPr kumimoji="1" lang="en-US" altLang="zh-CN" dirty="0"/>
-              <a:t>COW</a:t>
-            </a:r>
-            <a:r>
-              <a:rPr kumimoji="1" lang="zh-CN" altLang="en-US" dirty="0"/>
-              <a:t>机制实现快照持久化，</a:t>
-            </a:r>
-            <a:r>
-              <a:rPr kumimoji="1" lang="en-US" altLang="zh-CN" dirty="0"/>
-              <a:t>fork</a:t>
-            </a:r>
-            <a:r>
-              <a:rPr kumimoji="1" lang="zh-CN" altLang="en-US" dirty="0"/>
-              <a:t>子进程，数据段页面分离</a:t>
-            </a:r>
-            <a:endParaRPr kumimoji="1" lang="en-US" altLang="zh-CN" dirty="0"/>
-          </a:p>
-          <a:p>
-            <a:r>
-              <a:rPr kumimoji="1" lang="en-US" altLang="zh-CN" dirty="0" err="1"/>
-              <a:t>bgrewriteaof</a:t>
-            </a:r>
-            <a:r>
-              <a:rPr kumimoji="1" lang="zh-CN" altLang="en-US" dirty="0"/>
-              <a:t>对</a:t>
-            </a:r>
-            <a:r>
-              <a:rPr kumimoji="1" lang="en-US" altLang="zh-CN" dirty="0"/>
-              <a:t>AOF</a:t>
-            </a:r>
-            <a:r>
-              <a:rPr kumimoji="1" lang="zh-CN" altLang="en-US" dirty="0"/>
-              <a:t>日志进行瘦身，内存遍历</a:t>
-            </a:r>
-            <a:r>
-              <a:rPr kumimoji="1" lang="en-US" altLang="zh-CN" dirty="0"/>
-              <a:t>-&gt;Redis</a:t>
-            </a:r>
-            <a:r>
-              <a:rPr kumimoji="1" lang="zh-CN" altLang="en-US" dirty="0"/>
-              <a:t>操作指令</a:t>
-            </a:r>
-            <a:endParaRPr kumimoji="1" lang="en-US" altLang="zh-CN" dirty="0"/>
-          </a:p>
-          <a:p>
-            <a:r>
-              <a:rPr kumimoji="1" lang="en-US" altLang="zh-CN" dirty="0"/>
-              <a:t>Redis</a:t>
-            </a:r>
-            <a:r>
-              <a:rPr kumimoji="1" lang="zh-CN" altLang="en-US" dirty="0"/>
-              <a:t>通常配置每隔</a:t>
-            </a:r>
-            <a:r>
-              <a:rPr kumimoji="1" lang="en-US" altLang="zh-CN" dirty="0"/>
-              <a:t>1s</a:t>
-            </a:r>
-            <a:r>
-              <a:rPr kumimoji="1" lang="zh-CN" altLang="en-US" dirty="0"/>
-              <a:t>执行一次</a:t>
-            </a:r>
-            <a:r>
-              <a:rPr kumimoji="1" lang="en-US" altLang="zh-CN" dirty="0" err="1"/>
-              <a:t>fsync</a:t>
-            </a:r>
-            <a:r>
-              <a:rPr kumimoji="1" lang="zh-CN" altLang="en-US" dirty="0"/>
-              <a:t>，强制内核缓冲刷新到磁盘</a:t>
-            </a:r>
-            <a:endParaRPr kumimoji="1" lang="en-US" altLang="zh-CN" dirty="0"/>
-          </a:p>
-          <a:p>
-            <a:r>
-              <a:rPr kumimoji="1" lang="zh-CN" altLang="en-US" dirty="0"/>
-              <a:t>通常</a:t>
-            </a:r>
-            <a:r>
-              <a:rPr kumimoji="1" lang="en-US" altLang="zh-CN" dirty="0"/>
-              <a:t>Redis</a:t>
-            </a:r>
-            <a:r>
-              <a:rPr kumimoji="1" lang="zh-CN" altLang="en-US" dirty="0"/>
-              <a:t>主节点不会进行持久化操作，从节点进行</a:t>
-            </a:r>
-            <a:endParaRPr kumimoji="1" lang="en-US" altLang="zh-CN" dirty="0"/>
-          </a:p>
-          <a:p>
-            <a:r>
-              <a:rPr kumimoji="1" lang="en-US" altLang="zh-CN" dirty="0"/>
-              <a:t>Redis</a:t>
-            </a:r>
-            <a:r>
-              <a:rPr kumimoji="1" lang="zh-CN" altLang="en-US" dirty="0"/>
-              <a:t> </a:t>
-            </a:r>
-            <a:r>
-              <a:rPr kumimoji="1" lang="en-US" altLang="zh-CN" dirty="0"/>
-              <a:t>4.0</a:t>
-            </a:r>
-            <a:r>
-              <a:rPr kumimoji="1" lang="zh-CN" altLang="en-US" dirty="0"/>
-              <a:t>混合持久化，</a:t>
-            </a:r>
-            <a:r>
-              <a:rPr kumimoji="1" lang="en-US" altLang="zh-CN"/>
-              <a:t>Redis</a:t>
-            </a:r>
-            <a:r>
-              <a:rPr kumimoji="1" lang="zh-CN" altLang="en-US"/>
-              <a:t>重启先</a:t>
-            </a:r>
-            <a:r>
-              <a:rPr kumimoji="1" lang="zh-CN" altLang="en-US" dirty="0"/>
-              <a:t>加载</a:t>
-            </a:r>
-            <a:r>
-              <a:rPr kumimoji="1" lang="en-US" altLang="zh-CN" dirty="0" err="1"/>
-              <a:t>rdb</a:t>
-            </a:r>
-            <a:r>
-              <a:rPr kumimoji="1" lang="zh-CN" altLang="en-US" dirty="0"/>
-              <a:t>，后重放</a:t>
-            </a:r>
-            <a:r>
-              <a:rPr kumimoji="1" lang="en-US" altLang="zh-CN" dirty="0"/>
-              <a:t>AOF</a:t>
-            </a:r>
-            <a:endParaRPr kumimoji="1" lang="zh-CN" altLang="en-US" dirty="0"/>
+              <a:rPr kumimoji="1" lang="zh-CN" altLang="en-US" dirty="0"/>
+              <a:t>对于管道来说，连续的</a:t>
+            </a:r>
+            <a:r>
+              <a:rPr kumimoji="1" lang="en-US" altLang="zh-CN" dirty="0"/>
+              <a:t>write</a:t>
+            </a:r>
+            <a:r>
+              <a:rPr kumimoji="1" lang="zh-CN" altLang="en-US" dirty="0"/>
+              <a:t>操作根本没有耗时，之后的第一个</a:t>
+            </a:r>
+            <a:r>
+              <a:rPr kumimoji="1" lang="en-US" altLang="zh-CN" dirty="0"/>
+              <a:t>read</a:t>
+            </a:r>
+            <a:r>
+              <a:rPr kumimoji="1" lang="zh-CN" altLang="en-US" dirty="0"/>
+              <a:t>操作会等待一个网络的来回开销，然后所有的响应消息就都已经送回到内核的读缓冲了，后面</a:t>
+            </a:r>
+            <a:r>
+              <a:rPr kumimoji="1" lang="en-US" altLang="zh-CN" dirty="0"/>
+              <a:t>read</a:t>
+            </a:r>
+            <a:r>
+              <a:rPr kumimoji="1" lang="zh-CN" altLang="en-US" dirty="0"/>
+              <a:t>直接从缓冲拿数据，瞬间返回</a:t>
+            </a:r>
           </a:p>
         </p:txBody>
       </p:sp>
     </p:spTree>
     <p:extLst>
       <p:ext uri="{BB962C8B-B14F-4D97-AF65-F5344CB8AC3E}">
-        <p14:creationId xmlns:p14="http://schemas.microsoft.com/office/powerpoint/2010/main" val="1417095162"/>
+        <p14:creationId xmlns:p14="http://schemas.microsoft.com/office/powerpoint/2010/main" val="2769556948"/>
       </p:ext>
     </p:extLst>
   </p:cSld>
@@ -3812,7 +3825,7 @@
           <p:cNvPr id="2" name="标题 1">
             <a:extLst>
               <a:ext uri="{FF2B5EF4-FFF2-40B4-BE49-F238E27FC236}">
-                <a16:creationId xmlns:a16="http://schemas.microsoft.com/office/drawing/2014/main" id="{97E68ED7-6741-8F41-95EC-9352E1187B05}"/>
+                <a16:creationId xmlns:a16="http://schemas.microsoft.com/office/drawing/2014/main" id="{E8425620-42B7-384D-9AE4-1867615C3DB1}"/>
               </a:ext>
             </a:extLst>
           </p:cNvPr>
@@ -3830,7 +3843,7 @@
           <a:p>
             <a:r>
               <a:rPr kumimoji="1" lang="zh-CN" altLang="en-US" dirty="0"/>
-              <a:t>管道</a:t>
+              <a:t>事务</a:t>
             </a:r>
           </a:p>
         </p:txBody>
@@ -3840,7 +3853,7 @@
           <p:cNvPr id="3" name="内容占位符 2">
             <a:extLst>
               <a:ext uri="{FF2B5EF4-FFF2-40B4-BE49-F238E27FC236}">
-                <a16:creationId xmlns:a16="http://schemas.microsoft.com/office/drawing/2014/main" id="{78D4BC0E-C19F-D94A-857C-B7BBD7DC1EED}"/>
+                <a16:creationId xmlns:a16="http://schemas.microsoft.com/office/drawing/2014/main" id="{748CBD26-9451-204B-B3E1-7D9CCC447DCC}"/>
               </a:ext>
             </a:extLst>
           </p:cNvPr>
@@ -3857,88 +3870,74 @@
           <a:lstStyle/>
           <a:p>
             <a:r>
-              <a:rPr kumimoji="1" lang="en-US" altLang="zh-CN" dirty="0"/>
-              <a:t>value</a:t>
-            </a:r>
-            <a:r>
-              <a:rPr kumimoji="1" lang="zh-CN" altLang="en-US" dirty="0"/>
-              <a:t> </a:t>
-            </a:r>
-            <a:r>
-              <a:rPr kumimoji="1" lang="en-US" altLang="zh-CN" dirty="0"/>
-              <a:t>=</a:t>
-            </a:r>
-            <a:r>
-              <a:rPr kumimoji="1" lang="zh-CN" altLang="en-US" dirty="0"/>
-              <a:t> </a:t>
-            </a:r>
-            <a:r>
-              <a:rPr kumimoji="1" lang="en-US" altLang="zh-CN" dirty="0" err="1"/>
-              <a:t>redis.get</a:t>
-            </a:r>
-            <a:r>
-              <a:rPr kumimoji="1" lang="en-US" altLang="zh-CN" dirty="0"/>
-              <a:t>(key)</a:t>
-            </a:r>
-          </a:p>
-          <a:p>
-            <a:r>
-              <a:rPr kumimoji="1" lang="en-US" altLang="zh-CN" dirty="0"/>
-              <a:t>write</a:t>
-            </a:r>
-            <a:r>
-              <a:rPr kumimoji="1" lang="zh-CN" altLang="en-US" dirty="0"/>
-              <a:t>操作几乎没有耗时，写到发送缓冲中就返回了</a:t>
+              <a:rPr kumimoji="1" lang="zh-CN" altLang="en-US" dirty="0"/>
+              <a:t>事务流程：</a:t>
+            </a:r>
+            <a:r>
+              <a:rPr kumimoji="1" lang="en-US" altLang="zh-CN" dirty="0"/>
+              <a:t>begin/commit/rollback</a:t>
+            </a:r>
+          </a:p>
+          <a:p>
+            <a:r>
+              <a:rPr kumimoji="1" lang="en-US" altLang="zh-CN" dirty="0"/>
+              <a:t>multi/exec/discard</a:t>
+            </a:r>
+          </a:p>
+          <a:p>
+            <a:r>
+              <a:rPr kumimoji="1" lang="zh-CN" altLang="en-US" dirty="0"/>
+              <a:t>只满足事务的“隔离性”中的串行化</a:t>
             </a:r>
             <a:endParaRPr kumimoji="1" lang="en-US" altLang="zh-CN" dirty="0"/>
           </a:p>
           <a:p>
             <a:r>
-              <a:rPr kumimoji="1" lang="en-US" altLang="zh-CN" dirty="0"/>
-              <a:t>read</a:t>
-            </a:r>
-            <a:r>
-              <a:rPr kumimoji="1" lang="zh-CN" altLang="en-US" dirty="0"/>
-              <a:t>它要等到消息经过网络路由到目标及其处理后的响应消息，再回送到当前的内核读缓存才可以返回</a:t>
+              <a:rPr kumimoji="1" lang="zh-CN" altLang="en-US" dirty="0"/>
+              <a:t>事务和</a:t>
+            </a:r>
+            <a:r>
+              <a:rPr kumimoji="1" lang="en-US" altLang="zh-CN" dirty="0"/>
+              <a:t>pipeline</a:t>
+            </a:r>
+            <a:r>
+              <a:rPr kumimoji="1" lang="zh-CN" altLang="en-US" dirty="0"/>
+              <a:t>一起使用</a:t>
             </a:r>
             <a:endParaRPr kumimoji="1" lang="en-US" altLang="zh-CN" dirty="0"/>
           </a:p>
           <a:p>
             <a:r>
               <a:rPr kumimoji="1" lang="zh-CN" altLang="en-US" dirty="0"/>
-              <a:t>对于管道来说，连续的</a:t>
-            </a:r>
-            <a:r>
-              <a:rPr kumimoji="1" lang="en-US" altLang="zh-CN" dirty="0"/>
-              <a:t>write</a:t>
-            </a:r>
-            <a:r>
-              <a:rPr kumimoji="1" lang="zh-CN" altLang="en-US" dirty="0"/>
-              <a:t>操作根本没有耗时，之后的第一个</a:t>
-            </a:r>
-            <a:r>
-              <a:rPr kumimoji="1" lang="en-US" altLang="zh-CN" dirty="0"/>
-              <a:t>read</a:t>
-            </a:r>
-            <a:r>
-              <a:rPr kumimoji="1" lang="zh-CN" altLang="en-US" dirty="0"/>
-              <a:t>操作会等待一个网络的来回开销，然后所有的响应消息就都已经送回到内核的读缓冲了，后面</a:t>
-            </a:r>
-            <a:r>
-              <a:rPr kumimoji="1" lang="en-US" altLang="zh-CN" dirty="0"/>
-              <a:t>read</a:t>
-            </a:r>
-            <a:r>
-              <a:rPr kumimoji="1" lang="zh-CN" altLang="en-US" dirty="0"/>
-              <a:t>直接从缓冲拿数据，瞬间返回</a:t>
-            </a:r>
+              <a:t>分布式锁是悲观锁</a:t>
+            </a:r>
+            <a:endParaRPr kumimoji="1" lang="en-US" altLang="zh-CN" dirty="0"/>
+          </a:p>
+          <a:p>
+            <a:r>
+              <a:rPr kumimoji="1" lang="en-US" altLang="zh-CN" dirty="0"/>
+              <a:t>watch</a:t>
+            </a:r>
+            <a:r>
+              <a:rPr kumimoji="1" lang="zh-CN" altLang="en-US" dirty="0"/>
+              <a:t>乐观锁，</a:t>
+            </a:r>
+            <a:r>
+              <a:rPr kumimoji="1" lang="en-US" altLang="zh-CN" dirty="0"/>
+              <a:t>multi</a:t>
+            </a:r>
+            <a:r>
+              <a:rPr kumimoji="1" lang="zh-CN" altLang="en-US"/>
+              <a:t>之前</a:t>
+            </a:r>
+            <a:endParaRPr kumimoji="1" lang="en-US" altLang="zh-CN" dirty="0"/>
           </a:p>
         </p:txBody>
       </p:sp>
     </p:spTree>
     <p:extLst>
       <p:ext uri="{BB962C8B-B14F-4D97-AF65-F5344CB8AC3E}">
-        <p14:creationId xmlns:p14="http://schemas.microsoft.com/office/powerpoint/2010/main" val="2769556948"/>
+        <p14:creationId xmlns:p14="http://schemas.microsoft.com/office/powerpoint/2010/main" val="2893650845"/>
       </p:ext>
     </p:extLst>
   </p:cSld>
@@ -3970,7 +3969,7 @@
           <p:cNvPr id="2" name="标题 1">
             <a:extLst>
               <a:ext uri="{FF2B5EF4-FFF2-40B4-BE49-F238E27FC236}">
-                <a16:creationId xmlns:a16="http://schemas.microsoft.com/office/drawing/2014/main" id="{E8425620-42B7-384D-9AE4-1867615C3DB1}"/>
+                <a16:creationId xmlns:a16="http://schemas.microsoft.com/office/drawing/2014/main" id="{C33EEF51-6F7F-B24D-9D7C-D99878FDB1FA}"/>
               </a:ext>
             </a:extLst>
           </p:cNvPr>
@@ -3988,7 +3987,7 @@
           <a:p>
             <a:r>
               <a:rPr kumimoji="1" lang="zh-CN" altLang="en-US" dirty="0"/>
-              <a:t>事务</a:t>
+              <a:t>消息多播</a:t>
             </a:r>
           </a:p>
         </p:txBody>
@@ -3998,7 +3997,7 @@
           <p:cNvPr id="3" name="内容占位符 2">
             <a:extLst>
               <a:ext uri="{FF2B5EF4-FFF2-40B4-BE49-F238E27FC236}">
-                <a16:creationId xmlns:a16="http://schemas.microsoft.com/office/drawing/2014/main" id="{748CBD26-9451-204B-B3E1-7D9CCC447DCC}"/>
+                <a16:creationId xmlns:a16="http://schemas.microsoft.com/office/drawing/2014/main" id="{0863F36D-5489-2741-8641-FA4048EB70A6}"/>
               </a:ext>
             </a:extLst>
           </p:cNvPr>
@@ -4015,74 +4014,91 @@
           <a:lstStyle/>
           <a:p>
             <a:r>
-              <a:rPr kumimoji="1" lang="zh-CN" altLang="en-US" dirty="0"/>
-              <a:t>事务流程：</a:t>
-            </a:r>
-            <a:r>
-              <a:rPr kumimoji="1" lang="en-US" altLang="zh-CN" dirty="0"/>
-              <a:t>begin/commit/rollback</a:t>
-            </a:r>
-          </a:p>
-          <a:p>
-            <a:r>
-              <a:rPr kumimoji="1" lang="en-US" altLang="zh-CN" dirty="0"/>
-              <a:t>multi/exec/discard</a:t>
-            </a:r>
-          </a:p>
-          <a:p>
-            <a:r>
-              <a:rPr kumimoji="1" lang="zh-CN" altLang="en-US" dirty="0"/>
-              <a:t>只满足事务的“隔离性”中的串行化</a:t>
+              <a:rPr kumimoji="1" lang="en-US" altLang="zh-CN" dirty="0" err="1"/>
+              <a:t>PubSub</a:t>
             </a:r>
             <a:endParaRPr kumimoji="1" lang="en-US" altLang="zh-CN" dirty="0"/>
           </a:p>
           <a:p>
             <a:r>
               <a:rPr kumimoji="1" lang="zh-CN" altLang="en-US" dirty="0"/>
-              <a:t>事务和</a:t>
-            </a:r>
-            <a:r>
-              <a:rPr kumimoji="1" lang="en-US" altLang="zh-CN" dirty="0"/>
-              <a:t>pipeline</a:t>
-            </a:r>
-            <a:r>
-              <a:rPr kumimoji="1" lang="zh-CN" altLang="en-US" dirty="0"/>
-              <a:t>一起使用</a:t>
+              <a:t>客户端可以</a:t>
+            </a:r>
+            <a:r>
+              <a:rPr kumimoji="1" lang="en-US" altLang="zh-CN" dirty="0"/>
+              <a:t>listen</a:t>
+            </a:r>
+            <a:r>
+              <a:rPr kumimoji="1" lang="zh-CN" altLang="en-US" dirty="0"/>
+              <a:t>阻塞 监听消息来处理</a:t>
             </a:r>
             <a:endParaRPr kumimoji="1" lang="en-US" altLang="zh-CN" dirty="0"/>
           </a:p>
           <a:p>
             <a:r>
-              <a:rPr kumimoji="1" lang="zh-CN" altLang="en-US" dirty="0"/>
-              <a:t>分布式锁是悲观锁</a:t>
+              <a:rPr kumimoji="1" lang="en-US" altLang="zh-CN" dirty="0"/>
+              <a:t>subscribe</a:t>
+            </a:r>
+            <a:r>
+              <a:rPr kumimoji="1" lang="zh-CN" altLang="en-US" dirty="0"/>
+              <a:t>可以加多个主题</a:t>
             </a:r>
             <a:endParaRPr kumimoji="1" lang="en-US" altLang="zh-CN" dirty="0"/>
           </a:p>
           <a:p>
             <a:r>
-              <a:rPr kumimoji="1" lang="en-US" altLang="zh-CN" dirty="0"/>
-              <a:t>watch</a:t>
-            </a:r>
-            <a:r>
-              <a:rPr kumimoji="1" lang="zh-CN" altLang="en-US" dirty="0"/>
-              <a:t>乐观锁，</a:t>
-            </a:r>
-            <a:r>
-              <a:rPr kumimoji="1" lang="en-US" altLang="zh-CN" dirty="0"/>
-              <a:t>multi</a:t>
-            </a:r>
-            <a:r>
-              <a:rPr kumimoji="1" lang="zh-CN" altLang="en-US"/>
-              <a:t>之前</a:t>
+              <a:rPr kumimoji="1" lang="en-US" altLang="zh-CN" dirty="0" err="1"/>
+              <a:t>psubscribe</a:t>
+            </a:r>
+            <a:r>
+              <a:rPr kumimoji="1" lang="zh-CN" altLang="en-US" dirty="0"/>
+              <a:t>可以支持模式监听</a:t>
             </a:r>
             <a:endParaRPr kumimoji="1" lang="en-US" altLang="zh-CN" dirty="0"/>
+          </a:p>
+          <a:p>
+            <a:r>
+              <a:rPr kumimoji="1" lang="en-US" altLang="zh-CN" dirty="0" err="1"/>
+              <a:t>PubSub</a:t>
+            </a:r>
+            <a:r>
+              <a:rPr kumimoji="1" lang="zh-CN" altLang="en-US" dirty="0"/>
+              <a:t>不做持久化</a:t>
+            </a:r>
+            <a:endParaRPr kumimoji="1" lang="en-US" altLang="zh-CN" dirty="0"/>
+          </a:p>
+          <a:p>
+            <a:r>
+              <a:rPr kumimoji="1" lang="en-US" altLang="zh-CN" dirty="0"/>
+              <a:t>Redis</a:t>
+            </a:r>
+            <a:r>
+              <a:rPr kumimoji="1" lang="zh-CN" altLang="en-US" dirty="0"/>
+              <a:t> </a:t>
+            </a:r>
+            <a:r>
+              <a:rPr kumimoji="1" lang="en-US" altLang="zh-CN" dirty="0"/>
+              <a:t>5.0</a:t>
+            </a:r>
+            <a:r>
+              <a:rPr kumimoji="1" lang="zh-CN" altLang="en-US" dirty="0"/>
+              <a:t>后的</a:t>
+            </a:r>
+            <a:r>
+              <a:rPr kumimoji="1" lang="en-US" altLang="zh-CN" dirty="0"/>
+              <a:t>Stream</a:t>
+            </a:r>
+            <a:r>
+              <a:rPr kumimoji="1" lang="zh-CN" altLang="en-US" dirty="0"/>
+              <a:t>增加了持久化消息队列</a:t>
+            </a:r>
           </a:p>
         </p:txBody>
       </p:sp>
     </p:spTree>
     <p:extLst>
       <p:ext uri="{BB962C8B-B14F-4D97-AF65-F5344CB8AC3E}">
-        <p14:creationId xmlns:p14="http://schemas.microsoft.com/office/powerpoint/2010/main" val="2893650845"/>
+        <p14:creationId xmlns:p14="http://schemas.microsoft.com/office/powerpoint/2010/main" val="165237162"/>
       </p:ext>
     </p:extLst>
   </p:cSld>
@@ -4114,7 +4130,7 @@
           <p:cNvPr id="2" name="标题 1">
             <a:extLst>
               <a:ext uri="{FF2B5EF4-FFF2-40B4-BE49-F238E27FC236}">
-                <a16:creationId xmlns:a16="http://schemas.microsoft.com/office/drawing/2014/main" id="{C33EEF51-6F7F-B24D-9D7C-D99878FDB1FA}"/>
+                <a16:creationId xmlns:a16="http://schemas.microsoft.com/office/drawing/2014/main" id="{F7702C07-CAB3-004E-B316-15384F2F1C9A}"/>
               </a:ext>
             </a:extLst>
           </p:cNvPr>
@@ -4132,7 +4148,7 @@
           <a:p>
             <a:r>
               <a:rPr kumimoji="1" lang="zh-CN" altLang="en-US" dirty="0"/>
-              <a:t>消息多播</a:t>
+              <a:t>小对象压缩</a:t>
             </a:r>
           </a:p>
         </p:txBody>
@@ -4142,7 +4158,7 @@
           <p:cNvPr id="3" name="内容占位符 2">
             <a:extLst>
               <a:ext uri="{FF2B5EF4-FFF2-40B4-BE49-F238E27FC236}">
-                <a16:creationId xmlns:a16="http://schemas.microsoft.com/office/drawing/2014/main" id="{0863F36D-5489-2741-8641-FA4048EB70A6}"/>
+                <a16:creationId xmlns:a16="http://schemas.microsoft.com/office/drawing/2014/main" id="{5ABA1FDE-67BC-5D49-9D1B-DC0E062F71CD}"/>
               </a:ext>
             </a:extLst>
           </p:cNvPr>
@@ -4159,91 +4175,176 @@
           <a:lstStyle/>
           <a:p>
             <a:r>
-              <a:rPr kumimoji="1" lang="en-US" altLang="zh-CN" dirty="0" err="1"/>
-              <a:t>PubSub</a:t>
+              <a:rPr kumimoji="1" lang="en-US" altLang="zh-CN" dirty="0"/>
+              <a:t>32bit</a:t>
+            </a:r>
+            <a:r>
+              <a:rPr kumimoji="1" lang="zh-CN" altLang="en-US" dirty="0"/>
+              <a:t> </a:t>
+            </a:r>
+            <a:r>
+              <a:rPr kumimoji="1" lang="en-US" altLang="zh-CN" dirty="0"/>
+              <a:t>vs</a:t>
+            </a:r>
+            <a:r>
+              <a:rPr kumimoji="1" lang="zh-CN" altLang="en-US" dirty="0"/>
+              <a:t> </a:t>
+            </a:r>
+            <a:r>
+              <a:rPr kumimoji="1" lang="en-US" altLang="zh-CN" dirty="0"/>
+              <a:t>64bit</a:t>
+            </a:r>
+            <a:r>
+              <a:rPr kumimoji="1" lang="zh-CN" altLang="en-US" dirty="0"/>
+              <a:t>，</a:t>
+            </a:r>
+            <a:r>
+              <a:rPr kumimoji="1" lang="en-US" altLang="zh-CN" dirty="0"/>
+              <a:t>4GB</a:t>
+            </a:r>
+            <a:r>
+              <a:rPr kumimoji="1" lang="zh-CN" altLang="en-US" dirty="0"/>
+              <a:t>一下可以选择</a:t>
+            </a:r>
+            <a:r>
+              <a:rPr kumimoji="1" lang="en-US" altLang="zh-CN" dirty="0"/>
+              <a:t>32bit</a:t>
+            </a:r>
+          </a:p>
+          <a:p>
+            <a:r>
+              <a:rPr kumimoji="1" lang="en-US" altLang="zh-CN" dirty="0" err="1"/>
+              <a:t>ziplist</a:t>
+            </a:r>
+            <a:r>
+              <a:rPr kumimoji="1" lang="en-US" altLang="zh-CN" dirty="0"/>
+              <a:t>:</a:t>
+            </a:r>
+            <a:r>
+              <a:rPr kumimoji="1" lang="zh-CN" altLang="en-US" dirty="0"/>
+              <a:t> </a:t>
+            </a:r>
+            <a:r>
+              <a:rPr kumimoji="1" lang="en-US" altLang="zh-CN" dirty="0" err="1"/>
+              <a:t>zlbytes</a:t>
+            </a:r>
+            <a:r>
+              <a:rPr kumimoji="1" lang="en-US" altLang="zh-CN" dirty="0"/>
+              <a:t>/</a:t>
+            </a:r>
+            <a:r>
+              <a:rPr kumimoji="1" lang="en-US" altLang="zh-CN" dirty="0" err="1"/>
+              <a:t>zltail</a:t>
+            </a:r>
+            <a:r>
+              <a:rPr kumimoji="1" lang="en-US" altLang="zh-CN" dirty="0"/>
+              <a:t>/</a:t>
+            </a:r>
+            <a:r>
+              <a:rPr kumimoji="1" lang="en-US" altLang="zh-CN" dirty="0" err="1"/>
+              <a:t>zlen</a:t>
+            </a:r>
+            <a:r>
+              <a:rPr kumimoji="1" lang="en-US" altLang="zh-CN" dirty="0"/>
+              <a:t>/entry…/</a:t>
+            </a:r>
+            <a:r>
+              <a:rPr kumimoji="1" lang="en-US" altLang="zh-CN" dirty="0" err="1"/>
+              <a:t>zlend</a:t>
             </a:r>
             <a:endParaRPr kumimoji="1" lang="en-US" altLang="zh-CN" dirty="0"/>
           </a:p>
           <a:p>
-            <a:r>
-              <a:rPr kumimoji="1" lang="zh-CN" altLang="en-US" dirty="0"/>
-              <a:t>客户端可以</a:t>
-            </a:r>
-            <a:r>
-              <a:rPr kumimoji="1" lang="en-US" altLang="zh-CN" dirty="0"/>
-              <a:t>listen</a:t>
-            </a:r>
-            <a:r>
-              <a:rPr kumimoji="1" lang="zh-CN" altLang="en-US" dirty="0"/>
-              <a:t>阻塞 监听消息来处理</a:t>
+            <a:pPr lvl="1"/>
+            <a:r>
+              <a:rPr kumimoji="1" lang="en-US" altLang="zh-CN" dirty="0"/>
+              <a:t>hash:</a:t>
+            </a:r>
+            <a:r>
+              <a:rPr kumimoji="1" lang="zh-CN" altLang="en-US" dirty="0"/>
+              <a:t> </a:t>
+            </a:r>
+            <a:r>
+              <a:rPr kumimoji="1" lang="en-US" altLang="zh-CN" dirty="0"/>
+              <a:t>key,</a:t>
+            </a:r>
+            <a:r>
+              <a:rPr kumimoji="1" lang="zh-CN" altLang="en-US" dirty="0"/>
+              <a:t> </a:t>
+            </a:r>
+            <a:r>
+              <a:rPr kumimoji="1" lang="en-US" altLang="zh-CN" dirty="0"/>
+              <a:t>value-&gt;entry</a:t>
+            </a:r>
+          </a:p>
+          <a:p>
+            <a:pPr lvl="1"/>
+            <a:r>
+              <a:rPr kumimoji="1" lang="en-US" altLang="zh-CN" dirty="0" err="1"/>
+              <a:t>zset</a:t>
+            </a:r>
+            <a:r>
+              <a:rPr kumimoji="1" lang="en-US" altLang="zh-CN" dirty="0"/>
+              <a:t>:</a:t>
+            </a:r>
+            <a:r>
+              <a:rPr kumimoji="1" lang="zh-CN" altLang="en-US" dirty="0"/>
+              <a:t> </a:t>
+            </a:r>
+            <a:r>
+              <a:rPr kumimoji="1" lang="en-US" altLang="zh-CN" dirty="0"/>
+              <a:t>value,</a:t>
+            </a:r>
+            <a:r>
+              <a:rPr kumimoji="1" lang="zh-CN" altLang="en-US" dirty="0"/>
+              <a:t> </a:t>
+            </a:r>
+            <a:r>
+              <a:rPr kumimoji="1" lang="en-US" altLang="zh-CN" dirty="0"/>
+              <a:t>score-&gt;entry</a:t>
+            </a:r>
+          </a:p>
+          <a:p>
+            <a:r>
+              <a:rPr kumimoji="1" lang="en-US" altLang="zh-CN" dirty="0" err="1"/>
+              <a:t>intset:encoding</a:t>
+            </a:r>
+            <a:r>
+              <a:rPr kumimoji="1" lang="en-US" altLang="zh-CN" dirty="0"/>
+              <a:t>/length/value…</a:t>
+            </a:r>
+          </a:p>
+          <a:p>
+            <a:r>
+              <a:rPr kumimoji="1" lang="zh-CN" altLang="en-US" dirty="0"/>
+              <a:t>操作系统以页的方式回收内存</a:t>
             </a:r>
             <a:endParaRPr kumimoji="1" lang="en-US" altLang="zh-CN" dirty="0"/>
           </a:p>
           <a:p>
             <a:r>
-              <a:rPr kumimoji="1" lang="en-US" altLang="zh-CN" dirty="0"/>
-              <a:t>subscribe</a:t>
-            </a:r>
-            <a:r>
-              <a:rPr kumimoji="1" lang="zh-CN" altLang="en-US" dirty="0"/>
-              <a:t>可以加多个主题</a:t>
+              <a:rPr kumimoji="1" lang="en-US" altLang="zh-CN" dirty="0" err="1"/>
+              <a:t>Flushdb</a:t>
             </a:r>
             <a:endParaRPr kumimoji="1" lang="en-US" altLang="zh-CN" dirty="0"/>
           </a:p>
           <a:p>
             <a:r>
-              <a:rPr kumimoji="1" lang="en-US" altLang="zh-CN" dirty="0" err="1"/>
-              <a:t>psubscribe</a:t>
-            </a:r>
-            <a:r>
-              <a:rPr kumimoji="1" lang="zh-CN" altLang="en-US" dirty="0"/>
-              <a:t>可以支持模式监听</a:t>
-            </a:r>
-            <a:endParaRPr kumimoji="1" lang="en-US" altLang="zh-CN" dirty="0"/>
-          </a:p>
-          <a:p>
-            <a:r>
-              <a:rPr kumimoji="1" lang="en-US" altLang="zh-CN" dirty="0" err="1"/>
-              <a:t>PubSub</a:t>
-            </a:r>
-            <a:r>
-              <a:rPr kumimoji="1" lang="zh-CN" altLang="en-US" dirty="0"/>
-              <a:t>不做持久化</a:t>
-            </a:r>
-            <a:endParaRPr kumimoji="1" lang="en-US" altLang="zh-CN" dirty="0"/>
-          </a:p>
-          <a:p>
-            <a:r>
-              <a:rPr kumimoji="1" lang="en-US" altLang="zh-CN" dirty="0"/>
-              <a:t>Redis</a:t>
-            </a:r>
-            <a:r>
-              <a:rPr kumimoji="1" lang="zh-CN" altLang="en-US" dirty="0"/>
-              <a:t> </a:t>
-            </a:r>
-            <a:r>
-              <a:rPr kumimoji="1" lang="en-US" altLang="zh-CN" dirty="0"/>
-              <a:t>5.0</a:t>
-            </a:r>
-            <a:r>
-              <a:rPr kumimoji="1" lang="zh-CN" altLang="en-US" dirty="0"/>
-              <a:t>后的</a:t>
-            </a:r>
-            <a:r>
-              <a:rPr kumimoji="1" lang="en-US" altLang="zh-CN" dirty="0"/>
-              <a:t>Stream</a:t>
-            </a:r>
-            <a:r>
-              <a:rPr kumimoji="1" lang="zh-CN" altLang="en-US" dirty="0"/>
-              <a:t>增加了持久化消息队列</a:t>
-            </a:r>
+              <a:rPr kumimoji="1" lang="zh-CN" altLang="en-US" dirty="0"/>
+              <a:t>分配内存使用的</a:t>
+            </a:r>
+            <a:r>
+              <a:rPr kumimoji="1" lang="en-US" altLang="zh-CN" dirty="0" err="1"/>
+              <a:t>jemalloc</a:t>
+            </a:r>
+            <a:endParaRPr kumimoji="1" lang="zh-CN" altLang="en-US" dirty="0"/>
           </a:p>
         </p:txBody>
       </p:sp>
     </p:spTree>
     <p:extLst>
       <p:ext uri="{BB962C8B-B14F-4D97-AF65-F5344CB8AC3E}">
-        <p14:creationId xmlns:p14="http://schemas.microsoft.com/office/powerpoint/2010/main" val="165237162"/>
+        <p14:creationId xmlns:p14="http://schemas.microsoft.com/office/powerpoint/2010/main" val="3347744576"/>
       </p:ext>
     </p:extLst>
   </p:cSld>
@@ -4275,7 +4376,7 @@
           <p:cNvPr id="2" name="标题 1">
             <a:extLst>
               <a:ext uri="{FF2B5EF4-FFF2-40B4-BE49-F238E27FC236}">
-                <a16:creationId xmlns:a16="http://schemas.microsoft.com/office/drawing/2014/main" id="{F7702C07-CAB3-004E-B316-15384F2F1C9A}"/>
+                <a16:creationId xmlns:a16="http://schemas.microsoft.com/office/drawing/2014/main" id="{0397EACB-2075-6741-A27B-B33C1D243281}"/>
               </a:ext>
             </a:extLst>
           </p:cNvPr>
@@ -4293,7 +4394,7 @@
           <a:p>
             <a:r>
               <a:rPr kumimoji="1" lang="zh-CN" altLang="en-US" dirty="0"/>
-              <a:t>小对象压缩</a:t>
+              <a:t>集群</a:t>
             </a:r>
           </a:p>
         </p:txBody>
@@ -4303,7 +4404,7 @@
           <p:cNvPr id="3" name="内容占位符 2">
             <a:extLst>
               <a:ext uri="{FF2B5EF4-FFF2-40B4-BE49-F238E27FC236}">
-                <a16:creationId xmlns:a16="http://schemas.microsoft.com/office/drawing/2014/main" id="{5ABA1FDE-67BC-5D49-9D1B-DC0E062F71CD}"/>
+                <a16:creationId xmlns:a16="http://schemas.microsoft.com/office/drawing/2014/main" id="{D8AAF6DB-06C4-5243-9036-F35D9E0206FB}"/>
               </a:ext>
             </a:extLst>
           </p:cNvPr>
@@ -4321,23 +4422,109 @@
           <a:p>
             <a:r>
               <a:rPr kumimoji="1" lang="en-US" altLang="zh-CN" dirty="0"/>
-              <a:t>32bit</a:t>
-            </a:r>
-            <a:r>
-              <a:rPr kumimoji="1" lang="zh-CN" altLang="en-US" dirty="0"/>
-              <a:t> </a:t>
-            </a:r>
-            <a:r>
-              <a:rPr kumimoji="1" lang="en-US" altLang="zh-CN" dirty="0"/>
-              <a:t>vs</a:t>
-            </a:r>
-            <a:r>
-              <a:rPr kumimoji="1" lang="zh-CN" altLang="en-US" dirty="0"/>
-              <a:t> </a:t>
-            </a:r>
-            <a:r>
-              <a:rPr kumimoji="1" lang="en-US" altLang="zh-CN" dirty="0"/>
-              <a:t>64bit</a:t>
+              <a:t>CAP</a:t>
+            </a:r>
+            <a:r>
+              <a:rPr kumimoji="1" lang="zh-CN" altLang="en-US" dirty="0"/>
+              <a:t>：</a:t>
+            </a:r>
+            <a:r>
+              <a:rPr kumimoji="1" lang="en-US" altLang="zh-CN" dirty="0"/>
+              <a:t>Consistent,</a:t>
+            </a:r>
+            <a:r>
+              <a:rPr kumimoji="1" lang="zh-CN" altLang="en-US" dirty="0"/>
+              <a:t> </a:t>
+            </a:r>
+            <a:r>
+              <a:rPr kumimoji="1" lang="en-US" altLang="zh-CN" dirty="0"/>
+              <a:t>Availability,</a:t>
+            </a:r>
+            <a:r>
+              <a:rPr kumimoji="1" lang="zh-CN" altLang="en-US" dirty="0"/>
+              <a:t> </a:t>
+            </a:r>
+            <a:r>
+              <a:rPr kumimoji="1" lang="en-US" altLang="zh-CN" dirty="0"/>
+              <a:t>Partition</a:t>
+            </a:r>
+            <a:r>
+              <a:rPr kumimoji="1" lang="zh-CN" altLang="en-US" dirty="0"/>
+              <a:t> </a:t>
+            </a:r>
+            <a:r>
+              <a:rPr kumimoji="1" lang="en-US" altLang="zh-CN" dirty="0"/>
+              <a:t>tolerance</a:t>
+            </a:r>
+          </a:p>
+          <a:p>
+            <a:r>
+              <a:rPr kumimoji="1" lang="zh-CN" altLang="en-US" dirty="0"/>
+              <a:t>当网络分区发生时，一致性和可用性两难全</a:t>
+            </a:r>
+            <a:endParaRPr kumimoji="1" lang="en-US" altLang="zh-CN" dirty="0"/>
+          </a:p>
+          <a:p>
+            <a:r>
+              <a:rPr kumimoji="1" lang="zh-CN" altLang="en-US" dirty="0"/>
+              <a:t>分布式</a:t>
+            </a:r>
+            <a:r>
+              <a:rPr kumimoji="1" lang="en-US" altLang="zh-CN" dirty="0" err="1"/>
+              <a:t>redis</a:t>
+            </a:r>
+            <a:r>
+              <a:rPr kumimoji="1" lang="zh-CN" altLang="en-US" dirty="0"/>
+              <a:t>不满足一致性，满足可用性，保证最终一致性</a:t>
+            </a:r>
+            <a:endParaRPr kumimoji="1" lang="en-US" altLang="zh-CN" dirty="0"/>
+          </a:p>
+          <a:p>
+            <a:r>
+              <a:rPr kumimoji="1" lang="zh-CN" altLang="en-US" dirty="0"/>
+              <a:t>主从复制：增量同步</a:t>
+            </a:r>
+            <a:r>
+              <a:rPr kumimoji="1" lang="en-US" altLang="zh-CN" dirty="0"/>
+              <a:t>/</a:t>
+            </a:r>
+            <a:r>
+              <a:rPr kumimoji="1" lang="zh-CN" altLang="en-US" dirty="0"/>
+              <a:t>快照同步</a:t>
+            </a:r>
+            <a:r>
+              <a:rPr kumimoji="1" lang="en-US" altLang="zh-CN" dirty="0"/>
+              <a:t>/</a:t>
+            </a:r>
+            <a:r>
+              <a:rPr kumimoji="1" lang="zh-CN" altLang="en-US" dirty="0"/>
+              <a:t>无盘复制，</a:t>
+            </a:r>
+            <a:r>
+              <a:rPr kumimoji="1" lang="en-US" altLang="zh-CN" dirty="0"/>
+              <a:t>buffer/</a:t>
+            </a:r>
+            <a:r>
+              <a:rPr kumimoji="1" lang="en-US" altLang="zh-CN" dirty="0" err="1"/>
+              <a:t>bgsave</a:t>
+            </a:r>
+            <a:r>
+              <a:rPr kumimoji="1" lang="en-US" altLang="zh-CN" dirty="0"/>
+              <a:t>/socket</a:t>
+            </a:r>
+          </a:p>
+          <a:p>
+            <a:r>
+              <a:rPr kumimoji="1" lang="en-US" altLang="zh-CN" dirty="0"/>
+              <a:t>Sentinel</a:t>
+            </a:r>
+            <a:r>
+              <a:rPr kumimoji="1" lang="zh-CN" altLang="en-US" dirty="0"/>
+              <a:t>：</a:t>
+            </a:r>
+            <a:r>
+              <a:rPr kumimoji="1" lang="en-US" altLang="zh-CN" dirty="0"/>
+              <a:t>zookeeper</a:t>
             </a:r>
             <a:r>
               <a:rPr kumimoji="1" lang="zh-CN" altLang="en-US" dirty="0"/>
@@ -4345,142 +4532,113 @@
             </a:r>
             <a:r>
               <a:rPr kumimoji="1" lang="en-US" altLang="zh-CN" dirty="0"/>
-              <a:t>4GB</a:t>
-            </a:r>
-            <a:r>
-              <a:rPr kumimoji="1" lang="zh-CN" altLang="en-US" dirty="0"/>
-              <a:t>一下可以选择</a:t>
-            </a:r>
-            <a:r>
-              <a:rPr kumimoji="1" lang="en-US" altLang="zh-CN" dirty="0"/>
-              <a:t>32bit</a:t>
-            </a:r>
-          </a:p>
-          <a:p>
-            <a:r>
-              <a:rPr kumimoji="1" lang="en-US" altLang="zh-CN" dirty="0" err="1"/>
-              <a:t>ziplist</a:t>
-            </a:r>
-            <a:r>
-              <a:rPr kumimoji="1" lang="en-US" altLang="zh-CN" dirty="0"/>
-              <a:t>:</a:t>
-            </a:r>
-            <a:r>
-              <a:rPr kumimoji="1" lang="zh-CN" altLang="en-US" dirty="0"/>
-              <a:t> </a:t>
-            </a:r>
-            <a:r>
-              <a:rPr kumimoji="1" lang="en-US" altLang="zh-CN" dirty="0" err="1"/>
-              <a:t>zlbytes</a:t>
-            </a:r>
-            <a:r>
-              <a:rPr kumimoji="1" lang="en-US" altLang="zh-CN" dirty="0"/>
-              <a:t>/</a:t>
-            </a:r>
-            <a:r>
-              <a:rPr kumimoji="1" lang="en-US" altLang="zh-CN" dirty="0" err="1"/>
-              <a:t>zltail</a:t>
-            </a:r>
-            <a:r>
-              <a:rPr kumimoji="1" lang="en-US" altLang="zh-CN" dirty="0"/>
-              <a:t>/</a:t>
-            </a:r>
-            <a:r>
-              <a:rPr kumimoji="1" lang="en-US" altLang="zh-CN" dirty="0" err="1"/>
-              <a:t>zlen</a:t>
-            </a:r>
-            <a:r>
-              <a:rPr kumimoji="1" lang="en-US" altLang="zh-CN" dirty="0"/>
-              <a:t>/entry…/</a:t>
-            </a:r>
-            <a:r>
-              <a:rPr kumimoji="1" lang="en-US" altLang="zh-CN" dirty="0" err="1"/>
-              <a:t>zlend</a:t>
-            </a:r>
-            <a:endParaRPr kumimoji="1" lang="en-US" altLang="zh-CN" dirty="0"/>
-          </a:p>
-          <a:p>
-            <a:pPr lvl="1"/>
-            <a:r>
-              <a:rPr kumimoji="1" lang="en-US" altLang="zh-CN" dirty="0"/>
-              <a:t>hash:</a:t>
-            </a:r>
-            <a:r>
-              <a:rPr kumimoji="1" lang="zh-CN" altLang="en-US" dirty="0"/>
-              <a:t> </a:t>
-            </a:r>
-            <a:r>
-              <a:rPr kumimoji="1" lang="en-US" altLang="zh-CN" dirty="0"/>
-              <a:t>key,</a:t>
-            </a:r>
-            <a:r>
-              <a:rPr kumimoji="1" lang="zh-CN" altLang="en-US" dirty="0"/>
-              <a:t> </a:t>
-            </a:r>
-            <a:r>
-              <a:rPr kumimoji="1" lang="en-US" altLang="zh-CN" dirty="0"/>
-              <a:t>value-&gt;entry</a:t>
-            </a:r>
-          </a:p>
-          <a:p>
-            <a:pPr lvl="1"/>
-            <a:r>
-              <a:rPr kumimoji="1" lang="en-US" altLang="zh-CN" dirty="0" err="1"/>
-              <a:t>zset</a:t>
-            </a:r>
-            <a:r>
-              <a:rPr kumimoji="1" lang="en-US" altLang="zh-CN" dirty="0"/>
-              <a:t>:</a:t>
-            </a:r>
-            <a:r>
-              <a:rPr kumimoji="1" lang="zh-CN" altLang="en-US" dirty="0"/>
-              <a:t> </a:t>
-            </a:r>
-            <a:r>
-              <a:rPr kumimoji="1" lang="en-US" altLang="zh-CN" dirty="0"/>
-              <a:t>value,</a:t>
-            </a:r>
-            <a:r>
-              <a:rPr kumimoji="1" lang="zh-CN" altLang="en-US" dirty="0"/>
-              <a:t> </a:t>
-            </a:r>
-            <a:r>
-              <a:rPr kumimoji="1" lang="en-US" altLang="zh-CN" dirty="0"/>
-              <a:t>score-&gt;entry</a:t>
-            </a:r>
-          </a:p>
-          <a:p>
-            <a:r>
-              <a:rPr kumimoji="1" lang="en-US" altLang="zh-CN" dirty="0" err="1"/>
-              <a:t>intset:encoding</a:t>
-            </a:r>
-            <a:r>
-              <a:rPr kumimoji="1" lang="en-US" altLang="zh-CN" dirty="0"/>
-              <a:t>/length/value…</a:t>
-            </a:r>
-          </a:p>
-          <a:p>
-            <a:r>
-              <a:rPr kumimoji="1" lang="zh-CN" altLang="en-US" dirty="0"/>
-              <a:t>操作系统以页的方式回收内存</a:t>
-            </a:r>
-            <a:endParaRPr kumimoji="1" lang="en-US" altLang="zh-CN" dirty="0"/>
-          </a:p>
-          <a:p>
-            <a:r>
-              <a:rPr kumimoji="1" lang="en-US" altLang="zh-CN" dirty="0" err="1"/>
-              <a:t>Flushdb</a:t>
-            </a:r>
-            <a:endParaRPr kumimoji="1" lang="en-US" altLang="zh-CN" dirty="0"/>
-          </a:p>
-          <a:p>
-            <a:r>
-              <a:rPr kumimoji="1" lang="zh-CN" altLang="en-US" dirty="0"/>
-              <a:t>分配内存使用的</a:t>
-            </a:r>
-            <a:r>
-              <a:rPr kumimoji="1" lang="en-US" altLang="zh-CN" dirty="0" err="1"/>
-              <a:t>jemalloc</a:t>
+              <a:t>client-&gt;sentinel-&gt;</a:t>
+            </a:r>
+            <a:r>
+              <a:rPr kumimoji="1" lang="en-US" altLang="zh-CN" dirty="0" err="1"/>
+              <a:t>ip</a:t>
+            </a:r>
+            <a:r>
+              <a:rPr kumimoji="1" lang="en-US" altLang="zh-CN" dirty="0"/>
+              <a:t>-&gt;client-&gt;master</a:t>
+            </a:r>
+          </a:p>
+          <a:p>
+            <a:r>
+              <a:rPr kumimoji="1" lang="zh-CN" altLang="en-US" dirty="0"/>
+              <a:t>消息丢失：</a:t>
+            </a:r>
+            <a:r>
+              <a:rPr kumimoji="1" lang="en-US" altLang="zh-CN" dirty="0"/>
+              <a:t>min-slaves-to-write,</a:t>
+            </a:r>
+            <a:r>
+              <a:rPr kumimoji="1" lang="zh-CN" altLang="en-US" dirty="0"/>
+              <a:t> </a:t>
+            </a:r>
+            <a:r>
+              <a:rPr kumimoji="1" lang="en-US" altLang="zh-CN" dirty="0"/>
+              <a:t>min-slaves-max-lag</a:t>
+            </a:r>
+          </a:p>
+          <a:p>
+            <a:r>
+              <a:rPr kumimoji="1" lang="en-US" altLang="zh-CN" dirty="0" err="1"/>
+              <a:t>Codis</a:t>
+            </a:r>
+            <a:r>
+              <a:rPr kumimoji="1" lang="zh-CN" altLang="en-US" dirty="0"/>
+              <a:t>：代理中间件，</a:t>
+            </a:r>
+            <a:r>
+              <a:rPr kumimoji="1" lang="en-US" altLang="zh-CN" dirty="0"/>
+              <a:t>1024</a:t>
+            </a:r>
+            <a:r>
+              <a:rPr kumimoji="1" lang="zh-CN" altLang="en-US" dirty="0"/>
+              <a:t>槽，</a:t>
+            </a:r>
+            <a:r>
+              <a:rPr kumimoji="1" lang="en-US" altLang="zh-CN" dirty="0"/>
+              <a:t>zookeeper</a:t>
+            </a:r>
+            <a:r>
+              <a:rPr kumimoji="1" lang="zh-CN" altLang="en-US" dirty="0"/>
+              <a:t>同步槽位，</a:t>
+            </a:r>
+            <a:r>
+              <a:rPr kumimoji="1" lang="en-US" altLang="zh-CN" dirty="0"/>
+              <a:t>SLOTSSCAN</a:t>
+            </a:r>
+          </a:p>
+          <a:p>
+            <a:r>
+              <a:rPr kumimoji="1" lang="en-US" altLang="zh-CN" dirty="0"/>
+              <a:t>Cluster</a:t>
+            </a:r>
+            <a:r>
+              <a:rPr kumimoji="1" lang="zh-CN" altLang="en-US" dirty="0"/>
+              <a:t>：</a:t>
+            </a:r>
+            <a:r>
+              <a:rPr kumimoji="1" lang="en-US" altLang="zh-CN" dirty="0"/>
+              <a:t>16384</a:t>
+            </a:r>
+            <a:r>
+              <a:rPr kumimoji="1" lang="zh-CN" altLang="en-US" dirty="0"/>
+              <a:t>槽，</a:t>
+            </a:r>
+            <a:r>
+              <a:rPr kumimoji="1" lang="en-US" altLang="zh-CN" dirty="0"/>
+              <a:t>MOVED,</a:t>
+            </a:r>
+            <a:r>
+              <a:rPr kumimoji="1" lang="zh-CN" altLang="en-US" dirty="0"/>
+              <a:t> </a:t>
+            </a:r>
+            <a:r>
+              <a:rPr kumimoji="1" lang="en-US" altLang="zh-CN" dirty="0" err="1"/>
+              <a:t>redis-trib</a:t>
+            </a:r>
+            <a:r>
+              <a:rPr kumimoji="1" lang="en-US" altLang="zh-CN" dirty="0"/>
+              <a:t>,</a:t>
+            </a:r>
+            <a:r>
+              <a:rPr kumimoji="1" lang="zh-CN" altLang="en-US" dirty="0"/>
+              <a:t> </a:t>
+            </a:r>
+            <a:r>
+              <a:rPr kumimoji="1" lang="en-US" altLang="zh-CN" dirty="0"/>
+              <a:t>dump-&gt;restore,</a:t>
+            </a:r>
+            <a:r>
+              <a:rPr kumimoji="1" lang="zh-CN" altLang="en-US" dirty="0"/>
+              <a:t> </a:t>
+            </a:r>
+            <a:r>
+              <a:rPr kumimoji="1" lang="en-US" altLang="zh-CN" dirty="0"/>
+              <a:t>ASK</a:t>
             </a:r>
             <a:endParaRPr kumimoji="1" lang="zh-CN" altLang="en-US" dirty="0"/>
           </a:p>
@@ -4489,7 +4647,7 @@
     </p:spTree>
     <p:extLst>
       <p:ext uri="{BB962C8B-B14F-4D97-AF65-F5344CB8AC3E}">
-        <p14:creationId xmlns:p14="http://schemas.microsoft.com/office/powerpoint/2010/main" val="3347744576"/>
+        <p14:creationId xmlns:p14="http://schemas.microsoft.com/office/powerpoint/2010/main" val="4060555788"/>
       </p:ext>
     </p:extLst>
   </p:cSld>
@@ -4521,7 +4679,7 @@
           <p:cNvPr id="2" name="标题 1">
             <a:extLst>
               <a:ext uri="{FF2B5EF4-FFF2-40B4-BE49-F238E27FC236}">
-                <a16:creationId xmlns:a16="http://schemas.microsoft.com/office/drawing/2014/main" id="{0397EACB-2075-6741-A27B-B33C1D243281}"/>
+                <a16:creationId xmlns:a16="http://schemas.microsoft.com/office/drawing/2014/main" id="{4F5ED81B-C6A2-DB4F-A096-CCF369FA667D}"/>
               </a:ext>
             </a:extLst>
           </p:cNvPr>
@@ -4538,9 +4696,10 @@
           <a:lstStyle/>
           <a:p>
             <a:r>
-              <a:rPr kumimoji="1" lang="zh-CN" altLang="en-US" dirty="0"/>
-              <a:t>集群</a:t>
-            </a:r>
+              <a:rPr kumimoji="1" lang="en-US" altLang="zh-CN" dirty="0"/>
+              <a:t>Stream</a:t>
+            </a:r>
+            <a:endParaRPr kumimoji="1" lang="zh-CN" altLang="en-US" dirty="0"/>
           </a:p>
         </p:txBody>
       </p:sp>
@@ -4549,7 +4708,7 @@
           <p:cNvPr id="3" name="内容占位符 2">
             <a:extLst>
               <a:ext uri="{FF2B5EF4-FFF2-40B4-BE49-F238E27FC236}">
-                <a16:creationId xmlns:a16="http://schemas.microsoft.com/office/drawing/2014/main" id="{D8AAF6DB-06C4-5243-9036-F35D9E0206FB}"/>
+                <a16:creationId xmlns:a16="http://schemas.microsoft.com/office/drawing/2014/main" id="{92E6CC7C-FFF4-004A-B363-63231381EE91}"/>
               </a:ext>
             </a:extLst>
           </p:cNvPr>
@@ -4566,233 +4725,113 @@
           <a:lstStyle/>
           <a:p>
             <a:r>
-              <a:rPr kumimoji="1" lang="en-US" altLang="zh-CN" dirty="0"/>
-              <a:t>CAP</a:t>
-            </a:r>
-            <a:r>
-              <a:rPr kumimoji="1" lang="zh-CN" altLang="en-US" dirty="0"/>
-              <a:t>：</a:t>
-            </a:r>
-            <a:r>
-              <a:rPr kumimoji="1" lang="en-US" altLang="zh-CN" dirty="0"/>
-              <a:t>Consistent,</a:t>
-            </a:r>
-            <a:r>
-              <a:rPr kumimoji="1" lang="zh-CN" altLang="en-US" dirty="0"/>
-              <a:t> </a:t>
-            </a:r>
-            <a:r>
-              <a:rPr kumimoji="1" lang="en-US" altLang="zh-CN" dirty="0"/>
-              <a:t>Availability,</a:t>
-            </a:r>
-            <a:r>
-              <a:rPr kumimoji="1" lang="zh-CN" altLang="en-US" dirty="0"/>
-              <a:t> </a:t>
-            </a:r>
-            <a:r>
-              <a:rPr kumimoji="1" lang="en-US" altLang="zh-CN" dirty="0"/>
-              <a:t>Partition</a:t>
-            </a:r>
-            <a:r>
-              <a:rPr kumimoji="1" lang="zh-CN" altLang="en-US" dirty="0"/>
-              <a:t> </a:t>
-            </a:r>
-            <a:r>
-              <a:rPr kumimoji="1" lang="en-US" altLang="zh-CN" dirty="0"/>
-              <a:t>tolerance</a:t>
-            </a:r>
-          </a:p>
-          <a:p>
-            <a:r>
-              <a:rPr kumimoji="1" lang="zh-CN" altLang="en-US" dirty="0"/>
-              <a:t>当网络分区发生时，一致性和可用性两难全</a:t>
+              <a:rPr kumimoji="1" lang="zh-CN" altLang="en-US" dirty="0"/>
+              <a:t>支持多播可持久化消息队列</a:t>
             </a:r>
             <a:endParaRPr kumimoji="1" lang="en-US" altLang="zh-CN" dirty="0"/>
           </a:p>
           <a:p>
             <a:r>
-              <a:rPr kumimoji="1" lang="zh-CN" altLang="en-US" dirty="0"/>
-              <a:t>分布式</a:t>
-            </a:r>
-            <a:r>
-              <a:rPr kumimoji="1" lang="en-US" altLang="zh-CN" dirty="0" err="1"/>
-              <a:t>redis</a:t>
-            </a:r>
-            <a:r>
-              <a:rPr kumimoji="1" lang="zh-CN" altLang="en-US" dirty="0"/>
-              <a:t>不满足一致性，满足可用性，保证最终一致性</a:t>
+              <a:rPr kumimoji="1" lang="en-US" altLang="zh-CN" dirty="0" err="1"/>
+              <a:t>xadd</a:t>
+            </a:r>
+            <a:r>
+              <a:rPr kumimoji="1" lang="en-US" altLang="zh-CN" dirty="0"/>
+              <a:t>/</a:t>
+            </a:r>
+            <a:r>
+              <a:rPr kumimoji="1" lang="en-US" altLang="zh-CN" dirty="0" err="1"/>
+              <a:t>xdel</a:t>
+            </a:r>
+            <a:r>
+              <a:rPr kumimoji="1" lang="en-US" altLang="zh-CN" dirty="0"/>
+              <a:t>/</a:t>
+            </a:r>
+            <a:r>
+              <a:rPr kumimoji="1" lang="en-US" altLang="zh-CN" dirty="0" err="1"/>
+              <a:t>xrange</a:t>
+            </a:r>
+            <a:r>
+              <a:rPr kumimoji="1" lang="en-US" altLang="zh-CN" dirty="0"/>
+              <a:t>/</a:t>
+            </a:r>
+            <a:r>
+              <a:rPr kumimoji="1" lang="en-US" altLang="zh-CN" dirty="0" err="1"/>
+              <a:t>xlen</a:t>
+            </a:r>
+            <a:r>
+              <a:rPr kumimoji="1" lang="en-US" altLang="zh-CN" dirty="0"/>
+              <a:t>/del/</a:t>
+            </a:r>
+            <a:r>
+              <a:rPr kumimoji="1" lang="en-US" altLang="zh-CN" dirty="0" err="1"/>
+              <a:t>xread</a:t>
+            </a:r>
+            <a:r>
+              <a:rPr kumimoji="1" lang="en-US" altLang="zh-CN" dirty="0"/>
+              <a:t>/</a:t>
+            </a:r>
+            <a:r>
+              <a:rPr kumimoji="1" lang="en-US" altLang="zh-CN" dirty="0" err="1"/>
+              <a:t>xgroup</a:t>
+            </a:r>
+            <a:r>
+              <a:rPr kumimoji="1" lang="zh-CN" altLang="en-US" dirty="0"/>
+              <a:t> </a:t>
+            </a:r>
+            <a:r>
+              <a:rPr kumimoji="1" lang="en-US" altLang="zh-CN" dirty="0"/>
+              <a:t>create/</a:t>
+            </a:r>
+            <a:r>
+              <a:rPr kumimoji="1" lang="en-US" altLang="zh-CN" dirty="0" err="1"/>
+              <a:t>xinfo</a:t>
+            </a:r>
+            <a:r>
+              <a:rPr kumimoji="1" lang="en-US" altLang="zh-CN" dirty="0"/>
+              <a:t>/</a:t>
+            </a:r>
+            <a:r>
+              <a:rPr kumimoji="1" lang="en-US" altLang="zh-CN" dirty="0" err="1"/>
+              <a:t>xreadgroup</a:t>
             </a:r>
             <a:endParaRPr kumimoji="1" lang="en-US" altLang="zh-CN" dirty="0"/>
           </a:p>
           <a:p>
             <a:r>
-              <a:rPr kumimoji="1" lang="zh-CN" altLang="en-US" dirty="0"/>
-              <a:t>主从复制：增量同步</a:t>
+              <a:rPr kumimoji="1" lang="en-US" altLang="zh-CN" dirty="0" err="1"/>
+              <a:t>xack</a:t>
+            </a:r>
+            <a:endParaRPr kumimoji="1" lang="en-US" altLang="zh-CN" dirty="0"/>
+          </a:p>
+          <a:p>
+            <a:r>
+              <a:rPr kumimoji="1" lang="en-US" altLang="zh-CN" dirty="0" err="1"/>
+              <a:t>last_delivered_id</a:t>
             </a:r>
             <a:r>
               <a:rPr kumimoji="1" lang="en-US" altLang="zh-CN" dirty="0"/>
               <a:t>/</a:t>
             </a:r>
             <a:r>
-              <a:rPr kumimoji="1" lang="zh-CN" altLang="en-US" dirty="0"/>
-              <a:t>快照同步</a:t>
-            </a:r>
-            <a:r>
-              <a:rPr kumimoji="1" lang="en-US" altLang="zh-CN" dirty="0"/>
-              <a:t>/</a:t>
-            </a:r>
-            <a:r>
-              <a:rPr kumimoji="1" lang="zh-CN" altLang="en-US" dirty="0"/>
-              <a:t>无盘复制，</a:t>
-            </a:r>
-            <a:r>
-              <a:rPr kumimoji="1" lang="en-US" altLang="zh-CN" dirty="0"/>
-              <a:t>buffer/</a:t>
-            </a:r>
-            <a:r>
-              <a:rPr kumimoji="1" lang="en-US" altLang="zh-CN" dirty="0" err="1"/>
-              <a:t>bgsave</a:t>
-            </a:r>
-            <a:r>
-              <a:rPr kumimoji="1" lang="en-US" altLang="zh-CN" dirty="0"/>
-              <a:t>/socket</a:t>
-            </a:r>
-          </a:p>
-          <a:p>
-            <a:r>
-              <a:rPr kumimoji="1" lang="en-US" altLang="zh-CN" dirty="0"/>
-              <a:t>Sentinel</a:t>
-            </a:r>
-            <a:r>
-              <a:rPr kumimoji="1" lang="zh-CN" altLang="en-US" dirty="0"/>
-              <a:t>：</a:t>
-            </a:r>
-            <a:r>
-              <a:rPr kumimoji="1" lang="en-US" altLang="zh-CN" dirty="0"/>
-              <a:t>zookeeper</a:t>
-            </a:r>
-            <a:r>
-              <a:rPr kumimoji="1" lang="zh-CN" altLang="en-US" dirty="0"/>
-              <a:t>，</a:t>
-            </a:r>
-            <a:r>
-              <a:rPr kumimoji="1" lang="en-US" altLang="zh-CN" dirty="0"/>
-              <a:t>client-&gt;sentinel-&gt;</a:t>
-            </a:r>
-            <a:r>
-              <a:rPr kumimoji="1" lang="en-US" altLang="zh-CN" dirty="0" err="1"/>
-              <a:t>ip</a:t>
-            </a:r>
-            <a:r>
-              <a:rPr kumimoji="1" lang="en-US" altLang="zh-CN" dirty="0"/>
-              <a:t>-&gt;client-&gt;master</a:t>
-            </a:r>
-          </a:p>
-          <a:p>
-            <a:r>
-              <a:rPr kumimoji="1" lang="zh-CN" altLang="en-US" dirty="0"/>
-              <a:t>消息丢失：</a:t>
-            </a:r>
-            <a:r>
-              <a:rPr kumimoji="1" lang="en-US" altLang="zh-CN" dirty="0"/>
-              <a:t>min-slaves-to-write,</a:t>
-            </a:r>
-            <a:r>
-              <a:rPr kumimoji="1" lang="zh-CN" altLang="en-US" dirty="0"/>
-              <a:t> </a:t>
-            </a:r>
-            <a:r>
-              <a:rPr kumimoji="1" lang="en-US" altLang="zh-CN" dirty="0"/>
-              <a:t>min-slaves-max-lag</a:t>
-            </a:r>
-          </a:p>
-          <a:p>
-            <a:r>
-              <a:rPr kumimoji="1" lang="en-US" altLang="zh-CN" dirty="0" err="1"/>
-              <a:t>Codis</a:t>
-            </a:r>
-            <a:r>
-              <a:rPr kumimoji="1" lang="zh-CN" altLang="en-US" dirty="0"/>
-              <a:t>：代理中间件，</a:t>
-            </a:r>
-            <a:r>
-              <a:rPr kumimoji="1" lang="en-US" altLang="zh-CN" dirty="0"/>
-              <a:t>1024</a:t>
-            </a:r>
-            <a:r>
-              <a:rPr kumimoji="1" lang="zh-CN" altLang="en-US" dirty="0"/>
-              <a:t>槽，</a:t>
-            </a:r>
-            <a:r>
-              <a:rPr kumimoji="1" lang="en-US" altLang="zh-CN" dirty="0"/>
-              <a:t>zookeeper</a:t>
-            </a:r>
-            <a:r>
-              <a:rPr kumimoji="1" lang="zh-CN" altLang="en-US" dirty="0"/>
-              <a:t>同步槽位，</a:t>
-            </a:r>
-            <a:r>
-              <a:rPr kumimoji="1" lang="en-US" altLang="zh-CN" dirty="0"/>
-              <a:t>SLOTSSCAN</a:t>
-            </a:r>
-          </a:p>
-          <a:p>
-            <a:r>
-              <a:rPr kumimoji="1" lang="en-US" altLang="zh-CN" dirty="0"/>
-              <a:t>Cluster</a:t>
-            </a:r>
-            <a:r>
-              <a:rPr kumimoji="1" lang="zh-CN" altLang="en-US" dirty="0"/>
-              <a:t>：</a:t>
-            </a:r>
-            <a:r>
-              <a:rPr kumimoji="1" lang="en-US" altLang="zh-CN" dirty="0"/>
-              <a:t>16384</a:t>
-            </a:r>
-            <a:r>
-              <a:rPr kumimoji="1" lang="zh-CN" altLang="en-US" dirty="0"/>
-              <a:t>槽，</a:t>
-            </a:r>
-            <a:r>
-              <a:rPr kumimoji="1" lang="en-US" altLang="zh-CN" dirty="0"/>
-              <a:t>MOVED,</a:t>
-            </a:r>
-            <a:r>
-              <a:rPr kumimoji="1" lang="zh-CN" altLang="en-US" dirty="0"/>
-              <a:t> </a:t>
-            </a:r>
-            <a:r>
-              <a:rPr kumimoji="1" lang="en-US" altLang="zh-CN" dirty="0" err="1"/>
-              <a:t>redis-trib</a:t>
-            </a:r>
-            <a:r>
-              <a:rPr kumimoji="1" lang="en-US" altLang="zh-CN" dirty="0"/>
-              <a:t>,</a:t>
-            </a:r>
-            <a:r>
-              <a:rPr kumimoji="1" lang="zh-CN" altLang="en-US" dirty="0"/>
-              <a:t> </a:t>
-            </a:r>
-            <a:r>
-              <a:rPr kumimoji="1" lang="en-US" altLang="zh-CN" dirty="0"/>
-              <a:t>dump-&gt;restore,</a:t>
-            </a:r>
-            <a:r>
-              <a:rPr kumimoji="1" lang="zh-CN" altLang="en-US" dirty="0"/>
-              <a:t> </a:t>
-            </a:r>
-            <a:r>
-              <a:rPr kumimoji="1" lang="en-US" altLang="zh-CN" dirty="0"/>
-              <a:t>ASK</a:t>
-            </a:r>
-            <a:endParaRPr kumimoji="1" lang="zh-CN" altLang="en-US" dirty="0"/>
+              <a:rPr kumimoji="1" lang="en-US" altLang="zh-CN" dirty="0" err="1"/>
+              <a:t>pending_ids</a:t>
+            </a:r>
+            <a:endParaRPr kumimoji="1" lang="en-US" altLang="zh-CN" dirty="0"/>
+          </a:p>
+          <a:p>
+            <a:r>
+              <a:rPr kumimoji="1" lang="en-US" altLang="zh-CN" dirty="0" err="1"/>
+              <a:t>maxlen</a:t>
+            </a:r>
+            <a:endParaRPr kumimoji="1" lang="en-US" altLang="zh-CN" dirty="0"/>
           </a:p>
         </p:txBody>
       </p:sp>
     </p:spTree>
     <p:extLst>
       <p:ext uri="{BB962C8B-B14F-4D97-AF65-F5344CB8AC3E}">
-        <p14:creationId xmlns:p14="http://schemas.microsoft.com/office/powerpoint/2010/main" val="4060555788"/>
+        <p14:creationId xmlns:p14="http://schemas.microsoft.com/office/powerpoint/2010/main" val="4001288109"/>
       </p:ext>
     </p:extLst>
   </p:cSld>
@@ -4824,7 +4863,7 @@
           <p:cNvPr id="2" name="标题 1">
             <a:extLst>
               <a:ext uri="{FF2B5EF4-FFF2-40B4-BE49-F238E27FC236}">
-                <a16:creationId xmlns:a16="http://schemas.microsoft.com/office/drawing/2014/main" id="{4F5ED81B-C6A2-DB4F-A096-CCF369FA667D}"/>
+                <a16:creationId xmlns:a16="http://schemas.microsoft.com/office/drawing/2014/main" id="{37FC7C92-5FF4-A84F-BF97-4DA0C1411C87}"/>
               </a:ext>
             </a:extLst>
           </p:cNvPr>
@@ -4842,7 +4881,7 @@
           <a:p>
             <a:r>
               <a:rPr kumimoji="1" lang="en-US" altLang="zh-CN" dirty="0"/>
-              <a:t>Stream</a:t>
+              <a:t>info</a:t>
             </a:r>
             <a:endParaRPr kumimoji="1" lang="zh-CN" altLang="en-US" dirty="0"/>
           </a:p>
@@ -4853,7 +4892,7 @@
           <p:cNvPr id="3" name="内容占位符 2">
             <a:extLst>
               <a:ext uri="{FF2B5EF4-FFF2-40B4-BE49-F238E27FC236}">
-                <a16:creationId xmlns:a16="http://schemas.microsoft.com/office/drawing/2014/main" id="{92E6CC7C-FFF4-004A-B363-63231381EE91}"/>
+                <a16:creationId xmlns:a16="http://schemas.microsoft.com/office/drawing/2014/main" id="{D76EB296-35AA-F140-B8DC-34A551980B97}"/>
               </a:ext>
             </a:extLst>
           </p:cNvPr>
@@ -4866,117 +4905,142 @@
         </p:nvSpPr>
         <p:spPr/>
         <p:txBody>
-          <a:bodyPr/>
-          <a:lstStyle/>
-          <a:p>
-            <a:r>
-              <a:rPr kumimoji="1" lang="zh-CN" altLang="en-US" dirty="0"/>
-              <a:t>支持多播可持久化消息队列</a:t>
+          <a:bodyPr>
+            <a:normAutofit lnSpcReduction="10000"/>
+          </a:bodyPr>
+          <a:lstStyle/>
+          <a:p>
+            <a:r>
+              <a:rPr kumimoji="1" lang="en-US" altLang="zh-CN" dirty="0"/>
+              <a:t>Server</a:t>
+            </a:r>
+          </a:p>
+          <a:p>
+            <a:r>
+              <a:rPr kumimoji="1" lang="en-US" altLang="zh-CN" dirty="0"/>
+              <a:t>Clients,</a:t>
+            </a:r>
+            <a:r>
+              <a:rPr kumimoji="1" lang="zh-CN" altLang="en-US" dirty="0"/>
+              <a:t> </a:t>
+            </a:r>
+            <a:r>
+              <a:rPr kumimoji="1" lang="en-US" altLang="zh-CN" dirty="0"/>
+              <a:t>client</a:t>
+            </a:r>
+            <a:r>
+              <a:rPr kumimoji="1" lang="zh-CN" altLang="en-US" dirty="0"/>
+              <a:t> </a:t>
+            </a:r>
+            <a:r>
+              <a:rPr kumimoji="1" lang="en-US" altLang="zh-CN" dirty="0"/>
+              <a:t>list,</a:t>
+            </a:r>
+            <a:r>
+              <a:rPr kumimoji="1" lang="zh-CN" altLang="en-US" dirty="0"/>
+              <a:t> </a:t>
+            </a:r>
+            <a:r>
+              <a:rPr kumimoji="1" lang="en-US" altLang="zh-CN" dirty="0" err="1"/>
+              <a:t>rejected_connections</a:t>
+            </a:r>
+            <a:r>
+              <a:rPr kumimoji="1" lang="en-US" altLang="zh-CN" dirty="0"/>
+              <a:t>,</a:t>
+            </a:r>
+            <a:r>
+              <a:rPr kumimoji="1" lang="zh-CN" altLang="en-US" dirty="0"/>
+              <a:t> </a:t>
+            </a:r>
+            <a:r>
+              <a:rPr kumimoji="1" lang="en-US" altLang="zh-CN" dirty="0" err="1"/>
+              <a:t>maxclients</a:t>
             </a:r>
             <a:endParaRPr kumimoji="1" lang="en-US" altLang="zh-CN" dirty="0"/>
           </a:p>
           <a:p>
             <a:r>
-              <a:rPr kumimoji="1" lang="en-US" altLang="zh-CN" dirty="0" err="1"/>
-              <a:t>xadd</a:t>
-            </a:r>
-            <a:r>
-              <a:rPr kumimoji="1" lang="en-US" altLang="zh-CN" dirty="0"/>
-              <a:t>/</a:t>
-            </a:r>
-            <a:r>
-              <a:rPr kumimoji="1" lang="en-US" altLang="zh-CN" dirty="0" err="1"/>
-              <a:t>xdel</a:t>
-            </a:r>
-            <a:r>
-              <a:rPr kumimoji="1" lang="en-US" altLang="zh-CN" dirty="0"/>
-              <a:t>/</a:t>
-            </a:r>
-            <a:r>
-              <a:rPr kumimoji="1" lang="en-US" altLang="zh-CN" dirty="0" err="1"/>
-              <a:t>xrange</a:t>
-            </a:r>
-            <a:r>
-              <a:rPr kumimoji="1" lang="en-US" altLang="zh-CN" dirty="0"/>
-              <a:t>/</a:t>
-            </a:r>
-            <a:r>
-              <a:rPr kumimoji="1" lang="en-US" altLang="zh-CN" dirty="0" err="1"/>
-              <a:t>xlen</a:t>
-            </a:r>
-            <a:r>
-              <a:rPr kumimoji="1" lang="en-US" altLang="zh-CN" dirty="0"/>
-              <a:t>/del/</a:t>
-            </a:r>
-            <a:r>
-              <a:rPr kumimoji="1" lang="en-US" altLang="zh-CN" dirty="0" err="1"/>
-              <a:t>xread</a:t>
-            </a:r>
-            <a:r>
-              <a:rPr kumimoji="1" lang="en-US" altLang="zh-CN" dirty="0"/>
-              <a:t>/</a:t>
-            </a:r>
-            <a:r>
-              <a:rPr kumimoji="1" lang="en-US" altLang="zh-CN" dirty="0" err="1"/>
-              <a:t>xgroup</a:t>
-            </a:r>
-            <a:r>
-              <a:rPr kumimoji="1" lang="zh-CN" altLang="en-US" dirty="0"/>
-              <a:t> </a:t>
-            </a:r>
-            <a:r>
-              <a:rPr kumimoji="1" lang="en-US" altLang="zh-CN" dirty="0"/>
-              <a:t>create/</a:t>
-            </a:r>
-            <a:r>
-              <a:rPr kumimoji="1" lang="en-US" altLang="zh-CN" dirty="0" err="1"/>
-              <a:t>xinfo</a:t>
-            </a:r>
-            <a:r>
-              <a:rPr kumimoji="1" lang="en-US" altLang="zh-CN" dirty="0"/>
-              <a:t>/</a:t>
-            </a:r>
-            <a:r>
-              <a:rPr kumimoji="1" lang="en-US" altLang="zh-CN" dirty="0" err="1"/>
-              <a:t>xreadgroup</a:t>
+              <a:rPr kumimoji="1" lang="en-US" altLang="zh-CN" dirty="0"/>
+              <a:t>Memory</a:t>
+            </a:r>
+          </a:p>
+          <a:p>
+            <a:r>
+              <a:rPr kumimoji="1" lang="en-US" altLang="zh-CN" dirty="0"/>
+              <a:t>Persistence</a:t>
+            </a:r>
+          </a:p>
+          <a:p>
+            <a:r>
+              <a:rPr kumimoji="1" lang="en-US" altLang="zh-CN" dirty="0"/>
+              <a:t>Stats,</a:t>
+            </a:r>
+            <a:r>
+              <a:rPr kumimoji="1" lang="zh-CN" altLang="en-US" dirty="0"/>
+              <a:t> </a:t>
+            </a:r>
+            <a:r>
+              <a:rPr kumimoji="1" lang="en-US" altLang="zh-CN" dirty="0"/>
+              <a:t>ops,</a:t>
+            </a:r>
+            <a:r>
+              <a:rPr kumimoji="1" lang="zh-CN" altLang="en-US" dirty="0"/>
+              <a:t> </a:t>
+            </a:r>
+            <a:r>
+              <a:rPr kumimoji="1" lang="en-US" altLang="zh-CN" dirty="0"/>
+              <a:t>monitor,</a:t>
+            </a:r>
+            <a:r>
+              <a:rPr kumimoji="1" lang="zh-CN" altLang="en-US" dirty="0"/>
+              <a:t> </a:t>
+            </a:r>
+            <a:r>
+              <a:rPr kumimoji="1" lang="en-US" altLang="zh-CN" dirty="0" err="1"/>
+              <a:t>sync_partial_err</a:t>
             </a:r>
             <a:endParaRPr kumimoji="1" lang="en-US" altLang="zh-CN" dirty="0"/>
           </a:p>
           <a:p>
             <a:r>
-              <a:rPr kumimoji="1" lang="en-US" altLang="zh-CN" dirty="0" err="1"/>
-              <a:t>xack</a:t>
+              <a:rPr kumimoji="1" lang="en-US" altLang="zh-CN" dirty="0"/>
+              <a:t>Replication,</a:t>
+            </a:r>
+            <a:r>
+              <a:rPr kumimoji="1" lang="zh-CN" altLang="en-US" dirty="0"/>
+              <a:t> </a:t>
+            </a:r>
+            <a:r>
+              <a:rPr kumimoji="1" lang="en-US" altLang="zh-CN" dirty="0" err="1"/>
+              <a:t>repl_backlog_size</a:t>
             </a:r>
             <a:endParaRPr kumimoji="1" lang="en-US" altLang="zh-CN" dirty="0"/>
           </a:p>
           <a:p>
             <a:r>
-              <a:rPr kumimoji="1" lang="en-US" altLang="zh-CN" dirty="0" err="1"/>
-              <a:t>last_delivered_id</a:t>
-            </a:r>
-            <a:r>
-              <a:rPr kumimoji="1" lang="en-US" altLang="zh-CN" dirty="0"/>
-              <a:t>/</a:t>
-            </a:r>
-            <a:r>
-              <a:rPr kumimoji="1" lang="en-US" altLang="zh-CN" dirty="0" err="1"/>
-              <a:t>pending_ids</a:t>
-            </a:r>
-            <a:endParaRPr kumimoji="1" lang="en-US" altLang="zh-CN" dirty="0"/>
-          </a:p>
-          <a:p>
-            <a:r>
-              <a:rPr kumimoji="1" lang="en-US" altLang="zh-CN" dirty="0" err="1"/>
-              <a:t>maxlen</a:t>
-            </a:r>
-            <a:endParaRPr kumimoji="1" lang="en-US" altLang="zh-CN" dirty="0"/>
+              <a:rPr kumimoji="1" lang="en-US" altLang="zh-CN" dirty="0"/>
+              <a:t>CPU</a:t>
+            </a:r>
+          </a:p>
+          <a:p>
+            <a:r>
+              <a:rPr kumimoji="1" lang="en-US" altLang="zh-CN" dirty="0"/>
+              <a:t>Cluster</a:t>
+            </a:r>
+          </a:p>
+          <a:p>
+            <a:r>
+              <a:rPr kumimoji="1" lang="en-US" altLang="zh-CN" dirty="0" err="1"/>
+              <a:t>KeySpace</a:t>
+            </a:r>
+            <a:endParaRPr kumimoji="1" lang="zh-CN" altLang="en-US" dirty="0"/>
           </a:p>
         </p:txBody>
       </p:sp>
     </p:spTree>
     <p:extLst>
       <p:ext uri="{BB962C8B-B14F-4D97-AF65-F5344CB8AC3E}">
-        <p14:creationId xmlns:p14="http://schemas.microsoft.com/office/powerpoint/2010/main" val="4001288109"/>
+        <p14:creationId xmlns:p14="http://schemas.microsoft.com/office/powerpoint/2010/main" val="1117879631"/>
       </p:ext>
     </p:extLst>
   </p:cSld>
@@ -5008,7 +5072,7 @@
           <p:cNvPr id="2" name="标题 1">
             <a:extLst>
               <a:ext uri="{FF2B5EF4-FFF2-40B4-BE49-F238E27FC236}">
-                <a16:creationId xmlns:a16="http://schemas.microsoft.com/office/drawing/2014/main" id="{37FC7C92-5FF4-A84F-BF97-4DA0C1411C87}"/>
+                <a16:creationId xmlns:a16="http://schemas.microsoft.com/office/drawing/2014/main" id="{B13E2CBA-C66A-1443-A89E-5DDE73F5EE1A}"/>
               </a:ext>
             </a:extLst>
           </p:cNvPr>
@@ -5025,10 +5089,9 @@
           <a:lstStyle/>
           <a:p>
             <a:r>
-              <a:rPr kumimoji="1" lang="en-US" altLang="zh-CN" dirty="0"/>
-              <a:t>info</a:t>
-            </a:r>
-            <a:endParaRPr kumimoji="1" lang="zh-CN" altLang="en-US" dirty="0"/>
+              <a:rPr kumimoji="1" lang="zh-CN" altLang="en-US" dirty="0"/>
+              <a:t>过期策略</a:t>
+            </a:r>
           </a:p>
         </p:txBody>
       </p:sp>
@@ -5037,7 +5100,7 @@
           <p:cNvPr id="3" name="内容占位符 2">
             <a:extLst>
               <a:ext uri="{FF2B5EF4-FFF2-40B4-BE49-F238E27FC236}">
-                <a16:creationId xmlns:a16="http://schemas.microsoft.com/office/drawing/2014/main" id="{D76EB296-35AA-F140-B8DC-34A551980B97}"/>
+                <a16:creationId xmlns:a16="http://schemas.microsoft.com/office/drawing/2014/main" id="{41CA025C-EF70-DA40-BB18-47564118AB14}"/>
               </a:ext>
             </a:extLst>
           </p:cNvPr>
@@ -5050,142 +5113,43 @@
         </p:nvSpPr>
         <p:spPr/>
         <p:txBody>
-          <a:bodyPr>
-            <a:normAutofit lnSpcReduction="10000"/>
-          </a:bodyPr>
-          <a:lstStyle/>
-          <a:p>
-            <a:r>
-              <a:rPr kumimoji="1" lang="en-US" altLang="zh-CN" dirty="0"/>
-              <a:t>Server</a:t>
-            </a:r>
-          </a:p>
-          <a:p>
-            <a:r>
-              <a:rPr kumimoji="1" lang="en-US" altLang="zh-CN" dirty="0"/>
-              <a:t>Clients,</a:t>
-            </a:r>
-            <a:r>
-              <a:rPr kumimoji="1" lang="zh-CN" altLang="en-US" dirty="0"/>
-              <a:t> </a:t>
-            </a:r>
-            <a:r>
-              <a:rPr kumimoji="1" lang="en-US" altLang="zh-CN" dirty="0"/>
-              <a:t>client</a:t>
-            </a:r>
-            <a:r>
-              <a:rPr kumimoji="1" lang="zh-CN" altLang="en-US" dirty="0"/>
-              <a:t> </a:t>
-            </a:r>
-            <a:r>
-              <a:rPr kumimoji="1" lang="en-US" altLang="zh-CN" dirty="0"/>
-              <a:t>list,</a:t>
-            </a:r>
-            <a:r>
-              <a:rPr kumimoji="1" lang="zh-CN" altLang="en-US" dirty="0"/>
-              <a:t> </a:t>
-            </a:r>
-            <a:r>
-              <a:rPr kumimoji="1" lang="en-US" altLang="zh-CN" dirty="0" err="1"/>
-              <a:t>rejected_connections</a:t>
-            </a:r>
-            <a:r>
-              <a:rPr kumimoji="1" lang="en-US" altLang="zh-CN" dirty="0"/>
-              <a:t>,</a:t>
-            </a:r>
-            <a:r>
-              <a:rPr kumimoji="1" lang="zh-CN" altLang="en-US" dirty="0"/>
-              <a:t> </a:t>
-            </a:r>
-            <a:r>
-              <a:rPr kumimoji="1" lang="en-US" altLang="zh-CN" dirty="0" err="1"/>
-              <a:t>maxclients</a:t>
+          <a:bodyPr/>
+          <a:lstStyle/>
+          <a:p>
+            <a:r>
+              <a:rPr kumimoji="1" lang="zh-CN" altLang="en-US" dirty="0"/>
+              <a:t>集中处理</a:t>
+            </a:r>
+            <a:r>
+              <a:rPr kumimoji="1" lang="en-US" altLang="zh-CN" dirty="0"/>
+              <a:t>/</a:t>
+            </a:r>
+            <a:r>
+              <a:rPr kumimoji="1" lang="zh-CN" altLang="en-US" dirty="0"/>
+              <a:t>惰性删除</a:t>
             </a:r>
             <a:endParaRPr kumimoji="1" lang="en-US" altLang="zh-CN" dirty="0"/>
           </a:p>
           <a:p>
             <a:r>
-              <a:rPr kumimoji="1" lang="en-US" altLang="zh-CN" dirty="0"/>
-              <a:t>Memory</a:t>
-            </a:r>
-          </a:p>
-          <a:p>
-            <a:r>
-              <a:rPr kumimoji="1" lang="en-US" altLang="zh-CN" dirty="0"/>
-              <a:t>Persistence</a:t>
-            </a:r>
-          </a:p>
-          <a:p>
-            <a:r>
-              <a:rPr kumimoji="1" lang="en-US" altLang="zh-CN" dirty="0"/>
-              <a:t>Stats,</a:t>
-            </a:r>
-            <a:r>
-              <a:rPr kumimoji="1" lang="zh-CN" altLang="en-US" dirty="0"/>
-              <a:t> </a:t>
-            </a:r>
-            <a:r>
-              <a:rPr kumimoji="1" lang="en-US" altLang="zh-CN" dirty="0"/>
-              <a:t>ops,</a:t>
-            </a:r>
-            <a:r>
-              <a:rPr kumimoji="1" lang="zh-CN" altLang="en-US" dirty="0"/>
-              <a:t> </a:t>
-            </a:r>
-            <a:r>
-              <a:rPr kumimoji="1" lang="en-US" altLang="zh-CN" dirty="0"/>
-              <a:t>monitor,</a:t>
-            </a:r>
-            <a:r>
-              <a:rPr kumimoji="1" lang="zh-CN" altLang="en-US" dirty="0"/>
-              <a:t> </a:t>
-            </a:r>
-            <a:r>
-              <a:rPr kumimoji="1" lang="en-US" altLang="zh-CN" dirty="0" err="1"/>
-              <a:t>sync_partial_err</a:t>
-            </a:r>
-            <a:endParaRPr kumimoji="1" lang="en-US" altLang="zh-CN" dirty="0"/>
-          </a:p>
-          <a:p>
-            <a:r>
-              <a:rPr kumimoji="1" lang="en-US" altLang="zh-CN" dirty="0"/>
-              <a:t>Replication,</a:t>
-            </a:r>
-            <a:r>
-              <a:rPr kumimoji="1" lang="zh-CN" altLang="en-US" dirty="0"/>
-              <a:t> </a:t>
-            </a:r>
-            <a:r>
-              <a:rPr kumimoji="1" lang="en-US" altLang="zh-CN" dirty="0" err="1"/>
-              <a:t>repl_backlog_size</a:t>
-            </a:r>
-            <a:endParaRPr kumimoji="1" lang="en-US" altLang="zh-CN" dirty="0"/>
-          </a:p>
-          <a:p>
-            <a:r>
-              <a:rPr kumimoji="1" lang="en-US" altLang="zh-CN" dirty="0"/>
-              <a:t>CPU</a:t>
-            </a:r>
-          </a:p>
-          <a:p>
-            <a:r>
-              <a:rPr kumimoji="1" lang="en-US" altLang="zh-CN" dirty="0"/>
-              <a:t>Cluster</a:t>
-            </a:r>
-          </a:p>
-          <a:p>
-            <a:r>
-              <a:rPr kumimoji="1" lang="en-US" altLang="zh-CN" dirty="0" err="1"/>
-              <a:t>KeySpace</a:t>
-            </a:r>
-            <a:endParaRPr kumimoji="1" lang="zh-CN" altLang="en-US" dirty="0"/>
+              <a:rPr kumimoji="1" lang="zh-CN" altLang="en-US" dirty="0"/>
+              <a:t>大批量</a:t>
+            </a:r>
+            <a:r>
+              <a:rPr kumimoji="1" lang="en-US" altLang="zh-CN" dirty="0"/>
+              <a:t>key</a:t>
+            </a:r>
+            <a:r>
+              <a:rPr kumimoji="1" lang="zh-CN" altLang="en-US" dirty="0"/>
+              <a:t>过期，过期时间随机范围</a:t>
+            </a:r>
           </a:p>
         </p:txBody>
       </p:sp>
     </p:spTree>
     <p:extLst>
       <p:ext uri="{BB962C8B-B14F-4D97-AF65-F5344CB8AC3E}">
-        <p14:creationId xmlns:p14="http://schemas.microsoft.com/office/powerpoint/2010/main" val="1117879631"/>
+        <p14:creationId xmlns:p14="http://schemas.microsoft.com/office/powerpoint/2010/main" val="806101506"/>
       </p:ext>
     </p:extLst>
   </p:cSld>
@@ -5217,7 +5181,7 @@
           <p:cNvPr id="2" name="标题 1">
             <a:extLst>
               <a:ext uri="{FF2B5EF4-FFF2-40B4-BE49-F238E27FC236}">
-                <a16:creationId xmlns:a16="http://schemas.microsoft.com/office/drawing/2014/main" id="{B13E2CBA-C66A-1443-A89E-5DDE73F5EE1A}"/>
+                <a16:creationId xmlns:a16="http://schemas.microsoft.com/office/drawing/2014/main" id="{40B7C848-9A5E-F048-9451-B5AE79790C76}"/>
               </a:ext>
             </a:extLst>
           </p:cNvPr>
@@ -5234,9 +5198,10 @@
           <a:lstStyle/>
           <a:p>
             <a:r>
-              <a:rPr kumimoji="1" lang="zh-CN" altLang="en-US" dirty="0"/>
-              <a:t>过期策略</a:t>
-            </a:r>
+              <a:rPr kumimoji="1" lang="en-US" altLang="zh-CN" dirty="0"/>
+              <a:t>LRU</a:t>
+            </a:r>
+            <a:endParaRPr kumimoji="1" lang="zh-CN" altLang="en-US" dirty="0"/>
           </a:p>
         </p:txBody>
       </p:sp>
@@ -5245,7 +5210,7 @@
           <p:cNvPr id="3" name="内容占位符 2">
             <a:extLst>
               <a:ext uri="{FF2B5EF4-FFF2-40B4-BE49-F238E27FC236}">
-                <a16:creationId xmlns:a16="http://schemas.microsoft.com/office/drawing/2014/main" id="{41CA025C-EF70-DA40-BB18-47564118AB14}"/>
+                <a16:creationId xmlns:a16="http://schemas.microsoft.com/office/drawing/2014/main" id="{05E52293-875B-9540-BC75-35F5D2A58410}"/>
               </a:ext>
             </a:extLst>
           </p:cNvPr>
@@ -5258,27 +5223,53 @@
         </p:nvSpPr>
         <p:spPr/>
         <p:txBody>
-          <a:bodyPr/>
-          <a:lstStyle/>
-          <a:p>
-            <a:r>
-              <a:rPr kumimoji="1" lang="zh-CN" altLang="en-US" dirty="0"/>
-              <a:t>集中处理</a:t>
-            </a:r>
-            <a:r>
-              <a:rPr kumimoji="1" lang="en-US" altLang="zh-CN" dirty="0"/>
-              <a:t>/</a:t>
-            </a:r>
-            <a:r>
-              <a:rPr kumimoji="1" lang="zh-CN" altLang="en-US" dirty="0"/>
-              <a:t>惰性删除</a:t>
+          <a:bodyPr>
+            <a:normAutofit lnSpcReduction="10000"/>
+          </a:bodyPr>
+          <a:lstStyle/>
+          <a:p>
+            <a:r>
+              <a:rPr kumimoji="1" lang="en-US" altLang="zh-CN" dirty="0" err="1"/>
+              <a:t>maxmemory</a:t>
+            </a:r>
+            <a:r>
+              <a:rPr kumimoji="1" lang="en-US" altLang="zh-CN" dirty="0"/>
+              <a:t>-policy</a:t>
+            </a:r>
+          </a:p>
+          <a:p>
+            <a:pPr lvl="1"/>
+            <a:r>
+              <a:rPr kumimoji="1" lang="en-US" altLang="zh-CN" dirty="0" err="1"/>
+              <a:t>noeviction</a:t>
+            </a:r>
+            <a:r>
+              <a:rPr kumimoji="1" lang="zh-CN" altLang="en-US" dirty="0"/>
+              <a:t>：</a:t>
+            </a:r>
+            <a:r>
+              <a:rPr kumimoji="1" lang="en-US" altLang="zh-CN" dirty="0"/>
+              <a:t>del</a:t>
+            </a:r>
+            <a:r>
+              <a:rPr kumimoji="1" lang="zh-CN" altLang="en-US" dirty="0"/>
+              <a:t>可以，读可以，不服务写</a:t>
             </a:r>
             <a:endParaRPr kumimoji="1" lang="en-US" altLang="zh-CN" dirty="0"/>
           </a:p>
           <a:p>
-            <a:r>
-              <a:rPr kumimoji="1" lang="zh-CN" altLang="en-US" dirty="0"/>
-              <a:t>大批量</a:t>
+            <a:pPr lvl="1"/>
+            <a:r>
+              <a:rPr kumimoji="1" lang="en-US" altLang="zh-CN" dirty="0"/>
+              <a:t>volatile-</a:t>
+            </a:r>
+            <a:r>
+              <a:rPr kumimoji="1" lang="en-US" altLang="zh-CN" dirty="0" err="1"/>
+              <a:t>lru</a:t>
+            </a:r>
+            <a:r>
+              <a:rPr kumimoji="1" lang="zh-CN" altLang="en-US" dirty="0"/>
+              <a:t>：淘汰设置了过期时间的</a:t>
             </a:r>
             <a:r>
               <a:rPr kumimoji="1" lang="en-US" altLang="zh-CN" dirty="0"/>
@@ -5286,7 +5277,180 @@
             </a:r>
             <a:r>
               <a:rPr kumimoji="1" lang="zh-CN" altLang="en-US" dirty="0"/>
-              <a:t>过期，过期时间随机范围</a:t>
+              <a:t>，最少使用</a:t>
+            </a:r>
+            <a:endParaRPr kumimoji="1" lang="en-US" altLang="zh-CN" dirty="0"/>
+          </a:p>
+          <a:p>
+            <a:pPr lvl="1"/>
+            <a:r>
+              <a:rPr kumimoji="1" lang="en-US" altLang="zh-CN" dirty="0"/>
+              <a:t>volatile-</a:t>
+            </a:r>
+            <a:r>
+              <a:rPr kumimoji="1" lang="en-US" altLang="zh-CN" dirty="0" err="1"/>
+              <a:t>ttl</a:t>
+            </a:r>
+            <a:r>
+              <a:rPr kumimoji="1" lang="zh-CN" altLang="en-US" dirty="0"/>
+              <a:t>：</a:t>
+            </a:r>
+            <a:r>
+              <a:rPr kumimoji="1" lang="en-US" altLang="zh-CN" dirty="0" err="1"/>
+              <a:t>ttl</a:t>
+            </a:r>
+            <a:r>
+              <a:rPr kumimoji="1" lang="zh-CN" altLang="en-US" dirty="0"/>
+              <a:t>越小优先被淘汰</a:t>
+            </a:r>
+            <a:endParaRPr kumimoji="1" lang="en-US" altLang="zh-CN" dirty="0"/>
+          </a:p>
+          <a:p>
+            <a:pPr lvl="1"/>
+            <a:r>
+              <a:rPr kumimoji="1" lang="en-US" altLang="zh-CN" dirty="0"/>
+              <a:t>volatile-random</a:t>
+            </a:r>
+            <a:r>
+              <a:rPr kumimoji="1" lang="zh-CN" altLang="en-US" dirty="0"/>
+              <a:t>：过期</a:t>
+            </a:r>
+            <a:r>
+              <a:rPr kumimoji="1" lang="en-US" altLang="zh-CN" dirty="0"/>
+              <a:t>key</a:t>
+            </a:r>
+            <a:r>
+              <a:rPr kumimoji="1" lang="zh-CN" altLang="en-US" dirty="0"/>
+              <a:t>随机选</a:t>
+            </a:r>
+            <a:endParaRPr kumimoji="1" lang="en-US" altLang="zh-CN" dirty="0"/>
+          </a:p>
+          <a:p>
+            <a:pPr lvl="1"/>
+            <a:r>
+              <a:rPr kumimoji="1" lang="en-US" altLang="zh-CN" dirty="0" err="1"/>
+              <a:t>allkeys-lru</a:t>
+            </a:r>
+            <a:r>
+              <a:rPr kumimoji="1" lang="zh-CN" altLang="en-US" dirty="0"/>
+              <a:t>：淘汰的</a:t>
+            </a:r>
+            <a:r>
+              <a:rPr kumimoji="1" lang="en-US" altLang="zh-CN" dirty="0"/>
+              <a:t>key</a:t>
+            </a:r>
+            <a:r>
+              <a:rPr kumimoji="1" lang="zh-CN" altLang="en-US" dirty="0"/>
+              <a:t>是全体的</a:t>
+            </a:r>
+            <a:r>
+              <a:rPr kumimoji="1" lang="en-US" altLang="zh-CN" dirty="0"/>
+              <a:t>key</a:t>
+            </a:r>
+            <a:r>
+              <a:rPr kumimoji="1" lang="zh-CN" altLang="en-US" dirty="0"/>
+              <a:t>集合</a:t>
+            </a:r>
+            <a:endParaRPr kumimoji="1" lang="en-US" altLang="zh-CN" dirty="0"/>
+          </a:p>
+          <a:p>
+            <a:pPr lvl="1"/>
+            <a:r>
+              <a:rPr kumimoji="1" lang="en-US" altLang="zh-CN" dirty="0" err="1"/>
+              <a:t>allkeys</a:t>
+            </a:r>
+            <a:r>
+              <a:rPr kumimoji="1" lang="en-US" altLang="zh-CN" dirty="0"/>
+              <a:t>-random</a:t>
+            </a:r>
+            <a:r>
+              <a:rPr kumimoji="1" lang="zh-CN" altLang="en-US" dirty="0"/>
+              <a:t>：淘汰的</a:t>
+            </a:r>
+            <a:r>
+              <a:rPr kumimoji="1" lang="en-US" altLang="zh-CN" dirty="0"/>
+              <a:t>key</a:t>
+            </a:r>
+            <a:r>
+              <a:rPr kumimoji="1" lang="zh-CN" altLang="en-US" dirty="0"/>
+              <a:t>是全体</a:t>
+            </a:r>
+            <a:r>
+              <a:rPr kumimoji="1" lang="en-US" altLang="zh-CN" dirty="0"/>
+              <a:t>key</a:t>
+            </a:r>
+            <a:r>
+              <a:rPr kumimoji="1" lang="zh-CN" altLang="en-US" dirty="0"/>
+              <a:t>集合</a:t>
+            </a:r>
+            <a:endParaRPr kumimoji="1" lang="en-US" altLang="zh-CN" dirty="0"/>
+          </a:p>
+          <a:p>
+            <a:r>
+              <a:rPr kumimoji="1" lang="en-US" altLang="zh-CN" dirty="0"/>
+              <a:t>Redis</a:t>
+            </a:r>
+            <a:r>
+              <a:rPr kumimoji="1" lang="zh-CN" altLang="en-US" dirty="0"/>
+              <a:t>近似</a:t>
+            </a:r>
+            <a:r>
+              <a:rPr kumimoji="1" lang="en-US" altLang="zh-CN" dirty="0"/>
+              <a:t>LRU</a:t>
+            </a:r>
+            <a:r>
+              <a:rPr kumimoji="1" lang="zh-CN" altLang="en-US" dirty="0"/>
+              <a:t>，</a:t>
+            </a:r>
+            <a:r>
+              <a:rPr kumimoji="1" lang="en-US" altLang="zh-CN" dirty="0"/>
+              <a:t>key</a:t>
+            </a:r>
+            <a:r>
+              <a:rPr kumimoji="1" lang="zh-CN" altLang="en-US" dirty="0"/>
+              <a:t>加</a:t>
+            </a:r>
+            <a:r>
+              <a:rPr kumimoji="1" lang="en-US" altLang="zh-CN" dirty="0"/>
+              <a:t>24bit</a:t>
+            </a:r>
+            <a:r>
+              <a:rPr kumimoji="1" lang="zh-CN" altLang="en-US" dirty="0"/>
+              <a:t>字段记录访问的时间戳，懒惰处理</a:t>
+            </a:r>
+            <a:endParaRPr kumimoji="1" lang="en-US" altLang="zh-CN" dirty="0"/>
+          </a:p>
+          <a:p>
+            <a:r>
+              <a:rPr kumimoji="1" lang="en-US" altLang="zh-CN" dirty="0"/>
+              <a:t>unlink</a:t>
+            </a:r>
+            <a:r>
+              <a:rPr kumimoji="1" lang="zh-CN" altLang="en-US" dirty="0"/>
+              <a:t> </a:t>
+            </a:r>
+            <a:r>
+              <a:rPr kumimoji="1" lang="en-US" altLang="zh-CN" dirty="0"/>
+              <a:t>key</a:t>
+            </a:r>
+            <a:r>
+              <a:rPr kumimoji="1" lang="zh-CN" altLang="en-US" dirty="0"/>
+              <a:t>，删除惰性处理，后台线程来异步回收内存</a:t>
+            </a:r>
+            <a:endParaRPr kumimoji="1" lang="en-US" altLang="zh-CN" dirty="0"/>
+          </a:p>
+          <a:p>
+            <a:r>
+              <a:rPr kumimoji="1" lang="en-US" altLang="zh-CN" dirty="0" err="1"/>
+              <a:t>flushall</a:t>
+            </a:r>
+            <a:r>
+              <a:rPr kumimoji="1" lang="zh-CN" altLang="en-US" dirty="0"/>
+              <a:t> </a:t>
+            </a:r>
+            <a:r>
+              <a:rPr kumimoji="1" lang="en-US" altLang="zh-CN" dirty="0"/>
+              <a:t>async</a:t>
             </a:r>
           </a:p>
         </p:txBody>
@@ -5294,7 +5458,7 @@
     </p:spTree>
     <p:extLst>
       <p:ext uri="{BB962C8B-B14F-4D97-AF65-F5344CB8AC3E}">
-        <p14:creationId xmlns:p14="http://schemas.microsoft.com/office/powerpoint/2010/main" val="806101506"/>
+        <p14:creationId xmlns:p14="http://schemas.microsoft.com/office/powerpoint/2010/main" val="949012463"/>
       </p:ext>
     </p:extLst>
   </p:cSld>
@@ -5343,10 +5507,6 @@
           <a:lstStyle/>
           <a:p>
             <a:r>
-              <a:rPr kumimoji="1" lang="en-US" altLang="zh-CN" dirty="0"/>
-              <a:t>5</a:t>
-            </a:r>
-            <a:r>
               <a:rPr kumimoji="1" lang="zh-CN" altLang="en-US" dirty="0"/>
               <a:t>种数据结构</a:t>
             </a:r>
@@ -5372,7 +5532,7 @@
         <p:spPr/>
         <p:txBody>
           <a:bodyPr>
-            <a:normAutofit lnSpcReduction="10000"/>
+            <a:normAutofit fontScale="70000" lnSpcReduction="20000"/>
           </a:bodyPr>
           <a:lstStyle/>
           <a:p>
@@ -5848,6 +6008,183 @@
               <a:rPr kumimoji="1" lang="en-US" altLang="zh-CN" dirty="0" err="1"/>
               <a:t>zrem</a:t>
             </a:r>
+            <a:endParaRPr kumimoji="1" lang="en-US" altLang="zh-CN" dirty="0"/>
+          </a:p>
+          <a:p>
+            <a:r>
+              <a:rPr kumimoji="1" lang="en-US" altLang="zh-CN" dirty="0" err="1"/>
+              <a:t>HyperLogLog</a:t>
+            </a:r>
+            <a:endParaRPr kumimoji="1" lang="en-US" altLang="zh-CN" dirty="0"/>
+          </a:p>
+          <a:p>
+            <a:pPr lvl="1"/>
+            <a:r>
+              <a:rPr kumimoji="1" lang="en-US" altLang="zh-CN" dirty="0"/>
+              <a:t>PV-&gt;</a:t>
+            </a:r>
+            <a:r>
+              <a:rPr kumimoji="1" lang="en-US" altLang="zh-CN" dirty="0" err="1"/>
+              <a:t>incrby</a:t>
+            </a:r>
+            <a:r>
+              <a:rPr kumimoji="1" lang="en-US" altLang="zh-CN" dirty="0"/>
+              <a:t>;</a:t>
+            </a:r>
+            <a:r>
+              <a:rPr kumimoji="1" lang="zh-CN" altLang="en-US" dirty="0"/>
+              <a:t> </a:t>
+            </a:r>
+            <a:r>
+              <a:rPr kumimoji="1" lang="en-US" altLang="zh-CN" dirty="0"/>
+              <a:t>UV-&gt;set-&gt;</a:t>
+            </a:r>
+            <a:r>
+              <a:rPr kumimoji="1" lang="en-US" altLang="zh-CN" dirty="0" err="1"/>
+              <a:t>HyperLogLog</a:t>
+            </a:r>
+            <a:r>
+              <a:rPr kumimoji="1" lang="en-US" altLang="zh-CN" dirty="0"/>
+              <a:t>;</a:t>
+            </a:r>
+            <a:r>
+              <a:rPr kumimoji="1" lang="zh-CN" altLang="en-US" dirty="0"/>
+              <a:t> </a:t>
+            </a:r>
+            <a:r>
+              <a:rPr kumimoji="1" lang="en-US" altLang="zh-CN" dirty="0" err="1"/>
+              <a:t>pfadd</a:t>
+            </a:r>
+            <a:r>
+              <a:rPr kumimoji="1" lang="en-US" altLang="zh-CN" dirty="0"/>
+              <a:t>/</a:t>
+            </a:r>
+            <a:r>
+              <a:rPr kumimoji="1" lang="en-US" altLang="zh-CN" dirty="0" err="1"/>
+              <a:t>pfcount</a:t>
+            </a:r>
+            <a:r>
+              <a:rPr kumimoji="1" lang="en-US" altLang="zh-CN" dirty="0"/>
+              <a:t>/</a:t>
+            </a:r>
+            <a:r>
+              <a:rPr kumimoji="1" lang="en-US" altLang="zh-CN" dirty="0" err="1"/>
+              <a:t>pfmerge</a:t>
+            </a:r>
+            <a:r>
+              <a:rPr kumimoji="1" lang="en-US" altLang="zh-CN" dirty="0"/>
+              <a:t>;</a:t>
+            </a:r>
+            <a:r>
+              <a:rPr kumimoji="1" lang="zh-CN" altLang="en-US" dirty="0"/>
+              <a:t> 去重</a:t>
+            </a:r>
+            <a:r>
+              <a:rPr kumimoji="1" lang="en-US" altLang="zh-CN" dirty="0"/>
+              <a:t>-&gt;Set-&gt;</a:t>
+            </a:r>
+            <a:r>
+              <a:rPr kumimoji="1" lang="en-US" altLang="zh-CN" dirty="0" err="1"/>
+              <a:t>BloomFilter</a:t>
+            </a:r>
+            <a:r>
+              <a:rPr kumimoji="1" lang="en-US" altLang="zh-CN" dirty="0"/>
+              <a:t>;</a:t>
+            </a:r>
+            <a:r>
+              <a:rPr kumimoji="1" lang="zh-CN" altLang="en-US" dirty="0"/>
+              <a:t> </a:t>
+            </a:r>
+            <a:r>
+              <a:rPr kumimoji="1" lang="en-US" altLang="zh-CN" dirty="0" err="1"/>
+              <a:t>bf.add</a:t>
+            </a:r>
+            <a:r>
+              <a:rPr kumimoji="1" lang="en-US" altLang="zh-CN" dirty="0"/>
+              <a:t>/</a:t>
+            </a:r>
+            <a:r>
+              <a:rPr kumimoji="1" lang="en-US" altLang="zh-CN" dirty="0" err="1"/>
+              <a:t>bf.exists</a:t>
+            </a:r>
+            <a:r>
+              <a:rPr kumimoji="1" lang="en-US" altLang="zh-CN" dirty="0"/>
+              <a:t>/</a:t>
+            </a:r>
+            <a:r>
+              <a:rPr kumimoji="1" lang="en-US" altLang="zh-CN" dirty="0" err="1"/>
+              <a:t>bf.madd</a:t>
+            </a:r>
+            <a:r>
+              <a:rPr kumimoji="1" lang="en-US" altLang="zh-CN" dirty="0"/>
+              <a:t>/</a:t>
+            </a:r>
+            <a:r>
+              <a:rPr kumimoji="1" lang="en-US" altLang="zh-CN" dirty="0" err="1"/>
+              <a:t>bf.mexists</a:t>
+            </a:r>
+            <a:endParaRPr kumimoji="1" lang="en-US" altLang="zh-CN" dirty="0"/>
+          </a:p>
+          <a:p>
+            <a:r>
+              <a:rPr kumimoji="1" lang="zh-CN" altLang="en-US" dirty="0"/>
+              <a:t>位图</a:t>
+            </a:r>
+            <a:endParaRPr kumimoji="1" lang="en-US" altLang="zh-CN" dirty="0"/>
+          </a:p>
+          <a:p>
+            <a:pPr lvl="1"/>
+            <a:r>
+              <a:rPr kumimoji="1" lang="en-US" altLang="zh-CN" dirty="0" err="1"/>
+              <a:t>setbit</a:t>
+            </a:r>
+            <a:r>
+              <a:rPr kumimoji="1" lang="en-US" altLang="zh-CN" dirty="0"/>
+              <a:t>/</a:t>
+            </a:r>
+            <a:r>
+              <a:rPr kumimoji="1" lang="en-US" altLang="zh-CN" dirty="0" err="1"/>
+              <a:t>getbit</a:t>
+            </a:r>
+            <a:r>
+              <a:rPr kumimoji="1" lang="en-US" altLang="zh-CN" dirty="0"/>
+              <a:t>;</a:t>
+            </a:r>
+            <a:r>
+              <a:rPr kumimoji="1" lang="zh-CN" altLang="en-US" dirty="0"/>
+              <a:t> </a:t>
+            </a:r>
+            <a:r>
+              <a:rPr kumimoji="1" lang="en-US" altLang="zh-CN" dirty="0" err="1"/>
+              <a:t>bitcount</a:t>
+            </a:r>
+            <a:r>
+              <a:rPr kumimoji="1" lang="en-US" altLang="zh-CN" dirty="0"/>
+              <a:t>/</a:t>
+            </a:r>
+            <a:r>
+              <a:rPr kumimoji="1" lang="en-US" altLang="zh-CN" dirty="0" err="1"/>
+              <a:t>bitpos</a:t>
+            </a:r>
+            <a:r>
+              <a:rPr kumimoji="1" lang="en-US" altLang="zh-CN" dirty="0"/>
+              <a:t>;</a:t>
+            </a:r>
+            <a:r>
+              <a:rPr kumimoji="1" lang="zh-CN" altLang="en-US" dirty="0"/>
+              <a:t> </a:t>
+            </a:r>
+            <a:r>
+              <a:rPr kumimoji="1" lang="en-US" altLang="zh-CN" dirty="0"/>
+              <a:t>bitfield</a:t>
+            </a:r>
+          </a:p>
+          <a:p>
+            <a:pPr lvl="1"/>
+            <a:endParaRPr kumimoji="1" lang="zh-CN" altLang="en-US" dirty="0"/>
+          </a:p>
+          <a:p>
+            <a:pPr lvl="1"/>
             <a:endParaRPr kumimoji="1" lang="en-US" altLang="zh-CN" dirty="0"/>
           </a:p>
           <a:p>
@@ -5890,315 +6227,6 @@
           <p:cNvPr id="2" name="标题 1">
             <a:extLst>
               <a:ext uri="{FF2B5EF4-FFF2-40B4-BE49-F238E27FC236}">
-                <a16:creationId xmlns:a16="http://schemas.microsoft.com/office/drawing/2014/main" id="{40B7C848-9A5E-F048-9451-B5AE79790C76}"/>
-              </a:ext>
-            </a:extLst>
-          </p:cNvPr>
-          <p:cNvSpPr>
-            <a:spLocks noGrp="1"/>
-          </p:cNvSpPr>
-          <p:nvPr>
-            <p:ph type="title"/>
-          </p:nvPr>
-        </p:nvSpPr>
-        <p:spPr/>
-        <p:txBody>
-          <a:bodyPr/>
-          <a:lstStyle/>
-          <a:p>
-            <a:r>
-              <a:rPr kumimoji="1" lang="en-US" altLang="zh-CN" dirty="0"/>
-              <a:t>LRU</a:t>
-            </a:r>
-            <a:endParaRPr kumimoji="1" lang="zh-CN" altLang="en-US" dirty="0"/>
-          </a:p>
-        </p:txBody>
-      </p:sp>
-      <p:sp>
-        <p:nvSpPr>
-          <p:cNvPr id="3" name="内容占位符 2">
-            <a:extLst>
-              <a:ext uri="{FF2B5EF4-FFF2-40B4-BE49-F238E27FC236}">
-                <a16:creationId xmlns:a16="http://schemas.microsoft.com/office/drawing/2014/main" id="{05E52293-875B-9540-BC75-35F5D2A58410}"/>
-              </a:ext>
-            </a:extLst>
-          </p:cNvPr>
-          <p:cNvSpPr>
-            <a:spLocks noGrp="1"/>
-          </p:cNvSpPr>
-          <p:nvPr>
-            <p:ph idx="1"/>
-          </p:nvPr>
-        </p:nvSpPr>
-        <p:spPr/>
-        <p:txBody>
-          <a:bodyPr>
-            <a:normAutofit lnSpcReduction="10000"/>
-          </a:bodyPr>
-          <a:lstStyle/>
-          <a:p>
-            <a:r>
-              <a:rPr kumimoji="1" lang="en-US" altLang="zh-CN" dirty="0" err="1"/>
-              <a:t>maxmemory</a:t>
-            </a:r>
-            <a:r>
-              <a:rPr kumimoji="1" lang="en-US" altLang="zh-CN" dirty="0"/>
-              <a:t>-policy</a:t>
-            </a:r>
-          </a:p>
-          <a:p>
-            <a:pPr lvl="1"/>
-            <a:r>
-              <a:rPr kumimoji="1" lang="en-US" altLang="zh-CN" dirty="0" err="1"/>
-              <a:t>noeviction</a:t>
-            </a:r>
-            <a:r>
-              <a:rPr kumimoji="1" lang="zh-CN" altLang="en-US" dirty="0"/>
-              <a:t>：</a:t>
-            </a:r>
-            <a:r>
-              <a:rPr kumimoji="1" lang="en-US" altLang="zh-CN" dirty="0"/>
-              <a:t>del</a:t>
-            </a:r>
-            <a:r>
-              <a:rPr kumimoji="1" lang="zh-CN" altLang="en-US" dirty="0"/>
-              <a:t>可以，读可以，不服务写</a:t>
-            </a:r>
-            <a:endParaRPr kumimoji="1" lang="en-US" altLang="zh-CN" dirty="0"/>
-          </a:p>
-          <a:p>
-            <a:pPr lvl="1"/>
-            <a:r>
-              <a:rPr kumimoji="1" lang="en-US" altLang="zh-CN" dirty="0"/>
-              <a:t>volatile-</a:t>
-            </a:r>
-            <a:r>
-              <a:rPr kumimoji="1" lang="en-US" altLang="zh-CN" dirty="0" err="1"/>
-              <a:t>lru</a:t>
-            </a:r>
-            <a:r>
-              <a:rPr kumimoji="1" lang="zh-CN" altLang="en-US" dirty="0"/>
-              <a:t>：淘汰设置了过期时间的</a:t>
-            </a:r>
-            <a:r>
-              <a:rPr kumimoji="1" lang="en-US" altLang="zh-CN" dirty="0"/>
-              <a:t>key</a:t>
-            </a:r>
-            <a:r>
-              <a:rPr kumimoji="1" lang="zh-CN" altLang="en-US" dirty="0"/>
-              <a:t>，最少使用</a:t>
-            </a:r>
-            <a:endParaRPr kumimoji="1" lang="en-US" altLang="zh-CN" dirty="0"/>
-          </a:p>
-          <a:p>
-            <a:pPr lvl="1"/>
-            <a:r>
-              <a:rPr kumimoji="1" lang="en-US" altLang="zh-CN" dirty="0"/>
-              <a:t>volatile-</a:t>
-            </a:r>
-            <a:r>
-              <a:rPr kumimoji="1" lang="en-US" altLang="zh-CN" dirty="0" err="1"/>
-              <a:t>ttl</a:t>
-            </a:r>
-            <a:r>
-              <a:rPr kumimoji="1" lang="zh-CN" altLang="en-US" dirty="0"/>
-              <a:t>：</a:t>
-            </a:r>
-            <a:r>
-              <a:rPr kumimoji="1" lang="en-US" altLang="zh-CN" dirty="0" err="1"/>
-              <a:t>ttl</a:t>
-            </a:r>
-            <a:r>
-              <a:rPr kumimoji="1" lang="zh-CN" altLang="en-US" dirty="0"/>
-              <a:t>越小优先被淘汰</a:t>
-            </a:r>
-            <a:endParaRPr kumimoji="1" lang="en-US" altLang="zh-CN" dirty="0"/>
-          </a:p>
-          <a:p>
-            <a:pPr lvl="1"/>
-            <a:r>
-              <a:rPr kumimoji="1" lang="en-US" altLang="zh-CN" dirty="0"/>
-              <a:t>volatile-random</a:t>
-            </a:r>
-            <a:r>
-              <a:rPr kumimoji="1" lang="zh-CN" altLang="en-US" dirty="0"/>
-              <a:t>：过期</a:t>
-            </a:r>
-            <a:r>
-              <a:rPr kumimoji="1" lang="en-US" altLang="zh-CN" dirty="0"/>
-              <a:t>key</a:t>
-            </a:r>
-            <a:r>
-              <a:rPr kumimoji="1" lang="zh-CN" altLang="en-US" dirty="0"/>
-              <a:t>随机选</a:t>
-            </a:r>
-            <a:endParaRPr kumimoji="1" lang="en-US" altLang="zh-CN" dirty="0"/>
-          </a:p>
-          <a:p>
-            <a:pPr lvl="1"/>
-            <a:r>
-              <a:rPr kumimoji="1" lang="en-US" altLang="zh-CN" dirty="0" err="1"/>
-              <a:t>allkeys-lru</a:t>
-            </a:r>
-            <a:r>
-              <a:rPr kumimoji="1" lang="zh-CN" altLang="en-US" dirty="0"/>
-              <a:t>：淘汰的</a:t>
-            </a:r>
-            <a:r>
-              <a:rPr kumimoji="1" lang="en-US" altLang="zh-CN" dirty="0"/>
-              <a:t>key</a:t>
-            </a:r>
-            <a:r>
-              <a:rPr kumimoji="1" lang="zh-CN" altLang="en-US" dirty="0"/>
-              <a:t>是全体的</a:t>
-            </a:r>
-            <a:r>
-              <a:rPr kumimoji="1" lang="en-US" altLang="zh-CN" dirty="0"/>
-              <a:t>key</a:t>
-            </a:r>
-            <a:r>
-              <a:rPr kumimoji="1" lang="zh-CN" altLang="en-US" dirty="0"/>
-              <a:t>集合</a:t>
-            </a:r>
-            <a:endParaRPr kumimoji="1" lang="en-US" altLang="zh-CN" dirty="0"/>
-          </a:p>
-          <a:p>
-            <a:pPr lvl="1"/>
-            <a:r>
-              <a:rPr kumimoji="1" lang="en-US" altLang="zh-CN" dirty="0" err="1"/>
-              <a:t>allkeys</a:t>
-            </a:r>
-            <a:r>
-              <a:rPr kumimoji="1" lang="en-US" altLang="zh-CN" dirty="0"/>
-              <a:t>-random</a:t>
-            </a:r>
-            <a:r>
-              <a:rPr kumimoji="1" lang="zh-CN" altLang="en-US" dirty="0"/>
-              <a:t>：淘汰的</a:t>
-            </a:r>
-            <a:r>
-              <a:rPr kumimoji="1" lang="en-US" altLang="zh-CN" dirty="0"/>
-              <a:t>key</a:t>
-            </a:r>
-            <a:r>
-              <a:rPr kumimoji="1" lang="zh-CN" altLang="en-US" dirty="0"/>
-              <a:t>是全体</a:t>
-            </a:r>
-            <a:r>
-              <a:rPr kumimoji="1" lang="en-US" altLang="zh-CN" dirty="0"/>
-              <a:t>key</a:t>
-            </a:r>
-            <a:r>
-              <a:rPr kumimoji="1" lang="zh-CN" altLang="en-US" dirty="0"/>
-              <a:t>集合</a:t>
-            </a:r>
-            <a:endParaRPr kumimoji="1" lang="en-US" altLang="zh-CN" dirty="0"/>
-          </a:p>
-          <a:p>
-            <a:r>
-              <a:rPr kumimoji="1" lang="en-US" altLang="zh-CN" dirty="0"/>
-              <a:t>Redis</a:t>
-            </a:r>
-            <a:r>
-              <a:rPr kumimoji="1" lang="zh-CN" altLang="en-US" dirty="0"/>
-              <a:t>近似</a:t>
-            </a:r>
-            <a:r>
-              <a:rPr kumimoji="1" lang="en-US" altLang="zh-CN" dirty="0"/>
-              <a:t>LRU</a:t>
-            </a:r>
-            <a:r>
-              <a:rPr kumimoji="1" lang="zh-CN" altLang="en-US" dirty="0"/>
-              <a:t>，</a:t>
-            </a:r>
-            <a:r>
-              <a:rPr kumimoji="1" lang="en-US" altLang="zh-CN" dirty="0"/>
-              <a:t>key</a:t>
-            </a:r>
-            <a:r>
-              <a:rPr kumimoji="1" lang="zh-CN" altLang="en-US" dirty="0"/>
-              <a:t>加</a:t>
-            </a:r>
-            <a:r>
-              <a:rPr kumimoji="1" lang="en-US" altLang="zh-CN" dirty="0"/>
-              <a:t>24bit</a:t>
-            </a:r>
-            <a:r>
-              <a:rPr kumimoji="1" lang="zh-CN" altLang="en-US" dirty="0"/>
-              <a:t>字段记录访问的时间戳，懒惰处理</a:t>
-            </a:r>
-            <a:endParaRPr kumimoji="1" lang="en-US" altLang="zh-CN" dirty="0"/>
-          </a:p>
-          <a:p>
-            <a:r>
-              <a:rPr kumimoji="1" lang="en-US" altLang="zh-CN" dirty="0"/>
-              <a:t>unlink</a:t>
-            </a:r>
-            <a:r>
-              <a:rPr kumimoji="1" lang="zh-CN" altLang="en-US" dirty="0"/>
-              <a:t> </a:t>
-            </a:r>
-            <a:r>
-              <a:rPr kumimoji="1" lang="en-US" altLang="zh-CN" dirty="0"/>
-              <a:t>key</a:t>
-            </a:r>
-            <a:r>
-              <a:rPr kumimoji="1" lang="zh-CN" altLang="en-US" dirty="0"/>
-              <a:t>，删除惰性处理，后台线程来异步回收内存</a:t>
-            </a:r>
-            <a:endParaRPr kumimoji="1" lang="en-US" altLang="zh-CN" dirty="0"/>
-          </a:p>
-          <a:p>
-            <a:r>
-              <a:rPr kumimoji="1" lang="en-US" altLang="zh-CN" dirty="0" err="1"/>
-              <a:t>flushall</a:t>
-            </a:r>
-            <a:r>
-              <a:rPr kumimoji="1" lang="zh-CN" altLang="en-US" dirty="0"/>
-              <a:t> </a:t>
-            </a:r>
-            <a:r>
-              <a:rPr kumimoji="1" lang="en-US" altLang="zh-CN" dirty="0"/>
-              <a:t>async</a:t>
-            </a:r>
-          </a:p>
-        </p:txBody>
-      </p:sp>
-    </p:spTree>
-    <p:extLst>
-      <p:ext uri="{BB962C8B-B14F-4D97-AF65-F5344CB8AC3E}">
-        <p14:creationId xmlns:p14="http://schemas.microsoft.com/office/powerpoint/2010/main" val="949012463"/>
-      </p:ext>
-    </p:extLst>
-  </p:cSld>
-  <p:clrMapOvr>
-    <a:masterClrMapping/>
-  </p:clrMapOvr>
-</p:sld>
-</file>
-
-<file path=ppt/slides/slide21.xml><?xml version="1.0" encoding="utf-8"?>
-<p:sld xmlns:a="http://schemas.openxmlformats.org/drawingml/2006/main" xmlns:r="http://schemas.openxmlformats.org/officeDocument/2006/relationships" xmlns:p="http://schemas.openxmlformats.org/presentationml/2006/main">
-  <p:cSld>
-    <p:spTree>
-      <p:nvGrpSpPr>
-        <p:cNvPr id="1" name=""/>
-        <p:cNvGrpSpPr/>
-        <p:nvPr/>
-      </p:nvGrpSpPr>
-      <p:grpSpPr>
-        <a:xfrm>
-          <a:off x="0" y="0"/>
-          <a:ext cx="0" cy="0"/>
-          <a:chOff x="0" y="0"/>
-          <a:chExt cx="0" cy="0"/>
-        </a:xfrm>
-      </p:grpSpPr>
-      <p:sp>
-        <p:nvSpPr>
-          <p:cNvPr id="2" name="标题 1">
-            <a:extLst>
-              <a:ext uri="{FF2B5EF4-FFF2-40B4-BE49-F238E27FC236}">
                 <a16:creationId xmlns:a16="http://schemas.microsoft.com/office/drawing/2014/main" id="{3BFB7D21-1457-DE45-BF56-4EFD95705675}"/>
               </a:ext>
             </a:extLst>
@@ -6830,7 +6858,7 @@
           <a:p>
             <a:r>
               <a:rPr kumimoji="1" lang="zh-CN" altLang="en-US" dirty="0"/>
-              <a:t>延时队列</a:t>
+              <a:t>跳跃列表</a:t>
             </a:r>
           </a:p>
         </p:txBody>
@@ -6857,87 +6885,95 @@
           <a:lstStyle/>
           <a:p>
             <a:r>
-              <a:rPr kumimoji="1" lang="en-US" altLang="zh-CN" dirty="0" err="1"/>
-              <a:t>rpush</a:t>
-            </a:r>
-            <a:r>
-              <a:rPr kumimoji="1" lang="en-US" altLang="zh-CN" dirty="0"/>
-              <a:t>,</a:t>
-            </a:r>
-            <a:r>
-              <a:rPr kumimoji="1" lang="zh-CN" altLang="en-US" dirty="0"/>
-              <a:t> </a:t>
-            </a:r>
-            <a:r>
-              <a:rPr kumimoji="1" lang="en-US" altLang="zh-CN" dirty="0" err="1"/>
-              <a:t>lpush</a:t>
-            </a:r>
-            <a:r>
-              <a:rPr kumimoji="1" lang="en-US" altLang="zh-CN" dirty="0"/>
-              <a:t>;</a:t>
-            </a:r>
-            <a:r>
-              <a:rPr kumimoji="1" lang="zh-CN" altLang="en-US" dirty="0"/>
-              <a:t> </a:t>
-            </a:r>
-            <a:r>
-              <a:rPr kumimoji="1" lang="en-US" altLang="zh-CN" dirty="0" err="1"/>
-              <a:t>rpop</a:t>
-            </a:r>
-            <a:r>
-              <a:rPr kumimoji="1" lang="en-US" altLang="zh-CN" dirty="0"/>
-              <a:t>,</a:t>
-            </a:r>
-            <a:r>
-              <a:rPr kumimoji="1" lang="zh-CN" altLang="en-US" dirty="0"/>
-              <a:t> </a:t>
-            </a:r>
-            <a:r>
-              <a:rPr kumimoji="1" lang="en-US" altLang="zh-CN" dirty="0" err="1"/>
-              <a:t>lpop</a:t>
+              <a:rPr kumimoji="1" lang="zh-CN" altLang="en-US" dirty="0"/>
+              <a:t>结构：跳跃列表有</a:t>
+            </a:r>
+            <a:r>
+              <a:rPr kumimoji="1" lang="en-US" altLang="zh-CN" dirty="0"/>
+              <a:t>64</a:t>
+            </a:r>
+            <a:r>
+              <a:rPr kumimoji="1" lang="zh-CN" altLang="en-US" dirty="0"/>
+              <a:t>层，</a:t>
+            </a:r>
+            <a:r>
+              <a:rPr kumimoji="1" lang="en-US" altLang="zh-CN" dirty="0" err="1"/>
+              <a:t>kv</a:t>
+            </a:r>
+            <a:r>
+              <a:rPr kumimoji="1" lang="zh-CN" altLang="en-US" dirty="0"/>
+              <a:t> </a:t>
+            </a:r>
+            <a:r>
+              <a:rPr kumimoji="1" lang="en-US" altLang="zh-CN" dirty="0"/>
+              <a:t>header</a:t>
+            </a:r>
+            <a:r>
+              <a:rPr kumimoji="1" lang="zh-CN" altLang="en-US" dirty="0"/>
+              <a:t>，</a:t>
+            </a:r>
+            <a:r>
+              <a:rPr kumimoji="1" lang="en-US" altLang="zh-CN" dirty="0" err="1"/>
+              <a:t>kv</a:t>
+            </a:r>
+            <a:r>
+              <a:rPr kumimoji="1" lang="zh-CN" altLang="en-US" dirty="0"/>
+              <a:t>之间双向链表</a:t>
             </a:r>
             <a:endParaRPr kumimoji="1" lang="en-US" altLang="zh-CN" dirty="0"/>
           </a:p>
           <a:p>
             <a:r>
-              <a:rPr kumimoji="1" lang="en-US" altLang="zh-CN" dirty="0" err="1"/>
-              <a:t>blpop</a:t>
-            </a:r>
-            <a:r>
-              <a:rPr kumimoji="1" lang="en-US" altLang="zh-CN" dirty="0"/>
-              <a:t>/</a:t>
-            </a:r>
-            <a:r>
-              <a:rPr kumimoji="1" lang="en-US" altLang="zh-CN" dirty="0" err="1"/>
-              <a:t>brpop</a:t>
+              <a:rPr kumimoji="1" lang="zh-CN" altLang="en-US" dirty="0"/>
+              <a:t>查找：</a:t>
+            </a:r>
+            <a:r>
+              <a:rPr kumimoji="1" lang="en-US" altLang="zh-CN" dirty="0"/>
+              <a:t>header</a:t>
+            </a:r>
+            <a:r>
+              <a:rPr kumimoji="1" lang="zh-CN" altLang="en-US" dirty="0"/>
+              <a:t>最高层遍历第一个比我小的元素，开始降层</a:t>
             </a:r>
             <a:endParaRPr kumimoji="1" lang="en-US" altLang="zh-CN" dirty="0"/>
           </a:p>
           <a:p>
             <a:r>
-              <a:rPr kumimoji="1" lang="en-US" altLang="zh-CN" dirty="0" err="1"/>
-              <a:t>zset</a:t>
-            </a:r>
-            <a:r>
-              <a:rPr kumimoji="1" lang="en-US" altLang="zh-CN" dirty="0"/>
-              <a:t>,</a:t>
-            </a:r>
-            <a:r>
-              <a:rPr kumimoji="1" lang="zh-CN" altLang="en-US" dirty="0"/>
-              <a:t> </a:t>
-            </a:r>
-            <a:r>
-              <a:rPr kumimoji="1" lang="en-US" altLang="zh-CN" dirty="0" err="1"/>
-              <a:t>zrem</a:t>
-            </a:r>
-            <a:endParaRPr kumimoji="1" lang="zh-CN" altLang="en-US" dirty="0"/>
+              <a:rPr kumimoji="1" lang="zh-CN" altLang="en-US" dirty="0"/>
+              <a:t>插入：随机层数，</a:t>
+            </a:r>
+            <a:r>
+              <a:rPr kumimoji="1" lang="en-US" altLang="zh-CN" dirty="0"/>
+              <a:t>50%Level1</a:t>
+            </a:r>
+            <a:r>
+              <a:rPr kumimoji="1" lang="zh-CN" altLang="en-US" dirty="0"/>
+              <a:t>，</a:t>
+            </a:r>
+            <a:r>
+              <a:rPr kumimoji="1" lang="en-US" altLang="zh-CN" dirty="0"/>
+              <a:t>25%Level2…</a:t>
+            </a:r>
+            <a:r>
+              <a:rPr kumimoji="1" lang="zh-CN" altLang="en-US" dirty="0"/>
+              <a:t>，</a:t>
+            </a:r>
+            <a:r>
+              <a:rPr kumimoji="1" lang="en-US" altLang="zh-CN" dirty="0"/>
+              <a:t>span</a:t>
+            </a:r>
+            <a:r>
+              <a:rPr kumimoji="1" lang="zh-CN" altLang="en-US"/>
+              <a:t>维护跨度信息</a:t>
+            </a:r>
+            <a:endParaRPr kumimoji="1" lang="en-US" altLang="zh-CN" dirty="0"/>
           </a:p>
         </p:txBody>
       </p:sp>
     </p:spTree>
     <p:extLst>
       <p:ext uri="{BB962C8B-B14F-4D97-AF65-F5344CB8AC3E}">
-        <p14:creationId xmlns:p14="http://schemas.microsoft.com/office/powerpoint/2010/main" val="3297112786"/>
+        <p14:creationId xmlns:p14="http://schemas.microsoft.com/office/powerpoint/2010/main" val="3039997855"/>
       </p:ext>
     </p:extLst>
   </p:cSld>
@@ -6969,7 +7005,7 @@
           <p:cNvPr id="2" name="标题 1">
             <a:extLst>
               <a:ext uri="{FF2B5EF4-FFF2-40B4-BE49-F238E27FC236}">
-                <a16:creationId xmlns:a16="http://schemas.microsoft.com/office/drawing/2014/main" id="{AD1D5134-2B3C-F840-80DD-28F92B14DAD7}"/>
+                <a16:creationId xmlns:a16="http://schemas.microsoft.com/office/drawing/2014/main" id="{07D6A157-9E41-D24E-85CD-1EB03FFD72D5}"/>
               </a:ext>
             </a:extLst>
           </p:cNvPr>
@@ -6987,7 +7023,7 @@
           <a:p>
             <a:r>
               <a:rPr kumimoji="1" lang="zh-CN" altLang="en-US" dirty="0"/>
-              <a:t>位图</a:t>
+              <a:t>延时队列</a:t>
             </a:r>
           </a:p>
         </p:txBody>
@@ -6997,7 +7033,7 @@
           <p:cNvPr id="3" name="内容占位符 2">
             <a:extLst>
               <a:ext uri="{FF2B5EF4-FFF2-40B4-BE49-F238E27FC236}">
-                <a16:creationId xmlns:a16="http://schemas.microsoft.com/office/drawing/2014/main" id="{04295595-2B97-1E4A-8876-A6A3776585C3}"/>
+                <a16:creationId xmlns:a16="http://schemas.microsoft.com/office/drawing/2014/main" id="{EAACE6F5-BC1B-5048-9A49-0CFA2784EED6}"/>
               </a:ext>
             </a:extLst>
           </p:cNvPr>
@@ -7015,7 +7051,50 @@
           <a:p>
             <a:r>
               <a:rPr kumimoji="1" lang="en-US" altLang="zh-CN" dirty="0" err="1"/>
-              <a:t>setbit</a:t>
+              <a:t>rpush</a:t>
+            </a:r>
+            <a:r>
+              <a:rPr kumimoji="1" lang="en-US" altLang="zh-CN" dirty="0"/>
+              <a:t>,</a:t>
+            </a:r>
+            <a:r>
+              <a:rPr kumimoji="1" lang="zh-CN" altLang="en-US" dirty="0"/>
+              <a:t> </a:t>
+            </a:r>
+            <a:r>
+              <a:rPr kumimoji="1" lang="en-US" altLang="zh-CN" dirty="0" err="1"/>
+              <a:t>lpush</a:t>
+            </a:r>
+            <a:r>
+              <a:rPr kumimoji="1" lang="en-US" altLang="zh-CN" dirty="0"/>
+              <a:t>;</a:t>
+            </a:r>
+            <a:r>
+              <a:rPr kumimoji="1" lang="zh-CN" altLang="en-US" dirty="0"/>
+              <a:t> </a:t>
+            </a:r>
+            <a:r>
+              <a:rPr kumimoji="1" lang="en-US" altLang="zh-CN" dirty="0" err="1"/>
+              <a:t>rpop</a:t>
+            </a:r>
+            <a:r>
+              <a:rPr kumimoji="1" lang="en-US" altLang="zh-CN" dirty="0"/>
+              <a:t>,</a:t>
+            </a:r>
+            <a:r>
+              <a:rPr kumimoji="1" lang="zh-CN" altLang="en-US" dirty="0"/>
+              <a:t> </a:t>
+            </a:r>
+            <a:r>
+              <a:rPr kumimoji="1" lang="en-US" altLang="zh-CN" dirty="0" err="1"/>
+              <a:t>lpop</a:t>
+            </a:r>
+            <a:endParaRPr kumimoji="1" lang="en-US" altLang="zh-CN" dirty="0"/>
+          </a:p>
+          <a:p>
+            <a:r>
+              <a:rPr kumimoji="1" lang="en-US" altLang="zh-CN" dirty="0" err="1"/>
+              <a:t>blpop</a:t>
             </a:r>
             <a:r>
               <a:rPr kumimoji="1" lang="en-US" altLang="zh-CN" dirty="0"/>
@@ -7023,29 +7102,26 @@
             </a:r>
             <a:r>
               <a:rPr kumimoji="1" lang="en-US" altLang="zh-CN" dirty="0" err="1"/>
-              <a:t>getbit</a:t>
+              <a:t>brpop</a:t>
             </a:r>
             <a:endParaRPr kumimoji="1" lang="en-US" altLang="zh-CN" dirty="0"/>
           </a:p>
           <a:p>
             <a:r>
               <a:rPr kumimoji="1" lang="en-US" altLang="zh-CN" dirty="0" err="1"/>
-              <a:t>bitcount</a:t>
-            </a:r>
-            <a:r>
-              <a:rPr kumimoji="1" lang="en-US" altLang="zh-CN" dirty="0"/>
-              <a:t>/</a:t>
-            </a:r>
-            <a:r>
-              <a:rPr kumimoji="1" lang="en-US" altLang="zh-CN" dirty="0" err="1"/>
-              <a:t>bitpos</a:t>
-            </a:r>
-            <a:endParaRPr kumimoji="1" lang="en-US" altLang="zh-CN" dirty="0"/>
-          </a:p>
-          <a:p>
-            <a:r>
-              <a:rPr kumimoji="1" lang="en-US" altLang="zh-CN" dirty="0"/>
-              <a:t>bitfield</a:t>
+              <a:t>zset</a:t>
+            </a:r>
+            <a:r>
+              <a:rPr kumimoji="1" lang="en-US" altLang="zh-CN" dirty="0"/>
+              <a:t>,</a:t>
+            </a:r>
+            <a:r>
+              <a:rPr kumimoji="1" lang="zh-CN" altLang="en-US" dirty="0"/>
+              <a:t> </a:t>
+            </a:r>
+            <a:r>
+              <a:rPr kumimoji="1" lang="en-US" altLang="zh-CN" dirty="0" err="1"/>
+              <a:t>zrem</a:t>
             </a:r>
             <a:endParaRPr kumimoji="1" lang="zh-CN" altLang="en-US" dirty="0"/>
           </a:p>
@@ -7054,7 +7130,7 @@
     </p:spTree>
     <p:extLst>
       <p:ext uri="{BB962C8B-B14F-4D97-AF65-F5344CB8AC3E}">
-        <p14:creationId xmlns:p14="http://schemas.microsoft.com/office/powerpoint/2010/main" val="4203171345"/>
+        <p14:creationId xmlns:p14="http://schemas.microsoft.com/office/powerpoint/2010/main" val="3297112786"/>
       </p:ext>
     </p:extLst>
   </p:cSld>
@@ -7086,7 +7162,7 @@
           <p:cNvPr id="2" name="标题 1">
             <a:extLst>
               <a:ext uri="{FF2B5EF4-FFF2-40B4-BE49-F238E27FC236}">
-                <a16:creationId xmlns:a16="http://schemas.microsoft.com/office/drawing/2014/main" id="{01BEA078-2909-E344-9618-5847DC9D8C2F}"/>
+                <a16:creationId xmlns:a16="http://schemas.microsoft.com/office/drawing/2014/main" id="{44600D46-8072-0E42-B3E4-E471CB4AB50B}"/>
               </a:ext>
             </a:extLst>
           </p:cNvPr>
@@ -7103,8 +7179,205 @@
           <a:lstStyle/>
           <a:p>
             <a:r>
-              <a:rPr kumimoji="1" lang="en-US" altLang="zh-CN" dirty="0" err="1"/>
-              <a:t>HyperLogLog</a:t>
+              <a:rPr kumimoji="1" lang="zh-CN" altLang="en-US" dirty="0"/>
+              <a:t>限流</a:t>
+            </a:r>
+          </a:p>
+        </p:txBody>
+      </p:sp>
+      <p:sp>
+        <p:nvSpPr>
+          <p:cNvPr id="3" name="内容占位符 2">
+            <a:extLst>
+              <a:ext uri="{FF2B5EF4-FFF2-40B4-BE49-F238E27FC236}">
+                <a16:creationId xmlns:a16="http://schemas.microsoft.com/office/drawing/2014/main" id="{86A284E4-812D-594E-A0E4-AC2AFED0EA08}"/>
+              </a:ext>
+            </a:extLst>
+          </p:cNvPr>
+          <p:cNvSpPr>
+            <a:spLocks noGrp="1"/>
+          </p:cNvSpPr>
+          <p:nvPr>
+            <p:ph idx="1"/>
+          </p:nvPr>
+        </p:nvSpPr>
+        <p:spPr/>
+        <p:txBody>
+          <a:bodyPr/>
+          <a:lstStyle/>
+          <a:p>
+            <a:r>
+              <a:rPr kumimoji="1" lang="zh-CN" altLang="en-US" dirty="0"/>
+              <a:t>简单限流</a:t>
+            </a:r>
+            <a:endParaRPr kumimoji="1" lang="en-US" altLang="zh-CN" dirty="0"/>
+          </a:p>
+          <a:p>
+            <a:pPr lvl="1"/>
+            <a:r>
+              <a:rPr kumimoji="1" lang="zh-CN" altLang="en-US" dirty="0"/>
+              <a:t>滑动窗口</a:t>
+            </a:r>
+            <a:endParaRPr kumimoji="1" lang="en-US" altLang="zh-CN" dirty="0"/>
+          </a:p>
+          <a:p>
+            <a:pPr lvl="1"/>
+            <a:r>
+              <a:rPr kumimoji="1" lang="en-US" altLang="zh-CN" dirty="0" err="1"/>
+              <a:t>zset</a:t>
+            </a:r>
+            <a:endParaRPr kumimoji="1" lang="en-US" altLang="zh-CN" dirty="0"/>
+          </a:p>
+          <a:p>
+            <a:r>
+              <a:rPr kumimoji="1" lang="zh-CN" altLang="en-US" dirty="0"/>
+              <a:t>漏斗限流</a:t>
+            </a:r>
+            <a:endParaRPr kumimoji="1" lang="en-US" altLang="zh-CN" dirty="0"/>
+          </a:p>
+          <a:p>
+            <a:pPr lvl="1"/>
+            <a:r>
+              <a:rPr kumimoji="1" lang="en-US" altLang="zh-CN" dirty="0"/>
+              <a:t>hash</a:t>
+            </a:r>
+          </a:p>
+          <a:p>
+            <a:pPr lvl="1"/>
+            <a:r>
+              <a:rPr kumimoji="1" lang="en-US" altLang="zh-CN" dirty="0" err="1"/>
+              <a:t>redis</a:t>
+            </a:r>
+            <a:r>
+              <a:rPr kumimoji="1" lang="en-US" altLang="zh-CN" dirty="0"/>
+              <a:t>-cell/</a:t>
+            </a:r>
+            <a:r>
+              <a:rPr kumimoji="1" lang="en-US" altLang="zh-CN" dirty="0" err="1"/>
+              <a:t>cl.throttle</a:t>
+            </a:r>
+            <a:endParaRPr kumimoji="1" lang="en-US" altLang="zh-CN" dirty="0"/>
+          </a:p>
+          <a:p>
+            <a:pPr lvl="1"/>
+            <a:r>
+              <a:rPr kumimoji="1" lang="zh-CN" altLang="en-US" dirty="0"/>
+              <a:t>回帖举例：每</a:t>
+            </a:r>
+            <a:r>
+              <a:rPr kumimoji="1" lang="en-US" altLang="zh-CN" dirty="0"/>
+              <a:t>60s</a:t>
+            </a:r>
+            <a:r>
+              <a:rPr kumimoji="1" lang="zh-CN" altLang="en-US" dirty="0"/>
+              <a:t>最多</a:t>
+            </a:r>
+            <a:r>
+              <a:rPr kumimoji="1" lang="en-US" altLang="zh-CN" dirty="0"/>
+              <a:t>30</a:t>
+            </a:r>
+            <a:r>
+              <a:rPr kumimoji="1" lang="zh-CN" altLang="en-US" dirty="0"/>
+              <a:t>次（漏水速率），漏斗初始容量</a:t>
+            </a:r>
+            <a:r>
+              <a:rPr kumimoji="1" lang="en-US" altLang="zh-CN" dirty="0"/>
+              <a:t>15</a:t>
+            </a:r>
+            <a:r>
+              <a:rPr kumimoji="1" lang="zh-CN" altLang="en-US" dirty="0"/>
+              <a:t>，一开始可以回复</a:t>
+            </a:r>
+            <a:r>
+              <a:rPr kumimoji="1" lang="en-US" altLang="zh-CN" dirty="0"/>
+              <a:t>15</a:t>
+            </a:r>
+            <a:r>
+              <a:rPr kumimoji="1" lang="zh-CN" altLang="en-US" dirty="0"/>
+              <a:t>个帖子，接下来开始受漏水速率影响</a:t>
+            </a:r>
+            <a:endParaRPr kumimoji="1" lang="en-US" altLang="zh-CN" dirty="0"/>
+          </a:p>
+          <a:p>
+            <a:pPr lvl="1"/>
+            <a:r>
+              <a:rPr kumimoji="1" lang="en-US" altLang="zh-CN" dirty="0" err="1"/>
+              <a:t>cl.throttle</a:t>
+            </a:r>
+            <a:r>
+              <a:rPr kumimoji="1" lang="zh-CN" altLang="en-US" dirty="0"/>
+              <a:t> </a:t>
+            </a:r>
+            <a:r>
+              <a:rPr kumimoji="1" lang="en-US" altLang="zh-CN" dirty="0"/>
+              <a:t>key</a:t>
+            </a:r>
+            <a:r>
+              <a:rPr kumimoji="1" lang="zh-CN" altLang="en-US" dirty="0"/>
+              <a:t> </a:t>
+            </a:r>
+            <a:r>
+              <a:rPr kumimoji="1" lang="en-US" altLang="zh-CN" dirty="0"/>
+              <a:t>15</a:t>
+            </a:r>
+            <a:r>
+              <a:rPr kumimoji="1" lang="zh-CN" altLang="en-US" dirty="0"/>
+              <a:t> </a:t>
+            </a:r>
+            <a:r>
+              <a:rPr kumimoji="1" lang="en-US" altLang="zh-CN" dirty="0"/>
+              <a:t>30</a:t>
+            </a:r>
+            <a:r>
+              <a:rPr kumimoji="1" lang="zh-CN" altLang="en-US" dirty="0"/>
+              <a:t> </a:t>
+            </a:r>
+            <a:r>
+              <a:rPr kumimoji="1" lang="en-US" altLang="zh-CN" dirty="0"/>
+              <a:t>60</a:t>
+            </a:r>
+            <a:r>
+              <a:rPr kumimoji="1" lang="zh-CN" altLang="en-US" dirty="0"/>
+              <a:t> </a:t>
+            </a:r>
+            <a:r>
+              <a:rPr kumimoji="1" lang="en-US" altLang="zh-CN" dirty="0"/>
+              <a:t>1</a:t>
+            </a:r>
+          </a:p>
+          <a:p>
+            <a:pPr lvl="1"/>
+            <a:r>
+              <a:rPr kumimoji="1" lang="en-US" altLang="zh-CN" dirty="0"/>
+              <a:t>15</a:t>
+            </a:r>
+            <a:r>
+              <a:rPr kumimoji="1" lang="zh-CN" altLang="en-US" dirty="0"/>
+              <a:t>：</a:t>
+            </a:r>
+            <a:r>
+              <a:rPr kumimoji="1" lang="en-US" altLang="zh-CN" dirty="0"/>
+              <a:t>capacity</a:t>
+            </a:r>
+            <a:r>
+              <a:rPr kumimoji="1" lang="zh-CN" altLang="en-US" dirty="0"/>
+              <a:t>，</a:t>
+            </a:r>
+            <a:r>
+              <a:rPr kumimoji="1" lang="en-US" altLang="zh-CN" dirty="0"/>
+              <a:t>30</a:t>
+            </a:r>
+            <a:r>
+              <a:rPr kumimoji="1" lang="zh-CN" altLang="en-US" dirty="0"/>
+              <a:t> </a:t>
+            </a:r>
+            <a:r>
+              <a:rPr kumimoji="1" lang="en-US" altLang="zh-CN" dirty="0"/>
+              <a:t>operations</a:t>
+            </a:r>
+            <a:r>
+              <a:rPr kumimoji="1" lang="zh-CN" altLang="en-US" dirty="0"/>
+              <a:t> </a:t>
             </a:r>
             <a:r>
               <a:rPr kumimoji="1" lang="en-US" altLang="zh-CN" dirty="0"/>
@@ -7112,120 +7385,39 @@
             </a:r>
             <a:r>
               <a:rPr kumimoji="1" lang="zh-CN" altLang="en-US" dirty="0"/>
-              <a:t>布隆过滤器</a:t>
-            </a:r>
-          </a:p>
-        </p:txBody>
-      </p:sp>
-      <p:sp>
-        <p:nvSpPr>
-          <p:cNvPr id="3" name="内容占位符 2">
-            <a:extLst>
-              <a:ext uri="{FF2B5EF4-FFF2-40B4-BE49-F238E27FC236}">
-                <a16:creationId xmlns:a16="http://schemas.microsoft.com/office/drawing/2014/main" id="{B30B2D21-875D-B745-9FEC-9A585A654CA2}"/>
-              </a:ext>
-            </a:extLst>
-          </p:cNvPr>
-          <p:cNvSpPr>
-            <a:spLocks noGrp="1"/>
-          </p:cNvSpPr>
-          <p:nvPr>
-            <p:ph idx="1"/>
-          </p:nvPr>
-        </p:nvSpPr>
-        <p:spPr/>
-        <p:txBody>
-          <a:bodyPr/>
-          <a:lstStyle/>
-          <a:p>
-            <a:r>
-              <a:rPr kumimoji="1" lang="en-US" altLang="zh-CN" dirty="0"/>
-              <a:t>PV-&gt;</a:t>
-            </a:r>
-            <a:r>
-              <a:rPr kumimoji="1" lang="en-US" altLang="zh-CN" dirty="0" err="1"/>
-              <a:t>incrby</a:t>
-            </a:r>
-            <a:endParaRPr kumimoji="1" lang="en-US" altLang="zh-CN" dirty="0"/>
-          </a:p>
-          <a:p>
-            <a:r>
-              <a:rPr kumimoji="1" lang="en-US" altLang="zh-CN" dirty="0"/>
-              <a:t>UV-&gt;set-&gt;</a:t>
-            </a:r>
-            <a:r>
-              <a:rPr kumimoji="1" lang="en-US" altLang="zh-CN" dirty="0" err="1"/>
-              <a:t>HyperLogLog</a:t>
-            </a:r>
-            <a:endParaRPr kumimoji="1" lang="en-US" altLang="zh-CN" dirty="0"/>
-          </a:p>
-          <a:p>
-            <a:r>
-              <a:rPr kumimoji="1" lang="en-US" altLang="zh-CN" dirty="0" err="1"/>
-              <a:t>pfadd</a:t>
-            </a:r>
-            <a:r>
-              <a:rPr kumimoji="1" lang="en-US" altLang="zh-CN" dirty="0"/>
-              <a:t>/</a:t>
-            </a:r>
-            <a:r>
-              <a:rPr kumimoji="1" lang="en-US" altLang="zh-CN" dirty="0" err="1"/>
-              <a:t>pfcount</a:t>
-            </a:r>
-            <a:r>
-              <a:rPr kumimoji="1" lang="en-US" altLang="zh-CN" dirty="0"/>
-              <a:t>/</a:t>
-            </a:r>
-            <a:r>
-              <a:rPr kumimoji="1" lang="en-US" altLang="zh-CN" dirty="0" err="1"/>
-              <a:t>pfmerge</a:t>
-            </a:r>
-            <a:endParaRPr kumimoji="1" lang="en-US" altLang="zh-CN" dirty="0"/>
-          </a:p>
-          <a:p>
-            <a:r>
-              <a:rPr kumimoji="1" lang="zh-CN" altLang="en-US" dirty="0"/>
-              <a:t>去重</a:t>
-            </a:r>
-            <a:r>
-              <a:rPr kumimoji="1" lang="en-US" altLang="zh-CN" dirty="0"/>
-              <a:t>-&gt;Set-&gt;</a:t>
-            </a:r>
-            <a:r>
-              <a:rPr kumimoji="1" lang="en-US" altLang="zh-CN" dirty="0" err="1"/>
-              <a:t>BloomFilter</a:t>
-            </a:r>
-            <a:endParaRPr kumimoji="1" lang="en-US" altLang="zh-CN" dirty="0"/>
-          </a:p>
-          <a:p>
-            <a:r>
-              <a:rPr kumimoji="1" lang="en-US" altLang="zh-CN" dirty="0" err="1"/>
-              <a:t>bf.add</a:t>
-            </a:r>
-            <a:r>
-              <a:rPr kumimoji="1" lang="en-US" altLang="zh-CN" dirty="0"/>
-              <a:t>/</a:t>
-            </a:r>
-            <a:r>
-              <a:rPr kumimoji="1" lang="en-US" altLang="zh-CN" dirty="0" err="1"/>
-              <a:t>bf.exists</a:t>
-            </a:r>
-            <a:r>
-              <a:rPr kumimoji="1" lang="en-US" altLang="zh-CN" dirty="0"/>
-              <a:t>/</a:t>
-            </a:r>
-            <a:r>
-              <a:rPr kumimoji="1" lang="en-US" altLang="zh-CN" dirty="0" err="1"/>
-              <a:t>bf.madd</a:t>
-            </a:r>
-            <a:r>
-              <a:rPr kumimoji="1" lang="en-US" altLang="zh-CN" dirty="0"/>
-              <a:t>/</a:t>
-            </a:r>
-            <a:r>
-              <a:rPr kumimoji="1" lang="en-US" altLang="zh-CN" dirty="0" err="1"/>
-              <a:t>bf.mexists</a:t>
-            </a:r>
+              <a:t> </a:t>
+            </a:r>
+            <a:r>
+              <a:rPr kumimoji="1" lang="en-US" altLang="zh-CN" dirty="0"/>
+              <a:t>60</a:t>
+            </a:r>
+            <a:r>
+              <a:rPr kumimoji="1" lang="zh-CN" altLang="en-US" dirty="0"/>
+              <a:t> </a:t>
+            </a:r>
+            <a:r>
+              <a:rPr kumimoji="1" lang="en-US" altLang="zh-CN" dirty="0"/>
+              <a:t>seconds</a:t>
+            </a:r>
+            <a:r>
+              <a:rPr kumimoji="1" lang="zh-CN" altLang="en-US" dirty="0"/>
+              <a:t>漏水速率，</a:t>
+            </a:r>
+            <a:r>
+              <a:rPr kumimoji="1" lang="en-US" altLang="zh-CN" dirty="0"/>
+              <a:t>1</a:t>
+            </a:r>
+            <a:r>
+              <a:rPr kumimoji="1" lang="zh-CN" altLang="en-US" dirty="0"/>
+              <a:t>：</a:t>
+            </a:r>
+            <a:r>
+              <a:rPr kumimoji="1" lang="en-US" altLang="zh-CN" dirty="0"/>
+              <a:t>quota</a:t>
+            </a:r>
+          </a:p>
+          <a:p>
+            <a:pPr lvl="1"/>
             <a:endParaRPr kumimoji="1" lang="zh-CN" altLang="en-US" dirty="0"/>
           </a:p>
         </p:txBody>
@@ -7233,7 +7425,7 @@
     </p:spTree>
     <p:extLst>
       <p:ext uri="{BB962C8B-B14F-4D97-AF65-F5344CB8AC3E}">
-        <p14:creationId xmlns:p14="http://schemas.microsoft.com/office/powerpoint/2010/main" val="398026022"/>
+        <p14:creationId xmlns:p14="http://schemas.microsoft.com/office/powerpoint/2010/main" val="2546404549"/>
       </p:ext>
     </p:extLst>
   </p:cSld>
@@ -7265,7 +7457,7 @@
           <p:cNvPr id="2" name="标题 1">
             <a:extLst>
               <a:ext uri="{FF2B5EF4-FFF2-40B4-BE49-F238E27FC236}">
-                <a16:creationId xmlns:a16="http://schemas.microsoft.com/office/drawing/2014/main" id="{44600D46-8072-0E42-B3E4-E471CB4AB50B}"/>
+                <a16:creationId xmlns:a16="http://schemas.microsoft.com/office/drawing/2014/main" id="{7A473AD3-D880-AC4A-B91F-EFF365D66017}"/>
               </a:ext>
             </a:extLst>
           </p:cNvPr>
@@ -7282,9 +7474,10 @@
           <a:lstStyle/>
           <a:p>
             <a:r>
-              <a:rPr kumimoji="1" lang="zh-CN" altLang="en-US" dirty="0"/>
-              <a:t>限流</a:t>
-            </a:r>
+              <a:rPr kumimoji="1" lang="en-US" altLang="zh-CN" dirty="0" err="1"/>
+              <a:t>GeoHash</a:t>
+            </a:r>
+            <a:endParaRPr kumimoji="1" lang="zh-CN" altLang="en-US" dirty="0"/>
           </a:p>
         </p:txBody>
       </p:sp>
@@ -7293,7 +7486,7 @@
           <p:cNvPr id="3" name="内容占位符 2">
             <a:extLst>
               <a:ext uri="{FF2B5EF4-FFF2-40B4-BE49-F238E27FC236}">
-                <a16:creationId xmlns:a16="http://schemas.microsoft.com/office/drawing/2014/main" id="{86A284E4-812D-594E-A0E4-AC2AFED0EA08}"/>
+                <a16:creationId xmlns:a16="http://schemas.microsoft.com/office/drawing/2014/main" id="{7FB9D608-F63E-4C49-84CF-A19CDBFFD87D}"/>
               </a:ext>
             </a:extLst>
           </p:cNvPr>
@@ -7311,224 +7504,141 @@
           <a:p>
             <a:r>
               <a:rPr kumimoji="1" lang="zh-CN" altLang="en-US" dirty="0"/>
-              <a:t>简单限流</a:t>
+              <a:t>经纬度</a:t>
+            </a:r>
+            <a:r>
+              <a:rPr kumimoji="1" lang="en-US" altLang="zh-CN" dirty="0"/>
+              <a:t>52</a:t>
+            </a:r>
+            <a:r>
+              <a:rPr kumimoji="1" lang="zh-CN" altLang="en-US" dirty="0"/>
+              <a:t>位整数进行编码，放进了</a:t>
+            </a:r>
+            <a:r>
+              <a:rPr kumimoji="1" lang="en-US" altLang="zh-CN" dirty="0" err="1"/>
+              <a:t>zset</a:t>
+            </a:r>
+            <a:r>
+              <a:rPr kumimoji="1" lang="zh-CN" altLang="en-US" dirty="0"/>
+              <a:t>里面，</a:t>
+            </a:r>
+            <a:r>
+              <a:rPr kumimoji="1" lang="en-US" altLang="zh-CN" dirty="0"/>
+              <a:t>value</a:t>
+            </a:r>
+            <a:r>
+              <a:rPr kumimoji="1" lang="zh-CN" altLang="en-US" dirty="0"/>
+              <a:t>是元素的</a:t>
+            </a:r>
+            <a:r>
+              <a:rPr kumimoji="1" lang="en-US" altLang="zh-CN" dirty="0"/>
+              <a:t>key</a:t>
+            </a:r>
+            <a:r>
+              <a:rPr kumimoji="1" lang="zh-CN" altLang="en-US" dirty="0"/>
+              <a:t>，</a:t>
+            </a:r>
+            <a:r>
+              <a:rPr kumimoji="1" lang="en-US" altLang="zh-CN" dirty="0"/>
+              <a:t>score</a:t>
+            </a:r>
+            <a:r>
+              <a:rPr kumimoji="1" lang="zh-CN" altLang="en-US" dirty="0"/>
+              <a:t>是</a:t>
+            </a:r>
+            <a:r>
+              <a:rPr kumimoji="1" lang="en-US" altLang="zh-CN" dirty="0" err="1"/>
+              <a:t>GeoHash</a:t>
+            </a:r>
+            <a:r>
+              <a:rPr kumimoji="1" lang="zh-CN" altLang="en-US" dirty="0"/>
+              <a:t>的</a:t>
+            </a:r>
+            <a:r>
+              <a:rPr kumimoji="1" lang="en-US" altLang="zh-CN" dirty="0"/>
+              <a:t>52</a:t>
+            </a:r>
+            <a:r>
+              <a:rPr kumimoji="1" lang="zh-CN" altLang="en-US" dirty="0"/>
+              <a:t>位整数值</a:t>
             </a:r>
             <a:endParaRPr kumimoji="1" lang="en-US" altLang="zh-CN" dirty="0"/>
           </a:p>
           <a:p>
-            <a:pPr lvl="1"/>
-            <a:r>
-              <a:rPr kumimoji="1" lang="zh-CN" altLang="en-US" dirty="0"/>
-              <a:t>滑动窗口</a:t>
+            <a:r>
+              <a:rPr kumimoji="1" lang="en-US" altLang="zh-CN" dirty="0" err="1"/>
+              <a:t>geoadd</a:t>
+            </a:r>
+            <a:r>
+              <a:rPr kumimoji="1" lang="en-US" altLang="zh-CN" dirty="0"/>
+              <a:t>/</a:t>
+            </a:r>
+            <a:r>
+              <a:rPr kumimoji="1" lang="en-US" altLang="zh-CN" dirty="0" err="1"/>
+              <a:t>geodist</a:t>
+            </a:r>
+            <a:r>
+              <a:rPr kumimoji="1" lang="en-US" altLang="zh-CN" dirty="0"/>
+              <a:t>/</a:t>
+            </a:r>
+            <a:r>
+              <a:rPr kumimoji="1" lang="en-US" altLang="zh-CN" dirty="0" err="1"/>
+              <a:t>geopos</a:t>
+            </a:r>
+            <a:r>
+              <a:rPr kumimoji="1" lang="en-US" altLang="zh-CN" dirty="0"/>
+              <a:t>/</a:t>
+            </a:r>
+            <a:r>
+              <a:rPr kumimoji="1" lang="en-US" altLang="zh-CN" dirty="0" err="1"/>
+              <a:t>georadiusbymember</a:t>
+            </a:r>
+            <a:r>
+              <a:rPr kumimoji="1" lang="en-US" altLang="zh-CN" dirty="0"/>
+              <a:t>/</a:t>
+            </a:r>
+            <a:r>
+              <a:rPr kumimoji="1" lang="en-US" altLang="zh-CN" dirty="0" err="1"/>
+              <a:t>georadius</a:t>
             </a:r>
             <a:endParaRPr kumimoji="1" lang="en-US" altLang="zh-CN" dirty="0"/>
           </a:p>
           <a:p>
-            <a:pPr lvl="1"/>
-            <a:r>
-              <a:rPr kumimoji="1" lang="en-US" altLang="zh-CN" dirty="0" err="1"/>
-              <a:t>zset</a:t>
+            <a:r>
+              <a:rPr kumimoji="1" lang="zh-CN" altLang="en-US" dirty="0"/>
+              <a:t>建议</a:t>
+            </a:r>
+            <a:r>
+              <a:rPr kumimoji="1" lang="en-US" altLang="zh-CN" dirty="0"/>
+              <a:t>Geo</a:t>
+            </a:r>
+            <a:r>
+              <a:rPr kumimoji="1" lang="zh-CN" altLang="en-US" dirty="0"/>
+              <a:t>的数据单独的</a:t>
+            </a:r>
+            <a:r>
+              <a:rPr kumimoji="1" lang="en-US" altLang="zh-CN" dirty="0"/>
+              <a:t>Redis</a:t>
+            </a:r>
+            <a:r>
+              <a:rPr kumimoji="1" lang="zh-CN" altLang="en-US" dirty="0"/>
+              <a:t>实例部署，不使用集群环境</a:t>
             </a:r>
             <a:endParaRPr kumimoji="1" lang="en-US" altLang="zh-CN" dirty="0"/>
           </a:p>
           <a:p>
             <a:r>
               <a:rPr kumimoji="1" lang="zh-CN" altLang="en-US" dirty="0"/>
-              <a:t>漏斗限流</a:t>
+              <a:t>如果数据量过大，按照国家、省、人口特大城市拆分</a:t>
             </a:r>
             <a:endParaRPr kumimoji="1" lang="en-US" altLang="zh-CN" dirty="0"/>
-          </a:p>
-          <a:p>
-            <a:pPr lvl="1"/>
-            <a:r>
-              <a:rPr kumimoji="1" lang="en-US" altLang="zh-CN" dirty="0"/>
-              <a:t>hash</a:t>
-            </a:r>
-          </a:p>
-          <a:p>
-            <a:pPr lvl="1"/>
-            <a:r>
-              <a:rPr kumimoji="1" lang="en-US" altLang="zh-CN" dirty="0" err="1"/>
-              <a:t>redis</a:t>
-            </a:r>
-            <a:r>
-              <a:rPr kumimoji="1" lang="en-US" altLang="zh-CN" dirty="0"/>
-              <a:t>-cell/</a:t>
-            </a:r>
-            <a:r>
-              <a:rPr kumimoji="1" lang="en-US" altLang="zh-CN" dirty="0" err="1"/>
-              <a:t>cl.throttle</a:t>
-            </a:r>
-            <a:endParaRPr kumimoji="1" lang="en-US" altLang="zh-CN" dirty="0"/>
-          </a:p>
-          <a:p>
-            <a:pPr lvl="1"/>
-            <a:r>
-              <a:rPr kumimoji="1" lang="zh-CN" altLang="en-US" dirty="0"/>
-              <a:t>回帖举例：每</a:t>
-            </a:r>
-            <a:r>
-              <a:rPr kumimoji="1" lang="en-US" altLang="zh-CN" dirty="0"/>
-              <a:t>60s</a:t>
-            </a:r>
-            <a:r>
-              <a:rPr kumimoji="1" lang="zh-CN" altLang="en-US" dirty="0"/>
-              <a:t>最多</a:t>
-            </a:r>
-            <a:r>
-              <a:rPr kumimoji="1" lang="en-US" altLang="zh-CN" dirty="0"/>
-              <a:t>30</a:t>
-            </a:r>
-            <a:r>
-              <a:rPr kumimoji="1" lang="zh-CN" altLang="en-US" dirty="0"/>
-              <a:t>次（漏水速率），漏斗初始容量</a:t>
-            </a:r>
-            <a:r>
-              <a:rPr kumimoji="1" lang="en-US" altLang="zh-CN" dirty="0"/>
-              <a:t>15</a:t>
-            </a:r>
-            <a:r>
-              <a:rPr kumimoji="1" lang="zh-CN" altLang="en-US" dirty="0"/>
-              <a:t>，一开始可以回复</a:t>
-            </a:r>
-            <a:r>
-              <a:rPr kumimoji="1" lang="en-US" altLang="zh-CN" dirty="0"/>
-              <a:t>15</a:t>
-            </a:r>
-            <a:r>
-              <a:rPr kumimoji="1" lang="zh-CN" altLang="en-US" dirty="0"/>
-              <a:t>个帖子，接下来开始受漏水速率影响</a:t>
-            </a:r>
-            <a:endParaRPr kumimoji="1" lang="en-US" altLang="zh-CN" dirty="0"/>
-          </a:p>
-          <a:p>
-            <a:pPr lvl="1"/>
-            <a:r>
-              <a:rPr kumimoji="1" lang="en-US" altLang="zh-CN" dirty="0" err="1"/>
-              <a:t>cl.throttle</a:t>
-            </a:r>
-            <a:r>
-              <a:rPr kumimoji="1" lang="zh-CN" altLang="en-US" dirty="0"/>
-              <a:t> </a:t>
-            </a:r>
-            <a:r>
-              <a:rPr kumimoji="1" lang="en-US" altLang="zh-CN" dirty="0"/>
-              <a:t>key</a:t>
-            </a:r>
-            <a:r>
-              <a:rPr kumimoji="1" lang="zh-CN" altLang="en-US" dirty="0"/>
-              <a:t> </a:t>
-            </a:r>
-            <a:r>
-              <a:rPr kumimoji="1" lang="en-US" altLang="zh-CN" dirty="0"/>
-              <a:t>15</a:t>
-            </a:r>
-            <a:r>
-              <a:rPr kumimoji="1" lang="zh-CN" altLang="en-US" dirty="0"/>
-              <a:t> </a:t>
-            </a:r>
-            <a:r>
-              <a:rPr kumimoji="1" lang="en-US" altLang="zh-CN" dirty="0"/>
-              <a:t>30</a:t>
-            </a:r>
-            <a:r>
-              <a:rPr kumimoji="1" lang="zh-CN" altLang="en-US" dirty="0"/>
-              <a:t> </a:t>
-            </a:r>
-            <a:r>
-              <a:rPr kumimoji="1" lang="en-US" altLang="zh-CN" dirty="0"/>
-              <a:t>60</a:t>
-            </a:r>
-            <a:r>
-              <a:rPr kumimoji="1" lang="zh-CN" altLang="en-US" dirty="0"/>
-              <a:t> </a:t>
-            </a:r>
-            <a:r>
-              <a:rPr kumimoji="1" lang="en-US" altLang="zh-CN" dirty="0"/>
-              <a:t>1</a:t>
-            </a:r>
-          </a:p>
-          <a:p>
-            <a:pPr lvl="1"/>
-            <a:r>
-              <a:rPr kumimoji="1" lang="en-US" altLang="zh-CN" dirty="0"/>
-              <a:t>15</a:t>
-            </a:r>
-            <a:r>
-              <a:rPr kumimoji="1" lang="zh-CN" altLang="en-US" dirty="0"/>
-              <a:t>：</a:t>
-            </a:r>
-            <a:r>
-              <a:rPr kumimoji="1" lang="en-US" altLang="zh-CN" dirty="0"/>
-              <a:t>capacity</a:t>
-            </a:r>
-            <a:r>
-              <a:rPr kumimoji="1" lang="zh-CN" altLang="en-US" dirty="0"/>
-              <a:t>，</a:t>
-            </a:r>
-            <a:r>
-              <a:rPr kumimoji="1" lang="en-US" altLang="zh-CN" dirty="0"/>
-              <a:t>30</a:t>
-            </a:r>
-            <a:r>
-              <a:rPr kumimoji="1" lang="zh-CN" altLang="en-US" dirty="0"/>
-              <a:t> </a:t>
-            </a:r>
-            <a:r>
-              <a:rPr kumimoji="1" lang="en-US" altLang="zh-CN" dirty="0"/>
-              <a:t>operations</a:t>
-            </a:r>
-            <a:r>
-              <a:rPr kumimoji="1" lang="zh-CN" altLang="en-US" dirty="0"/>
-              <a:t> </a:t>
-            </a:r>
-            <a:r>
-              <a:rPr kumimoji="1" lang="en-US" altLang="zh-CN" dirty="0"/>
-              <a:t>/</a:t>
-            </a:r>
-            <a:r>
-              <a:rPr kumimoji="1" lang="zh-CN" altLang="en-US" dirty="0"/>
-              <a:t> </a:t>
-            </a:r>
-            <a:r>
-              <a:rPr kumimoji="1" lang="en-US" altLang="zh-CN" dirty="0"/>
-              <a:t>60</a:t>
-            </a:r>
-            <a:r>
-              <a:rPr kumimoji="1" lang="zh-CN" altLang="en-US" dirty="0"/>
-              <a:t> </a:t>
-            </a:r>
-            <a:r>
-              <a:rPr kumimoji="1" lang="en-US" altLang="zh-CN" dirty="0"/>
-              <a:t>seconds</a:t>
-            </a:r>
-            <a:r>
-              <a:rPr kumimoji="1" lang="zh-CN" altLang="en-US" dirty="0"/>
-              <a:t>漏水速率，</a:t>
-            </a:r>
-            <a:r>
-              <a:rPr kumimoji="1" lang="en-US" altLang="zh-CN" dirty="0"/>
-              <a:t>1</a:t>
-            </a:r>
-            <a:r>
-              <a:rPr kumimoji="1" lang="zh-CN" altLang="en-US" dirty="0"/>
-              <a:t>：</a:t>
-            </a:r>
-            <a:r>
-              <a:rPr kumimoji="1" lang="en-US" altLang="zh-CN" dirty="0"/>
-              <a:t>quota</a:t>
-            </a:r>
-          </a:p>
-          <a:p>
-            <a:pPr lvl="1"/>
-            <a:endParaRPr kumimoji="1" lang="zh-CN" altLang="en-US" dirty="0"/>
           </a:p>
         </p:txBody>
       </p:sp>
     </p:spTree>
     <p:extLst>
       <p:ext uri="{BB962C8B-B14F-4D97-AF65-F5344CB8AC3E}">
-        <p14:creationId xmlns:p14="http://schemas.microsoft.com/office/powerpoint/2010/main" val="2546404549"/>
+        <p14:creationId xmlns:p14="http://schemas.microsoft.com/office/powerpoint/2010/main" val="440599544"/>
       </p:ext>
     </p:extLst>
   </p:cSld>
@@ -7560,7 +7670,7 @@
           <p:cNvPr id="2" name="标题 1">
             <a:extLst>
               <a:ext uri="{FF2B5EF4-FFF2-40B4-BE49-F238E27FC236}">
-                <a16:creationId xmlns:a16="http://schemas.microsoft.com/office/drawing/2014/main" id="{7A473AD3-D880-AC4A-B91F-EFF365D66017}"/>
+                <a16:creationId xmlns:a16="http://schemas.microsoft.com/office/drawing/2014/main" id="{52940842-12AD-0248-BA6E-739314724684}"/>
               </a:ext>
             </a:extLst>
           </p:cNvPr>
@@ -7577,8 +7687,8 @@
           <a:lstStyle/>
           <a:p>
             <a:r>
-              <a:rPr kumimoji="1" lang="en-US" altLang="zh-CN" dirty="0" err="1"/>
-              <a:t>GeoHash</a:t>
+              <a:rPr kumimoji="1" lang="en-US" altLang="zh-CN" dirty="0"/>
+              <a:t>scan</a:t>
             </a:r>
             <a:endParaRPr kumimoji="1" lang="zh-CN" altLang="en-US" dirty="0"/>
           </a:p>
@@ -7589,7 +7699,7 @@
           <p:cNvPr id="3" name="内容占位符 2">
             <a:extLst>
               <a:ext uri="{FF2B5EF4-FFF2-40B4-BE49-F238E27FC236}">
-                <a16:creationId xmlns:a16="http://schemas.microsoft.com/office/drawing/2014/main" id="{7FB9D608-F63E-4C49-84CF-A19CDBFFD87D}"/>
+                <a16:creationId xmlns:a16="http://schemas.microsoft.com/office/drawing/2014/main" id="{CA3E5862-222F-EC42-947C-B3DCAA1B277D}"/>
               </a:ext>
             </a:extLst>
           </p:cNvPr>
@@ -7606,32 +7716,94 @@
           <a:lstStyle/>
           <a:p>
             <a:r>
-              <a:rPr kumimoji="1" lang="zh-CN" altLang="en-US" dirty="0"/>
-              <a:t>经纬度</a:t>
-            </a:r>
-            <a:r>
-              <a:rPr kumimoji="1" lang="en-US" altLang="zh-CN" dirty="0"/>
-              <a:t>52</a:t>
-            </a:r>
-            <a:r>
-              <a:rPr kumimoji="1" lang="zh-CN" altLang="en-US" dirty="0"/>
-              <a:t>位整数进行编码，放进了</a:t>
-            </a:r>
-            <a:r>
-              <a:rPr kumimoji="1" lang="en-US" altLang="zh-CN" dirty="0" err="1"/>
-              <a:t>zset</a:t>
-            </a:r>
-            <a:r>
-              <a:rPr kumimoji="1" lang="zh-CN" altLang="en-US" dirty="0"/>
-              <a:t>里面，</a:t>
-            </a:r>
-            <a:r>
-              <a:rPr kumimoji="1" lang="en-US" altLang="zh-CN" dirty="0"/>
-              <a:t>value</a:t>
-            </a:r>
-            <a:r>
-              <a:rPr kumimoji="1" lang="zh-CN" altLang="en-US" dirty="0"/>
-              <a:t>是元素的</a:t>
+              <a:rPr kumimoji="1" lang="en-US" altLang="zh-CN" dirty="0"/>
+              <a:t>Scan</a:t>
+            </a:r>
+            <a:r>
+              <a:rPr kumimoji="1" lang="zh-CN" altLang="en-US" dirty="0"/>
+              <a:t> </a:t>
+            </a:r>
+            <a:r>
+              <a:rPr kumimoji="1" lang="en-US" altLang="zh-CN" dirty="0"/>
+              <a:t>0</a:t>
+            </a:r>
+            <a:r>
+              <a:rPr kumimoji="1" lang="zh-CN" altLang="en-US" dirty="0"/>
+              <a:t> </a:t>
+            </a:r>
+            <a:r>
+              <a:rPr kumimoji="1" lang="en-US" altLang="zh-CN" dirty="0"/>
+              <a:t>match</a:t>
+            </a:r>
+            <a:r>
+              <a:rPr kumimoji="1" lang="zh-CN" altLang="en-US" dirty="0"/>
+              <a:t> </a:t>
+            </a:r>
+            <a:r>
+              <a:rPr kumimoji="1" lang="en-US" altLang="zh-CN" dirty="0"/>
+              <a:t>key99</a:t>
+            </a:r>
+            <a:r>
+              <a:rPr kumimoji="1" lang="zh-CN" altLang="en-US" dirty="0"/>
+              <a:t>* </a:t>
+            </a:r>
+            <a:r>
+              <a:rPr kumimoji="1" lang="en-US" altLang="zh-CN" dirty="0"/>
+              <a:t>count</a:t>
+            </a:r>
+            <a:r>
+              <a:rPr kumimoji="1" lang="zh-CN" altLang="en-US" dirty="0"/>
+              <a:t> </a:t>
+            </a:r>
+            <a:r>
+              <a:rPr kumimoji="1" lang="en-US" altLang="zh-CN" dirty="0"/>
+              <a:t>10</a:t>
+            </a:r>
+          </a:p>
+          <a:p>
+            <a:r>
+              <a:rPr kumimoji="1" lang="zh-CN" altLang="en-US" dirty="0"/>
+              <a:t>高位进位加法避免槽位的遍历重复和遗漏</a:t>
+            </a:r>
+            <a:endParaRPr kumimoji="1" lang="en-US" altLang="zh-CN" dirty="0"/>
+          </a:p>
+          <a:p>
+            <a:r>
+              <a:rPr kumimoji="1" lang="zh-CN" altLang="en-US" dirty="0"/>
+              <a:t>渐进式</a:t>
+            </a:r>
+            <a:r>
+              <a:rPr kumimoji="1" lang="en-US" altLang="zh-CN" dirty="0"/>
+              <a:t>rehash</a:t>
+            </a:r>
+          </a:p>
+          <a:p>
+            <a:r>
+              <a:rPr kumimoji="1" lang="en-US" altLang="zh-CN" dirty="0" err="1"/>
+              <a:t>zscan</a:t>
+            </a:r>
+            <a:r>
+              <a:rPr kumimoji="1" lang="en-US" altLang="zh-CN" dirty="0"/>
+              <a:t>/</a:t>
+            </a:r>
+            <a:r>
+              <a:rPr kumimoji="1" lang="en-US" altLang="zh-CN" dirty="0" err="1"/>
+              <a:t>hscan</a:t>
+            </a:r>
+            <a:r>
+              <a:rPr kumimoji="1" lang="en-US" altLang="zh-CN" dirty="0"/>
+              <a:t>/</a:t>
+            </a:r>
+            <a:r>
+              <a:rPr kumimoji="1" lang="en-US" altLang="zh-CN" dirty="0" err="1"/>
+              <a:t>sscan</a:t>
+            </a:r>
+            <a:endParaRPr kumimoji="1" lang="en-US" altLang="zh-CN" dirty="0"/>
+          </a:p>
+          <a:p>
+            <a:r>
+              <a:rPr kumimoji="1" lang="zh-CN" altLang="en-US" dirty="0"/>
+              <a:t>大</a:t>
             </a:r>
             <a:r>
               <a:rPr kumimoji="1" lang="en-US" altLang="zh-CN" dirty="0"/>
@@ -7639,109 +7811,88 @@
             </a:r>
             <a:r>
               <a:rPr kumimoji="1" lang="zh-CN" altLang="en-US" dirty="0"/>
-              <a:t>，</a:t>
-            </a:r>
-            <a:r>
-              <a:rPr kumimoji="1" lang="en-US" altLang="zh-CN" dirty="0"/>
-              <a:t>score</a:t>
-            </a:r>
-            <a:r>
-              <a:rPr kumimoji="1" lang="zh-CN" altLang="en-US" dirty="0"/>
-              <a:t>是</a:t>
-            </a:r>
-            <a:r>
-              <a:rPr kumimoji="1" lang="en-US" altLang="zh-CN" dirty="0" err="1"/>
-              <a:t>GeoHash</a:t>
-            </a:r>
-            <a:r>
-              <a:rPr kumimoji="1" lang="zh-CN" altLang="en-US" dirty="0"/>
-              <a:t>的</a:t>
-            </a:r>
-            <a:r>
-              <a:rPr kumimoji="1" lang="en-US" altLang="zh-CN" dirty="0"/>
-              <a:t>52</a:t>
-            </a:r>
-            <a:r>
-              <a:rPr kumimoji="1" lang="zh-CN" altLang="en-US" dirty="0"/>
-              <a:t>位整数值</a:t>
-            </a:r>
-            <a:endParaRPr kumimoji="1" lang="en-US" altLang="zh-CN" dirty="0"/>
-          </a:p>
-          <a:p>
-            <a:r>
-              <a:rPr kumimoji="1" lang="en-US" altLang="zh-CN" dirty="0" err="1"/>
-              <a:t>geoadd</a:t>
-            </a:r>
-            <a:r>
-              <a:rPr kumimoji="1" lang="en-US" altLang="zh-CN" dirty="0"/>
-              <a:t>/</a:t>
-            </a:r>
-            <a:r>
-              <a:rPr kumimoji="1" lang="en-US" altLang="zh-CN" dirty="0" err="1"/>
-              <a:t>geodist</a:t>
-            </a:r>
-            <a:r>
-              <a:rPr kumimoji="1" lang="en-US" altLang="zh-CN" dirty="0"/>
-              <a:t>/</a:t>
-            </a:r>
-            <a:r>
-              <a:rPr kumimoji="1" lang="en-US" altLang="zh-CN" dirty="0" err="1"/>
-              <a:t>geopos</a:t>
-            </a:r>
-            <a:r>
-              <a:rPr kumimoji="1" lang="en-US" altLang="zh-CN" dirty="0"/>
-              <a:t>/</a:t>
-            </a:r>
-            <a:r>
-              <a:rPr kumimoji="1" lang="en-US" altLang="zh-CN" dirty="0" err="1"/>
-              <a:t>georadiusbymember</a:t>
-            </a:r>
-            <a:r>
-              <a:rPr kumimoji="1" lang="en-US" altLang="zh-CN" dirty="0"/>
-              <a:t>/</a:t>
-            </a:r>
-            <a:r>
-              <a:rPr kumimoji="1" lang="en-US" altLang="zh-CN" dirty="0" err="1"/>
-              <a:t>georadius</a:t>
-            </a:r>
-            <a:endParaRPr kumimoji="1" lang="en-US" altLang="zh-CN" dirty="0"/>
-          </a:p>
-          <a:p>
-            <a:r>
-              <a:rPr kumimoji="1" lang="zh-CN" altLang="en-US" dirty="0"/>
-              <a:t>建议</a:t>
-            </a:r>
-            <a:r>
-              <a:rPr kumimoji="1" lang="en-US" altLang="zh-CN" dirty="0"/>
-              <a:t>Geo</a:t>
-            </a:r>
-            <a:r>
-              <a:rPr kumimoji="1" lang="zh-CN" altLang="en-US" dirty="0"/>
-              <a:t>的数据单独的</a:t>
-            </a:r>
-            <a:r>
-              <a:rPr kumimoji="1" lang="en-US" altLang="zh-CN" dirty="0"/>
-              <a:t>Redis</a:t>
-            </a:r>
-            <a:r>
-              <a:rPr kumimoji="1" lang="zh-CN" altLang="en-US" dirty="0"/>
-              <a:t>实例部署，不使用集群环境</a:t>
-            </a:r>
-            <a:endParaRPr kumimoji="1" lang="en-US" altLang="zh-CN" dirty="0"/>
-          </a:p>
-          <a:p>
-            <a:r>
-              <a:rPr kumimoji="1" lang="zh-CN" altLang="en-US" dirty="0"/>
-              <a:t>如果数据量过大，按照国家、省、人口特大城市拆分</a:t>
-            </a:r>
-            <a:endParaRPr kumimoji="1" lang="en-US" altLang="zh-CN" dirty="0"/>
+              <a:t>扫描：</a:t>
+            </a:r>
+            <a:r>
+              <a:rPr kumimoji="1" lang="en-US" altLang="zh-CN" dirty="0" err="1"/>
+              <a:t>redis</a:t>
+            </a:r>
+            <a:r>
+              <a:rPr kumimoji="1" lang="en-US" altLang="zh-CN" dirty="0"/>
+              <a:t>-cli</a:t>
+            </a:r>
+            <a:r>
+              <a:rPr kumimoji="1" lang="zh-CN" altLang="en-US" dirty="0"/>
+              <a:t> </a:t>
+            </a:r>
+            <a:r>
+              <a:rPr kumimoji="1" lang="en-US" altLang="zh-CN" dirty="0"/>
+              <a:t>–h</a:t>
+            </a:r>
+            <a:r>
+              <a:rPr kumimoji="1" lang="zh-CN" altLang="en-US" dirty="0"/>
+              <a:t> </a:t>
+            </a:r>
+            <a:r>
+              <a:rPr kumimoji="1" lang="en-US" altLang="zh-CN" dirty="0"/>
+              <a:t>127.0.0.1</a:t>
+            </a:r>
+            <a:r>
+              <a:rPr kumimoji="1" lang="zh-CN" altLang="en-US" dirty="0"/>
+              <a:t> </a:t>
+            </a:r>
+            <a:r>
+              <a:rPr kumimoji="1" lang="en-US" altLang="zh-CN" dirty="0"/>
+              <a:t>–p</a:t>
+            </a:r>
+            <a:r>
+              <a:rPr kumimoji="1" lang="zh-CN" altLang="en-US" dirty="0"/>
+              <a:t> </a:t>
+            </a:r>
+            <a:r>
+              <a:rPr kumimoji="1" lang="en-US" altLang="zh-CN" dirty="0"/>
+              <a:t>7001</a:t>
+            </a:r>
+            <a:r>
+              <a:rPr kumimoji="1" lang="zh-CN" altLang="en-US" dirty="0"/>
+              <a:t> </a:t>
+            </a:r>
+            <a:r>
+              <a:rPr kumimoji="1" lang="en-US" altLang="zh-CN" dirty="0"/>
+              <a:t>–</a:t>
+            </a:r>
+            <a:r>
+              <a:rPr kumimoji="1" lang="en-US" altLang="zh-CN" dirty="0" err="1"/>
+              <a:t>bigkeys</a:t>
+            </a:r>
+            <a:r>
+              <a:rPr kumimoji="1" lang="zh-CN" altLang="en-US" dirty="0"/>
+              <a:t> </a:t>
+            </a:r>
+            <a:r>
+              <a:rPr kumimoji="1" lang="en-US" altLang="zh-CN" dirty="0"/>
+              <a:t>–</a:t>
+            </a:r>
+            <a:r>
+              <a:rPr kumimoji="1" lang="en-US" altLang="zh-CN"/>
+              <a:t>i</a:t>
+            </a:r>
+            <a:r>
+              <a:rPr kumimoji="1" lang="zh-CN" altLang="en-US"/>
+              <a:t> </a:t>
+            </a:r>
+            <a:r>
+              <a:rPr kumimoji="1" lang="en-US" altLang="zh-CN" dirty="0"/>
+              <a:t>0.1</a:t>
+            </a:r>
+            <a:endParaRPr kumimoji="1" lang="zh-CN" altLang="en-US" dirty="0"/>
           </a:p>
         </p:txBody>
       </p:sp>
     </p:spTree>
     <p:extLst>
       <p:ext uri="{BB962C8B-B14F-4D97-AF65-F5344CB8AC3E}">
-        <p14:creationId xmlns:p14="http://schemas.microsoft.com/office/powerpoint/2010/main" val="440599544"/>
+        <p14:creationId xmlns:p14="http://schemas.microsoft.com/office/powerpoint/2010/main" val="1171476863"/>
       </p:ext>
     </p:extLst>
   </p:cSld>
@@ -7773,7 +7924,7 @@
           <p:cNvPr id="2" name="标题 1">
             <a:extLst>
               <a:ext uri="{FF2B5EF4-FFF2-40B4-BE49-F238E27FC236}">
-                <a16:creationId xmlns:a16="http://schemas.microsoft.com/office/drawing/2014/main" id="{52940842-12AD-0248-BA6E-739314724684}"/>
+                <a16:creationId xmlns:a16="http://schemas.microsoft.com/office/drawing/2014/main" id="{1FA2F760-D0E5-AA4D-9C78-10F3E7F0486A}"/>
               </a:ext>
             </a:extLst>
           </p:cNvPr>
@@ -7790,10 +7941,9 @@
           <a:lstStyle/>
           <a:p>
             <a:r>
-              <a:rPr kumimoji="1" lang="en-US" altLang="zh-CN" dirty="0"/>
-              <a:t>scan</a:t>
-            </a:r>
-            <a:endParaRPr kumimoji="1" lang="zh-CN" altLang="en-US" dirty="0"/>
+              <a:rPr kumimoji="1" lang="zh-CN" altLang="en-US" dirty="0"/>
+              <a:t>原理</a:t>
+            </a:r>
           </a:p>
         </p:txBody>
       </p:sp>
@@ -7802,7 +7952,7 @@
           <p:cNvPr id="3" name="内容占位符 2">
             <a:extLst>
               <a:ext uri="{FF2B5EF4-FFF2-40B4-BE49-F238E27FC236}">
-                <a16:creationId xmlns:a16="http://schemas.microsoft.com/office/drawing/2014/main" id="{CA3E5862-222F-EC42-947C-B3DCAA1B277D}"/>
+                <a16:creationId xmlns:a16="http://schemas.microsoft.com/office/drawing/2014/main" id="{97867694-A178-5D42-937E-3AF8583CB7B0}"/>
               </a:ext>
             </a:extLst>
           </p:cNvPr>
@@ -7820,173 +7970,64 @@
           <a:p>
             <a:r>
               <a:rPr kumimoji="1" lang="en-US" altLang="zh-CN" dirty="0"/>
-              <a:t>Scan</a:t>
-            </a:r>
-            <a:r>
-              <a:rPr kumimoji="1" lang="zh-CN" altLang="en-US" dirty="0"/>
-              <a:t> </a:t>
-            </a:r>
-            <a:r>
-              <a:rPr kumimoji="1" lang="en-US" altLang="zh-CN" dirty="0"/>
-              <a:t>0</a:t>
-            </a:r>
-            <a:r>
-              <a:rPr kumimoji="1" lang="zh-CN" altLang="en-US" dirty="0"/>
-              <a:t> </a:t>
-            </a:r>
-            <a:r>
-              <a:rPr kumimoji="1" lang="en-US" altLang="zh-CN" dirty="0"/>
-              <a:t>match</a:t>
-            </a:r>
-            <a:r>
-              <a:rPr kumimoji="1" lang="zh-CN" altLang="en-US" dirty="0"/>
-              <a:t> </a:t>
-            </a:r>
-            <a:r>
-              <a:rPr kumimoji="1" lang="en-US" altLang="zh-CN" dirty="0"/>
-              <a:t>key99</a:t>
-            </a:r>
-            <a:r>
-              <a:rPr kumimoji="1" lang="zh-CN" altLang="en-US" dirty="0"/>
-              <a:t>* </a:t>
-            </a:r>
-            <a:r>
-              <a:rPr kumimoji="1" lang="en-US" altLang="zh-CN" dirty="0"/>
-              <a:t>count</a:t>
-            </a:r>
-            <a:r>
-              <a:rPr kumimoji="1" lang="zh-CN" altLang="en-US" dirty="0"/>
-              <a:t> </a:t>
-            </a:r>
-            <a:r>
-              <a:rPr kumimoji="1" lang="en-US" altLang="zh-CN" dirty="0"/>
-              <a:t>10</a:t>
-            </a:r>
-          </a:p>
-          <a:p>
-            <a:r>
-              <a:rPr kumimoji="1" lang="zh-CN" altLang="en-US" dirty="0"/>
-              <a:t>高位进位加法避免槽位的遍历重复和遗漏</a:t>
+              <a:t>Redis</a:t>
+            </a:r>
+            <a:r>
+              <a:rPr kumimoji="1" lang="zh-CN" altLang="en-US" dirty="0"/>
+              <a:t>是单线程，慎用</a:t>
+            </a:r>
+            <a:r>
+              <a:rPr kumimoji="1" lang="en-US" altLang="zh-CN" dirty="0"/>
+              <a:t>O(n)</a:t>
+            </a:r>
+            <a:r>
+              <a:rPr kumimoji="1" lang="zh-CN" altLang="en-US" dirty="0"/>
+              <a:t>级别指令</a:t>
             </a:r>
             <a:endParaRPr kumimoji="1" lang="en-US" altLang="zh-CN" dirty="0"/>
           </a:p>
           <a:p>
             <a:r>
               <a:rPr kumimoji="1" lang="zh-CN" altLang="en-US" dirty="0"/>
-              <a:t>渐进式</a:t>
-            </a:r>
-            <a:r>
-              <a:rPr kumimoji="1" lang="en-US" altLang="zh-CN" dirty="0"/>
-              <a:t>rehash</a:t>
-            </a:r>
-          </a:p>
-          <a:p>
-            <a:r>
-              <a:rPr kumimoji="1" lang="en-US" altLang="zh-CN" dirty="0" err="1"/>
-              <a:t>zscan</a:t>
-            </a:r>
-            <a:r>
-              <a:rPr kumimoji="1" lang="en-US" altLang="zh-CN" dirty="0"/>
-              <a:t>/</a:t>
-            </a:r>
-            <a:r>
-              <a:rPr kumimoji="1" lang="en-US" altLang="zh-CN" dirty="0" err="1"/>
-              <a:t>hscan</a:t>
-            </a:r>
-            <a:r>
-              <a:rPr kumimoji="1" lang="en-US" altLang="zh-CN" dirty="0"/>
-              <a:t>/</a:t>
-            </a:r>
-            <a:r>
-              <a:rPr kumimoji="1" lang="en-US" altLang="zh-CN" dirty="0" err="1"/>
-              <a:t>sscan</a:t>
-            </a:r>
-            <a:endParaRPr kumimoji="1" lang="en-US" altLang="zh-CN" dirty="0"/>
-          </a:p>
-          <a:p>
-            <a:r>
-              <a:rPr kumimoji="1" lang="zh-CN" altLang="en-US" dirty="0"/>
-              <a:t>大</a:t>
-            </a:r>
-            <a:r>
-              <a:rPr kumimoji="1" lang="en-US" altLang="zh-CN" dirty="0"/>
-              <a:t>key</a:t>
-            </a:r>
-            <a:r>
-              <a:rPr kumimoji="1" lang="zh-CN" altLang="en-US" dirty="0"/>
-              <a:t>扫描：</a:t>
-            </a:r>
-            <a:r>
-              <a:rPr kumimoji="1" lang="en-US" altLang="zh-CN" dirty="0" err="1"/>
-              <a:t>redis</a:t>
-            </a:r>
-            <a:r>
-              <a:rPr kumimoji="1" lang="en-US" altLang="zh-CN" dirty="0"/>
-              <a:t>-cli</a:t>
-            </a:r>
-            <a:r>
-              <a:rPr kumimoji="1" lang="zh-CN" altLang="en-US" dirty="0"/>
-              <a:t> </a:t>
-            </a:r>
-            <a:r>
-              <a:rPr kumimoji="1" lang="en-US" altLang="zh-CN" dirty="0"/>
-              <a:t>–h</a:t>
-            </a:r>
-            <a:r>
-              <a:rPr kumimoji="1" lang="zh-CN" altLang="en-US" dirty="0"/>
-              <a:t> </a:t>
-            </a:r>
-            <a:r>
-              <a:rPr kumimoji="1" lang="en-US" altLang="zh-CN" dirty="0"/>
-              <a:t>127.0.0.1</a:t>
-            </a:r>
-            <a:r>
-              <a:rPr kumimoji="1" lang="zh-CN" altLang="en-US" dirty="0"/>
-              <a:t> </a:t>
-            </a:r>
-            <a:r>
-              <a:rPr kumimoji="1" lang="en-US" altLang="zh-CN" dirty="0"/>
-              <a:t>–p</a:t>
-            </a:r>
-            <a:r>
-              <a:rPr kumimoji="1" lang="zh-CN" altLang="en-US" dirty="0"/>
-              <a:t> </a:t>
-            </a:r>
-            <a:r>
-              <a:rPr kumimoji="1" lang="en-US" altLang="zh-CN" dirty="0"/>
-              <a:t>7001</a:t>
-            </a:r>
-            <a:r>
-              <a:rPr kumimoji="1" lang="zh-CN" altLang="en-US" dirty="0"/>
-              <a:t> </a:t>
-            </a:r>
-            <a:r>
-              <a:rPr kumimoji="1" lang="en-US" altLang="zh-CN" dirty="0"/>
-              <a:t>–</a:t>
-            </a:r>
-            <a:r>
-              <a:rPr kumimoji="1" lang="en-US" altLang="zh-CN" dirty="0" err="1"/>
-              <a:t>bigkeys</a:t>
-            </a:r>
-            <a:r>
-              <a:rPr kumimoji="1" lang="zh-CN" altLang="en-US" dirty="0"/>
-              <a:t> </a:t>
-            </a:r>
-            <a:r>
-              <a:rPr kumimoji="1" lang="en-US" altLang="zh-CN" dirty="0"/>
-              <a:t>–</a:t>
-            </a:r>
-            <a:r>
-              <a:rPr kumimoji="1" lang="en-US" altLang="zh-CN"/>
-              <a:t>i</a:t>
+              <a:t>非阻塞</a:t>
+            </a:r>
+            <a:r>
+              <a:rPr kumimoji="1" lang="en-US" altLang="zh-CN" dirty="0"/>
+              <a:t>IO/</a:t>
+            </a:r>
+            <a:r>
+              <a:rPr kumimoji="1" lang="zh-CN" altLang="en-US" dirty="0"/>
+              <a:t>多路复用</a:t>
+            </a:r>
+            <a:r>
+              <a:rPr kumimoji="1" lang="en-US" altLang="zh-CN" dirty="0"/>
+              <a:t>/select-&gt;</a:t>
+            </a:r>
+            <a:r>
+              <a:rPr kumimoji="1" lang="en-US" altLang="zh-CN" dirty="0" err="1"/>
+              <a:t>epoll</a:t>
+            </a:r>
+            <a:r>
+              <a:rPr kumimoji="1" lang="en-US" altLang="zh-CN" dirty="0"/>
+              <a:t>/Java</a:t>
+            </a:r>
+            <a:r>
+              <a:rPr kumimoji="1" lang="zh-CN" altLang="en-US" dirty="0"/>
+              <a:t> </a:t>
+            </a:r>
+            <a:r>
+              <a:rPr kumimoji="1" lang="en-US" altLang="zh-CN" dirty="0"/>
+              <a:t>NIO</a:t>
+            </a:r>
+          </a:p>
+          <a:p>
+            <a:r>
+              <a:rPr kumimoji="1" lang="en-US" altLang="zh-CN" dirty="0"/>
+              <a:t>RESP</a:t>
             </a:r>
             <a:r>
               <a:rPr kumimoji="1" lang="zh-CN" altLang="en-US"/>
-              <a:t> </a:t>
-            </a:r>
-            <a:r>
-              <a:rPr kumimoji="1" lang="en-US" altLang="zh-CN" dirty="0"/>
-              <a:t>0.1</a:t>
+              <a:t>序列化协议</a:t>
             </a:r>
             <a:endParaRPr kumimoji="1" lang="zh-CN" altLang="en-US" dirty="0"/>
           </a:p>
@@ -7995,7 +8036,7 @@
     </p:spTree>
     <p:extLst>
       <p:ext uri="{BB962C8B-B14F-4D97-AF65-F5344CB8AC3E}">
-        <p14:creationId xmlns:p14="http://schemas.microsoft.com/office/powerpoint/2010/main" val="1171476863"/>
+        <p14:creationId xmlns:p14="http://schemas.microsoft.com/office/powerpoint/2010/main" val="1113628274"/>
       </p:ext>
     </p:extLst>
   </p:cSld>
